--- a/Project_Poster-NN.pptx
+++ b/Project_Poster-NN.pptx
@@ -174,7 +174,11 @@
 <file path=ppt/revisionInfo.xml><?xml version="1.0" encoding="utf-8"?>
 <p1510:revInfo xmlns:a="http://schemas.openxmlformats.org/drawingml/2006/main" xmlns:r="http://schemas.openxmlformats.org/officeDocument/2006/relationships" xmlns:p1510="http://schemas.microsoft.com/office/powerpoint/2015/10/main">
   <p1510:revLst>
-    <p1510:client id="{47887CB4-8F60-4F25-83E1-58D15B9C0985}" v="227" dt="2020-11-29T19:33:45.353"/>
+    <p1510:client id="{0756543B-C882-4209-A490-CDD723B285E4}" v="41" dt="2020-12-13T17:01:02.424"/>
+    <p1510:client id="{462940AA-9684-F38B-BE6E-02AAA77007D1}" v="167" dt="2020-12-12T20:40:22.843"/>
+    <p1510:client id="{82023DB7-3E9B-85C6-81E6-779CCF6725B4}" v="2" dt="2020-12-12T21:32:27.555"/>
+    <p1510:client id="{C849B1D1-A086-4FD7-95D1-55780A8A6E0E}" v="35" dt="2020-12-13T16:00:17.226"/>
+    <p1510:client id="{E7187E3C-27E8-47E9-BD65-6DDC48BBF77D}" v="74" dt="2020-12-13T15:13:47.514"/>
   </p1510:revLst>
 </p1510:revInfo>
 </file>
@@ -182,132 +186,84 @@
 <file path=ppt/changesInfos/changesInfo1.xml><?xml version="1.0" encoding="utf-8"?>
 <pc:chgInfo xmlns:a="http://schemas.openxmlformats.org/drawingml/2006/main" xmlns:r="http://schemas.openxmlformats.org/officeDocument/2006/relationships" xmlns:ac="http://schemas.microsoft.com/office/drawing/2013/main/command" xmlns:pc="http://schemas.microsoft.com/office/powerpoint/2013/main/command">
   <pc:docChgLst>
-    <pc:chgData name="Aviv" userId="36823454-c8dd-46c1-88f9-5876435fcb26" providerId="ADAL" clId="{47887CB4-8F60-4F25-83E1-58D15B9C0985}"/>
-    <pc:docChg chg="undo custSel modSld">
-      <pc:chgData name="Aviv" userId="36823454-c8dd-46c1-88f9-5876435fcb26" providerId="ADAL" clId="{47887CB4-8F60-4F25-83E1-58D15B9C0985}" dt="2020-11-28T20:49:20.050" v="580" actId="20577"/>
+    <pc:chgData name="Aviv Paskaro" userId="S::avivp@campus.technion.ac.il::d866d186-a8b4-4be6-be96-55c40d47ca2a" providerId="AD" clId="Web-{9311B68A-517A-3359-7B7A-180F3E6B72E5}"/>
+    <pc:docChg chg="modSld">
+      <pc:chgData name="Aviv Paskaro" userId="S::avivp@campus.technion.ac.il::d866d186-a8b4-4be6-be96-55c40d47ca2a" providerId="AD" clId="Web-{9311B68A-517A-3359-7B7A-180F3E6B72E5}" dt="2020-12-11T08:12:18.874" v="8" actId="20577"/>
       <pc:docMkLst>
         <pc:docMk/>
       </pc:docMkLst>
-      <pc:sldChg chg="addSp delSp modSp">
-        <pc:chgData name="Aviv" userId="36823454-c8dd-46c1-88f9-5876435fcb26" providerId="ADAL" clId="{47887CB4-8F60-4F25-83E1-58D15B9C0985}" dt="2020-11-28T20:49:20.050" v="580" actId="20577"/>
+      <pc:sldChg chg="modSp">
+        <pc:chgData name="Aviv Paskaro" userId="S::avivp@campus.technion.ac.il::d866d186-a8b4-4be6-be96-55c40d47ca2a" providerId="AD" clId="Web-{9311B68A-517A-3359-7B7A-180F3E6B72E5}" dt="2020-12-11T08:12:18.531" v="7" actId="20577"/>
+        <pc:sldMkLst>
+          <pc:docMk/>
+          <pc:sldMk cId="3448835730" sldId="257"/>
+        </pc:sldMkLst>
+        <pc:spChg chg="mod">
+          <ac:chgData name="Aviv Paskaro" userId="S::avivp@campus.technion.ac.il::d866d186-a8b4-4be6-be96-55c40d47ca2a" providerId="AD" clId="Web-{9311B68A-517A-3359-7B7A-180F3E6B72E5}" dt="2020-12-11T08:12:18.531" v="7" actId="20577"/>
+          <ac:spMkLst>
+            <pc:docMk/>
+            <pc:sldMk cId="3448835730" sldId="257"/>
+            <ac:spMk id="3" creationId="{375BE593-F361-4EF8-BF2E-63BEE80C5B90}"/>
+          </ac:spMkLst>
+        </pc:spChg>
+      </pc:sldChg>
+    </pc:docChg>
+  </pc:docChgLst>
+  <pc:docChgLst>
+    <pc:chgData name="Aviv" userId="d866d186-a8b4-4be6-be96-55c40d47ca2a" providerId="ADAL" clId="{C849B1D1-A086-4FD7-95D1-55780A8A6E0E}"/>
+    <pc:docChg chg="undo custSel delSld modSld">
+      <pc:chgData name="Aviv" userId="d866d186-a8b4-4be6-be96-55c40d47ca2a" providerId="ADAL" clId="{C849B1D1-A086-4FD7-95D1-55780A8A6E0E}" dt="2020-12-13T16:00:20.603" v="899" actId="1076"/>
+      <pc:docMkLst>
+        <pc:docMk/>
+      </pc:docMkLst>
+      <pc:sldChg chg="addSp modSp">
+        <pc:chgData name="Aviv" userId="d866d186-a8b4-4be6-be96-55c40d47ca2a" providerId="ADAL" clId="{C849B1D1-A086-4FD7-95D1-55780A8A6E0E}" dt="2020-12-13T16:00:20.603" v="899" actId="1076"/>
         <pc:sldMkLst>
           <pc:docMk/>
           <pc:sldMk cId="0" sldId="256"/>
         </pc:sldMkLst>
-        <pc:spChg chg="mod">
-          <ac:chgData name="Aviv" userId="36823454-c8dd-46c1-88f9-5876435fcb26" providerId="ADAL" clId="{47887CB4-8F60-4F25-83E1-58D15B9C0985}" dt="2020-11-28T20:24:31.681" v="203" actId="207"/>
+        <pc:spChg chg="add mod">
+          <ac:chgData name="Aviv" userId="d866d186-a8b4-4be6-be96-55c40d47ca2a" providerId="ADAL" clId="{C849B1D1-A086-4FD7-95D1-55780A8A6E0E}" dt="2020-12-13T15:37:50.137" v="358" actId="1076"/>
           <ac:spMkLst>
             <pc:docMk/>
             <pc:sldMk cId="0" sldId="256"/>
-            <ac:spMk id="2" creationId="{00000000-0000-0000-0000-000000000000}"/>
+            <ac:spMk id="4" creationId="{BFD67592-9C29-47D2-A482-6DBC119924BB}"/>
           </ac:spMkLst>
         </pc:spChg>
         <pc:spChg chg="mod">
-          <ac:chgData name="Aviv" userId="36823454-c8dd-46c1-88f9-5876435fcb26" providerId="ADAL" clId="{47887CB4-8F60-4F25-83E1-58D15B9C0985}" dt="2020-11-28T20:24:31.681" v="203" actId="207"/>
-          <ac:spMkLst>
-            <pc:docMk/>
-            <pc:sldMk cId="0" sldId="256"/>
-            <ac:spMk id="3" creationId="{00000000-0000-0000-0000-000000000000}"/>
-          </ac:spMkLst>
-        </pc:spChg>
-        <pc:spChg chg="add mod">
-          <ac:chgData name="Aviv" userId="36823454-c8dd-46c1-88f9-5876435fcb26" providerId="ADAL" clId="{47887CB4-8F60-4F25-83E1-58D15B9C0985}" dt="2020-11-28T20:25:55.720" v="210" actId="1076"/>
-          <ac:spMkLst>
-            <pc:docMk/>
-            <pc:sldMk cId="0" sldId="256"/>
-            <ac:spMk id="4" creationId="{ABA4EA99-7B8C-44D9-837C-1F7BE8A014AE}"/>
-          </ac:spMkLst>
-        </pc:spChg>
-        <pc:spChg chg="add mod">
-          <ac:chgData name="Aviv" userId="36823454-c8dd-46c1-88f9-5876435fcb26" providerId="ADAL" clId="{47887CB4-8F60-4F25-83E1-58D15B9C0985}" dt="2020-11-28T20:41:48.586" v="455" actId="255"/>
-          <ac:spMkLst>
-            <pc:docMk/>
-            <pc:sldMk cId="0" sldId="256"/>
-            <ac:spMk id="5" creationId="{B1824997-5DCF-4169-A7A0-A8C95ECA7AD3}"/>
-          </ac:spMkLst>
-        </pc:spChg>
-        <pc:spChg chg="add mod">
-          <ac:chgData name="Aviv" userId="36823454-c8dd-46c1-88f9-5876435fcb26" providerId="ADAL" clId="{47887CB4-8F60-4F25-83E1-58D15B9C0985}" dt="2020-11-28T20:48:46.355" v="575" actId="1036"/>
+          <ac:chgData name="Aviv" userId="d866d186-a8b4-4be6-be96-55c40d47ca2a" providerId="ADAL" clId="{C849B1D1-A086-4FD7-95D1-55780A8A6E0E}" dt="2020-12-13T15:59:25.016" v="888" actId="20577"/>
           <ac:spMkLst>
             <pc:docMk/>
             <pc:sldMk cId="0" sldId="256"/>
             <ac:spMk id="8" creationId="{E1B04DD6-2309-4886-8312-6F9F5771280C}"/>
           </ac:spMkLst>
         </pc:spChg>
-        <pc:spChg chg="add del mod">
-          <ac:chgData name="Aviv" userId="36823454-c8dd-46c1-88f9-5876435fcb26" providerId="ADAL" clId="{47887CB4-8F60-4F25-83E1-58D15B9C0985}" dt="2020-11-28T20:45:39.522" v="527" actId="478"/>
-          <ac:spMkLst>
-            <pc:docMk/>
-            <pc:sldMk cId="0" sldId="256"/>
-            <ac:spMk id="9" creationId="{EA54D778-C1C0-42AC-88E4-E8A6B369D574}"/>
-          </ac:spMkLst>
-        </pc:spChg>
-        <pc:spChg chg="add mod">
-          <ac:chgData name="Aviv" userId="36823454-c8dd-46c1-88f9-5876435fcb26" providerId="ADAL" clId="{47887CB4-8F60-4F25-83E1-58D15B9C0985}" dt="2020-11-28T20:38:53.950" v="435" actId="1076"/>
+        <pc:spChg chg="mod">
+          <ac:chgData name="Aviv" userId="d866d186-a8b4-4be6-be96-55c40d47ca2a" providerId="ADAL" clId="{C849B1D1-A086-4FD7-95D1-55780A8A6E0E}" dt="2020-12-13T16:00:10.939" v="896" actId="1076"/>
           <ac:spMkLst>
             <pc:docMk/>
             <pc:sldMk cId="0" sldId="256"/>
             <ac:spMk id="10" creationId="{644047E4-85B6-484D-9879-C28E31129DAD}"/>
           </ac:spMkLst>
         </pc:spChg>
-        <pc:spChg chg="add del mod">
-          <ac:chgData name="Aviv" userId="36823454-c8dd-46c1-88f9-5876435fcb26" providerId="ADAL" clId="{47887CB4-8F60-4F25-83E1-58D15B9C0985}" dt="2020-11-28T20:38:17.080" v="423"/>
-          <ac:spMkLst>
-            <pc:docMk/>
-            <pc:sldMk cId="0" sldId="256"/>
-            <ac:spMk id="11" creationId="{8C77D90A-0148-43CD-9AC3-3D4BE970DD84}"/>
-          </ac:spMkLst>
-        </pc:spChg>
-        <pc:spChg chg="add mod">
-          <ac:chgData name="Aviv" userId="36823454-c8dd-46c1-88f9-5876435fcb26" providerId="ADAL" clId="{47887CB4-8F60-4F25-83E1-58D15B9C0985}" dt="2020-11-28T20:41:20.759" v="454" actId="20577"/>
+        <pc:spChg chg="mod">
+          <ac:chgData name="Aviv" userId="d866d186-a8b4-4be6-be96-55c40d47ca2a" providerId="ADAL" clId="{C849B1D1-A086-4FD7-95D1-55780A8A6E0E}" dt="2020-12-13T16:00:20.603" v="899" actId="1076"/>
           <ac:spMkLst>
             <pc:docMk/>
             <pc:sldMk cId="0" sldId="256"/>
             <ac:spMk id="12" creationId="{2CC3F0B2-F0D3-4162-8E7B-81ED30F1928E}"/>
           </ac:spMkLst>
         </pc:spChg>
-        <pc:spChg chg="del mod">
-          <ac:chgData name="Aviv" userId="36823454-c8dd-46c1-88f9-5876435fcb26" providerId="ADAL" clId="{47887CB4-8F60-4F25-83E1-58D15B9C0985}" dt="2020-11-28T20:48:03.035" v="564" actId="478"/>
-          <ac:spMkLst>
-            <pc:docMk/>
-            <pc:sldMk cId="0" sldId="256"/>
-            <ac:spMk id="22" creationId="{D04210AB-6F20-403A-BB1B-A6651FAE1B4C}"/>
-          </ac:spMkLst>
-        </pc:spChg>
-        <pc:spChg chg="add mod">
-          <ac:chgData name="Aviv" userId="36823454-c8dd-46c1-88f9-5876435fcb26" providerId="ADAL" clId="{47887CB4-8F60-4F25-83E1-58D15B9C0985}" dt="2020-11-28T20:45:04.479" v="520" actId="164"/>
-          <ac:spMkLst>
-            <pc:docMk/>
-            <pc:sldMk cId="0" sldId="256"/>
-            <ac:spMk id="23" creationId="{E3E91694-5EB4-42F1-93E6-FF677078CE76}"/>
-          </ac:spMkLst>
-        </pc:spChg>
-        <pc:spChg chg="add mod">
-          <ac:chgData name="Aviv" userId="36823454-c8dd-46c1-88f9-5876435fcb26" providerId="ADAL" clId="{47887CB4-8F60-4F25-83E1-58D15B9C0985}" dt="2020-11-28T20:46:33.557" v="538" actId="1076"/>
-          <ac:spMkLst>
-            <pc:docMk/>
-            <pc:sldMk cId="0" sldId="256"/>
-            <ac:spMk id="26" creationId="{611FA1A5-E8EC-44BE-BC58-C6DBEF7BA06A}"/>
-          </ac:spMkLst>
-        </pc:spChg>
-        <pc:spChg chg="add mod">
-          <ac:chgData name="Aviv" userId="36823454-c8dd-46c1-88f9-5876435fcb26" providerId="ADAL" clId="{47887CB4-8F60-4F25-83E1-58D15B9C0985}" dt="2020-11-28T20:47:17.809" v="552" actId="1076"/>
-          <ac:spMkLst>
-            <pc:docMk/>
-            <pc:sldMk cId="0" sldId="256"/>
-            <ac:spMk id="27" creationId="{719BE719-63E8-43A7-AD63-36CC2A130C40}"/>
-          </ac:spMkLst>
-        </pc:spChg>
-        <pc:spChg chg="add mod">
-          <ac:chgData name="Aviv" userId="36823454-c8dd-46c1-88f9-5876435fcb26" providerId="ADAL" clId="{47887CB4-8F60-4F25-83E1-58D15B9C0985}" dt="2020-11-28T20:47:14.687" v="551" actId="255"/>
+        <pc:spChg chg="mod">
+          <ac:chgData name="Aviv" userId="d866d186-a8b4-4be6-be96-55c40d47ca2a" providerId="ADAL" clId="{C849B1D1-A086-4FD7-95D1-55780A8A6E0E}" dt="2020-12-13T15:48:36.225" v="662" actId="14100"/>
           <ac:spMkLst>
             <pc:docMk/>
             <pc:sldMk cId="0" sldId="256"/>
             <ac:spMk id="28" creationId="{0433432B-7813-4B46-A9E5-DCA9F115EEFD}"/>
           </ac:spMkLst>
         </pc:spChg>
-        <pc:spChg chg="add mod">
-          <ac:chgData name="Aviv" userId="36823454-c8dd-46c1-88f9-5876435fcb26" providerId="ADAL" clId="{47887CB4-8F60-4F25-83E1-58D15B9C0985}" dt="2020-11-28T20:48:16.724" v="566" actId="1037"/>
+        <pc:spChg chg="mod">
+          <ac:chgData name="Aviv" userId="d866d186-a8b4-4be6-be96-55c40d47ca2a" providerId="ADAL" clId="{C849B1D1-A086-4FD7-95D1-55780A8A6E0E}" dt="2020-12-13T15:53:49.655" v="797" actId="20577"/>
           <ac:spMkLst>
             <pc:docMk/>
             <pc:sldMk cId="0" sldId="256"/>
@@ -315,7 +271,214 @@
           </ac:spMkLst>
         </pc:spChg>
         <pc:spChg chg="mod">
-          <ac:chgData name="Aviv" userId="36823454-c8dd-46c1-88f9-5876435fcb26" providerId="ADAL" clId="{47887CB4-8F60-4F25-83E1-58D15B9C0985}" dt="2020-11-28T20:27:13.009" v="229" actId="207"/>
+          <ac:chgData name="Aviv" userId="d866d186-a8b4-4be6-be96-55c40d47ca2a" providerId="ADAL" clId="{C849B1D1-A086-4FD7-95D1-55780A8A6E0E}" dt="2020-12-13T15:59:51.411" v="892" actId="1076"/>
+          <ac:spMkLst>
+            <pc:docMk/>
+            <pc:sldMk cId="0" sldId="256"/>
+            <ac:spMk id="53" creationId="{BD1118F3-BB7A-41CD-85AB-FE3FE6636E12}"/>
+          </ac:spMkLst>
+        </pc:spChg>
+        <pc:spChg chg="mod">
+          <ac:chgData name="Aviv" userId="d866d186-a8b4-4be6-be96-55c40d47ca2a" providerId="ADAL" clId="{C849B1D1-A086-4FD7-95D1-55780A8A6E0E}" dt="2020-12-13T15:59:44.722" v="890" actId="1076"/>
+          <ac:spMkLst>
+            <pc:docMk/>
+            <pc:sldMk cId="0" sldId="256"/>
+            <ac:spMk id="76" creationId="{39BA6BBB-B8EE-409A-82DB-C7077ABDDCDC}"/>
+          </ac:spMkLst>
+        </pc:spChg>
+        <pc:spChg chg="mod">
+          <ac:chgData name="Aviv" userId="d866d186-a8b4-4be6-be96-55c40d47ca2a" providerId="ADAL" clId="{C849B1D1-A086-4FD7-95D1-55780A8A6E0E}" dt="2020-12-13T16:00:02.817" v="894" actId="1076"/>
+          <ac:spMkLst>
+            <pc:docMk/>
+            <pc:sldMk cId="0" sldId="256"/>
+            <ac:spMk id="78" creationId="{ABD17220-0283-4361-BC95-36BED1C2D299}"/>
+          </ac:spMkLst>
+        </pc:spChg>
+        <pc:spChg chg="mod">
+          <ac:chgData name="Aviv" userId="d866d186-a8b4-4be6-be96-55c40d47ca2a" providerId="ADAL" clId="{C849B1D1-A086-4FD7-95D1-55780A8A6E0E}" dt="2020-12-13T16:00:17.225" v="898" actId="1076"/>
+          <ac:spMkLst>
+            <pc:docMk/>
+            <pc:sldMk cId="0" sldId="256"/>
+            <ac:spMk id="79" creationId="{B9228451-CABC-4D5A-8316-CB6F9DA84CED}"/>
+          </ac:spMkLst>
+        </pc:spChg>
+        <pc:spChg chg="mod">
+          <ac:chgData name="Aviv" userId="d866d186-a8b4-4be6-be96-55c40d47ca2a" providerId="ADAL" clId="{C849B1D1-A086-4FD7-95D1-55780A8A6E0E}" dt="2020-12-13T15:40:03.841" v="398" actId="14100"/>
+          <ac:spMkLst>
+            <pc:docMk/>
+            <pc:sldMk cId="0" sldId="256"/>
+            <ac:spMk id="144" creationId="{00000000-0000-0000-0000-000000000000}"/>
+          </ac:spMkLst>
+        </pc:spChg>
+        <pc:spChg chg="mod">
+          <ac:chgData name="Aviv" userId="d866d186-a8b4-4be6-be96-55c40d47ca2a" providerId="ADAL" clId="{C849B1D1-A086-4FD7-95D1-55780A8A6E0E}" dt="2020-12-13T15:37:14.174" v="350"/>
+          <ac:spMkLst>
+            <pc:docMk/>
+            <pc:sldMk cId="0" sldId="256"/>
+            <ac:spMk id="197" creationId="{2EA87C73-BC5A-4D07-A0D9-0F2C60DC04C9}"/>
+          </ac:spMkLst>
+        </pc:spChg>
+        <pc:grpChg chg="mod">
+          <ac:chgData name="Aviv" userId="d866d186-a8b4-4be6-be96-55c40d47ca2a" providerId="ADAL" clId="{C849B1D1-A086-4FD7-95D1-55780A8A6E0E}" dt="2020-12-13T15:36:59.823" v="349" actId="14100"/>
+          <ac:grpSpMkLst>
+            <pc:docMk/>
+            <pc:sldMk cId="0" sldId="256"/>
+            <ac:grpSpMk id="7" creationId="{C5BE13CF-4D2D-4B65-B382-CE8B4D6DBB91}"/>
+          </ac:grpSpMkLst>
+        </pc:grpChg>
+        <pc:picChg chg="mod">
+          <ac:chgData name="Aviv" userId="d866d186-a8b4-4be6-be96-55c40d47ca2a" providerId="ADAL" clId="{C849B1D1-A086-4FD7-95D1-55780A8A6E0E}" dt="2020-12-13T15:59:54.783" v="893" actId="1076"/>
+          <ac:picMkLst>
+            <pc:docMk/>
+            <pc:sldMk cId="0" sldId="256"/>
+            <ac:picMk id="16" creationId="{133D3700-4492-4D85-8F69-041A15907ED0}"/>
+          </ac:picMkLst>
+        </pc:picChg>
+        <pc:picChg chg="mod">
+          <ac:chgData name="Aviv" userId="d866d186-a8b4-4be6-be96-55c40d47ca2a" providerId="ADAL" clId="{C849B1D1-A086-4FD7-95D1-55780A8A6E0E}" dt="2020-12-13T16:00:14.227" v="897" actId="1076"/>
+          <ac:picMkLst>
+            <pc:docMk/>
+            <pc:sldMk cId="0" sldId="256"/>
+            <ac:picMk id="123" creationId="{7EDCBEA1-A6A9-4B8A-8A33-482939686836}"/>
+          </ac:picMkLst>
+        </pc:picChg>
+        <pc:picChg chg="mod">
+          <ac:chgData name="Aviv" userId="d866d186-a8b4-4be6-be96-55c40d47ca2a" providerId="ADAL" clId="{C849B1D1-A086-4FD7-95D1-55780A8A6E0E}" dt="2020-12-13T15:59:35.541" v="889" actId="1076"/>
+          <ac:picMkLst>
+            <pc:docMk/>
+            <pc:sldMk cId="0" sldId="256"/>
+            <ac:picMk id="1026" creationId="{58FD6E4A-063C-4578-B6EA-AC9FD4B72C6D}"/>
+          </ac:picMkLst>
+        </pc:picChg>
+      </pc:sldChg>
+      <pc:sldChg chg="modSp del">
+        <pc:chgData name="Aviv" userId="d866d186-a8b4-4be6-be96-55c40d47ca2a" providerId="ADAL" clId="{C849B1D1-A086-4FD7-95D1-55780A8A6E0E}" dt="2020-12-13T15:56:15.303" v="824" actId="2696"/>
+        <pc:sldMkLst>
+          <pc:docMk/>
+          <pc:sldMk cId="3448835730" sldId="257"/>
+        </pc:sldMkLst>
+        <pc:spChg chg="mod">
+          <ac:chgData name="Aviv" userId="d866d186-a8b4-4be6-be96-55c40d47ca2a" providerId="ADAL" clId="{C849B1D1-A086-4FD7-95D1-55780A8A6E0E}" dt="2020-12-13T15:54:03.485" v="799" actId="20577"/>
+          <ac:spMkLst>
+            <pc:docMk/>
+            <pc:sldMk cId="3448835730" sldId="257"/>
+            <ac:spMk id="3" creationId="{375BE593-F361-4EF8-BF2E-63BEE80C5B90}"/>
+          </ac:spMkLst>
+        </pc:spChg>
+      </pc:sldChg>
+    </pc:docChg>
+  </pc:docChgLst>
+  <pc:docChgLst>
+    <pc:chgData name="Aviv Paskaro" userId="S::avivp@campus.technion.ac.il::d866d186-a8b4-4be6-be96-55c40d47ca2a" providerId="AD" clId="Web-{7EDA2BF6-AFCD-2377-65D7-F661E2AAED7E}"/>
+    <pc:docChg chg="modSld">
+      <pc:chgData name="Aviv Paskaro" userId="S::avivp@campus.technion.ac.il::d866d186-a8b4-4be6-be96-55c40d47ca2a" providerId="AD" clId="Web-{7EDA2BF6-AFCD-2377-65D7-F661E2AAED7E}" dt="2020-12-11T08:00:39.340" v="5" actId="14100"/>
+      <pc:docMkLst>
+        <pc:docMk/>
+      </pc:docMkLst>
+      <pc:sldChg chg="modSp">
+        <pc:chgData name="Aviv Paskaro" userId="S::avivp@campus.technion.ac.il::d866d186-a8b4-4be6-be96-55c40d47ca2a" providerId="AD" clId="Web-{7EDA2BF6-AFCD-2377-65D7-F661E2AAED7E}" dt="2020-12-11T08:00:39.340" v="5" actId="14100"/>
+        <pc:sldMkLst>
+          <pc:docMk/>
+          <pc:sldMk cId="0" sldId="256"/>
+        </pc:sldMkLst>
+        <pc:picChg chg="mod">
+          <ac:chgData name="Aviv Paskaro" userId="S::avivp@campus.technion.ac.il::d866d186-a8b4-4be6-be96-55c40d47ca2a" providerId="AD" clId="Web-{7EDA2BF6-AFCD-2377-65D7-F661E2AAED7E}" dt="2020-12-11T08:00:39.340" v="5" actId="14100"/>
+          <ac:picMkLst>
+            <pc:docMk/>
+            <pc:sldMk cId="0" sldId="256"/>
+            <ac:picMk id="16" creationId="{133D3700-4492-4D85-8F69-041A15907ED0}"/>
+          </ac:picMkLst>
+        </pc:picChg>
+      </pc:sldChg>
+    </pc:docChg>
+  </pc:docChgLst>
+  <pc:docChgLst>
+    <pc:chgData name="Stav" userId="c8920bed-57b0-4657-bb44-4daf9074dac5" providerId="ADAL" clId="{E7187E3C-27E8-47E9-BD65-6DDC48BBF77D}"/>
+    <pc:docChg chg="undo custSel modSld">
+      <pc:chgData name="Stav" userId="c8920bed-57b0-4657-bb44-4daf9074dac5" providerId="ADAL" clId="{E7187E3C-27E8-47E9-BD65-6DDC48BBF77D}" dt="2020-12-13T15:15:10.824" v="725" actId="20577"/>
+      <pc:docMkLst>
+        <pc:docMk/>
+      </pc:docMkLst>
+      <pc:sldChg chg="delSp modSp">
+        <pc:chgData name="Stav" userId="c8920bed-57b0-4657-bb44-4daf9074dac5" providerId="ADAL" clId="{E7187E3C-27E8-47E9-BD65-6DDC48BBF77D}" dt="2020-12-13T15:15:10.824" v="725" actId="20577"/>
+        <pc:sldMkLst>
+          <pc:docMk/>
+          <pc:sldMk cId="0" sldId="256"/>
+        </pc:sldMkLst>
+        <pc:spChg chg="del mod">
+          <ac:chgData name="Stav" userId="c8920bed-57b0-4657-bb44-4daf9074dac5" providerId="ADAL" clId="{E7187E3C-27E8-47E9-BD65-6DDC48BBF77D}" dt="2020-12-13T14:52:06.922" v="450"/>
+          <ac:spMkLst>
+            <pc:docMk/>
+            <pc:sldMk cId="0" sldId="256"/>
+            <ac:spMk id="4" creationId="{ABA4EA99-7B8C-44D9-837C-1F7BE8A014AE}"/>
+          </ac:spMkLst>
+        </pc:spChg>
+        <pc:spChg chg="mod">
+          <ac:chgData name="Stav" userId="c8920bed-57b0-4657-bb44-4daf9074dac5" providerId="ADAL" clId="{E7187E3C-27E8-47E9-BD65-6DDC48BBF77D}" dt="2020-12-13T15:07:29.881" v="579" actId="20577"/>
+          <ac:spMkLst>
+            <pc:docMk/>
+            <pc:sldMk cId="0" sldId="256"/>
+            <ac:spMk id="8" creationId="{E1B04DD6-2309-4886-8312-6F9F5771280C}"/>
+          </ac:spMkLst>
+        </pc:spChg>
+        <pc:spChg chg="mod">
+          <ac:chgData name="Stav" userId="c8920bed-57b0-4657-bb44-4daf9074dac5" providerId="ADAL" clId="{E7187E3C-27E8-47E9-BD65-6DDC48BBF77D}" dt="2020-12-13T15:08:12.235" v="585" actId="1038"/>
+          <ac:spMkLst>
+            <pc:docMk/>
+            <pc:sldMk cId="0" sldId="256"/>
+            <ac:spMk id="9" creationId="{64BD14C3-FDAD-4960-BE74-047FC1A71554}"/>
+          </ac:spMkLst>
+        </pc:spChg>
+        <pc:spChg chg="mod">
+          <ac:chgData name="Stav" userId="c8920bed-57b0-4657-bb44-4daf9074dac5" providerId="ADAL" clId="{E7187E3C-27E8-47E9-BD65-6DDC48BBF77D}" dt="2020-12-13T14:56:20.528" v="492" actId="1076"/>
+          <ac:spMkLst>
+            <pc:docMk/>
+            <pc:sldMk cId="0" sldId="256"/>
+            <ac:spMk id="10" creationId="{644047E4-85B6-484D-9879-C28E31129DAD}"/>
+          </ac:spMkLst>
+        </pc:spChg>
+        <pc:spChg chg="mod">
+          <ac:chgData name="Stav" userId="c8920bed-57b0-4657-bb44-4daf9074dac5" providerId="ADAL" clId="{E7187E3C-27E8-47E9-BD65-6DDC48BBF77D}" dt="2020-12-13T14:56:35.489" v="494" actId="1076"/>
+          <ac:spMkLst>
+            <pc:docMk/>
+            <pc:sldMk cId="0" sldId="256"/>
+            <ac:spMk id="12" creationId="{2CC3F0B2-F0D3-4162-8E7B-81ED30F1928E}"/>
+          </ac:spMkLst>
+        </pc:spChg>
+        <pc:spChg chg="mod">
+          <ac:chgData name="Stav" userId="c8920bed-57b0-4657-bb44-4daf9074dac5" providerId="ADAL" clId="{E7187E3C-27E8-47E9-BD65-6DDC48BBF77D}" dt="2020-12-13T14:42:05.522" v="374" actId="1076"/>
+          <ac:spMkLst>
+            <pc:docMk/>
+            <pc:sldMk cId="0" sldId="256"/>
+            <ac:spMk id="26" creationId="{611FA1A5-E8EC-44BE-BC58-C6DBEF7BA06A}"/>
+          </ac:spMkLst>
+        </pc:spChg>
+        <pc:spChg chg="mod">
+          <ac:chgData name="Stav" userId="c8920bed-57b0-4657-bb44-4daf9074dac5" providerId="ADAL" clId="{E7187E3C-27E8-47E9-BD65-6DDC48BBF77D}" dt="2020-12-13T14:58:12.808" v="512" actId="1036"/>
+          <ac:spMkLst>
+            <pc:docMk/>
+            <pc:sldMk cId="0" sldId="256"/>
+            <ac:spMk id="27" creationId="{719BE719-63E8-43A7-AD63-36CC2A130C40}"/>
+          </ac:spMkLst>
+        </pc:spChg>
+        <pc:spChg chg="mod">
+          <ac:chgData name="Stav" userId="c8920bed-57b0-4657-bb44-4daf9074dac5" providerId="ADAL" clId="{E7187E3C-27E8-47E9-BD65-6DDC48BBF77D}" dt="2020-12-13T15:15:10.824" v="725" actId="20577"/>
+          <ac:spMkLst>
+            <pc:docMk/>
+            <pc:sldMk cId="0" sldId="256"/>
+            <ac:spMk id="28" creationId="{0433432B-7813-4B46-A9E5-DCA9F115EEFD}"/>
+          </ac:spMkLst>
+        </pc:spChg>
+        <pc:spChg chg="mod">
+          <ac:chgData name="Stav" userId="c8920bed-57b0-4657-bb44-4daf9074dac5" providerId="ADAL" clId="{E7187E3C-27E8-47E9-BD65-6DDC48BBF77D}" dt="2020-12-13T14:58:03.453" v="507" actId="255"/>
+          <ac:spMkLst>
+            <pc:docMk/>
+            <pc:sldMk cId="0" sldId="256"/>
+            <ac:spMk id="29" creationId="{BA7D21B4-470D-4A3C-ACD9-EE9DD99D08ED}"/>
+          </ac:spMkLst>
+        </pc:spChg>
+        <pc:spChg chg="mod">
+          <ac:chgData name="Stav" userId="c8920bed-57b0-4657-bb44-4daf9074dac5" providerId="ADAL" clId="{E7187E3C-27E8-47E9-BD65-6DDC48BBF77D}" dt="2020-12-13T14:48:55.777" v="417" actId="1076"/>
           <ac:spMkLst>
             <pc:docMk/>
             <pc:sldMk cId="0" sldId="256"/>
@@ -323,7 +486,7 @@
           </ac:spMkLst>
         </pc:spChg>
         <pc:spChg chg="mod">
-          <ac:chgData name="Aviv" userId="36823454-c8dd-46c1-88f9-5876435fcb26" providerId="ADAL" clId="{47887CB4-8F60-4F25-83E1-58D15B9C0985}" dt="2020-11-28T20:49:20.050" v="580" actId="20577"/>
+          <ac:chgData name="Stav" userId="c8920bed-57b0-4657-bb44-4daf9074dac5" providerId="ADAL" clId="{E7187E3C-27E8-47E9-BD65-6DDC48BBF77D}" dt="2020-12-13T14:55:31.173" v="484" actId="255"/>
           <ac:spMkLst>
             <pc:docMk/>
             <pc:sldMk cId="0" sldId="256"/>
@@ -331,79 +494,7 @@
           </ac:spMkLst>
         </pc:spChg>
         <pc:spChg chg="mod">
-          <ac:chgData name="Aviv" userId="36823454-c8dd-46c1-88f9-5876435fcb26" providerId="ADAL" clId="{47887CB4-8F60-4F25-83E1-58D15B9C0985}" dt="2020-11-28T20:24:31.681" v="203" actId="207"/>
-          <ac:spMkLst>
-            <pc:docMk/>
-            <pc:sldMk cId="0" sldId="256"/>
-            <ac:spMk id="56" creationId="{D9399599-4FDB-4E42-9B52-DE0F1CEE1EF2}"/>
-          </ac:spMkLst>
-        </pc:spChg>
-        <pc:spChg chg="mod">
-          <ac:chgData name="Aviv" userId="36823454-c8dd-46c1-88f9-5876435fcb26" providerId="ADAL" clId="{47887CB4-8F60-4F25-83E1-58D15B9C0985}" dt="2020-11-28T20:23:08.856" v="166" actId="1076"/>
-          <ac:spMkLst>
-            <pc:docMk/>
-            <pc:sldMk cId="0" sldId="256"/>
-            <ac:spMk id="59" creationId="{31F8F7D3-6C57-4B43-9542-7581BF142F17}"/>
-          </ac:spMkLst>
-        </pc:spChg>
-        <pc:spChg chg="del mod">
-          <ac:chgData name="Aviv" userId="36823454-c8dd-46c1-88f9-5876435fcb26" providerId="ADAL" clId="{47887CB4-8F60-4F25-83E1-58D15B9C0985}" dt="2020-11-28T20:45:41.379" v="528" actId="478"/>
-          <ac:spMkLst>
-            <pc:docMk/>
-            <pc:sldMk cId="0" sldId="256"/>
-            <ac:spMk id="61" creationId="{C3B4EC72-8D23-439F-B614-EA72B8CF35B3}"/>
-          </ac:spMkLst>
-        </pc:spChg>
-        <pc:spChg chg="add del mod">
-          <ac:chgData name="Aviv" userId="36823454-c8dd-46c1-88f9-5876435fcb26" providerId="ADAL" clId="{47887CB4-8F60-4F25-83E1-58D15B9C0985}" dt="2020-11-28T20:29:14.493" v="257"/>
-          <ac:spMkLst>
-            <pc:docMk/>
-            <pc:sldMk cId="0" sldId="256"/>
-            <ac:spMk id="64" creationId="{28E18451-3EAC-4990-BB01-86044D6DCE0C}"/>
-          </ac:spMkLst>
-        </pc:spChg>
-        <pc:spChg chg="mod">
-          <ac:chgData name="Aviv" userId="36823454-c8dd-46c1-88f9-5876435fcb26" providerId="ADAL" clId="{47887CB4-8F60-4F25-83E1-58D15B9C0985}" dt="2020-11-28T20:28:14.893" v="240" actId="478"/>
-          <ac:spMkLst>
-            <pc:docMk/>
-            <pc:sldMk cId="0" sldId="256"/>
-            <ac:spMk id="65" creationId="{68617F70-C61D-4380-8819-9F4F4166875E}"/>
-          </ac:spMkLst>
-        </pc:spChg>
-        <pc:spChg chg="mod">
-          <ac:chgData name="Aviv" userId="36823454-c8dd-46c1-88f9-5876435fcb26" providerId="ADAL" clId="{47887CB4-8F60-4F25-83E1-58D15B9C0985}" dt="2020-11-28T20:46:21.335" v="533"/>
-          <ac:spMkLst>
-            <pc:docMk/>
-            <pc:sldMk cId="0" sldId="256"/>
-            <ac:spMk id="71" creationId="{A8E5C239-0D09-41CF-A64D-4B1BBC46CFB9}"/>
-          </ac:spMkLst>
-        </pc:spChg>
-        <pc:spChg chg="mod">
-          <ac:chgData name="Aviv" userId="36823454-c8dd-46c1-88f9-5876435fcb26" providerId="ADAL" clId="{47887CB4-8F60-4F25-83E1-58D15B9C0985}" dt="2020-11-28T20:47:02.853" v="546"/>
-          <ac:spMkLst>
-            <pc:docMk/>
-            <pc:sldMk cId="0" sldId="256"/>
-            <ac:spMk id="73" creationId="{29F839A0-6143-46B5-A1C2-21A7C120F766}"/>
-          </ac:spMkLst>
-        </pc:spChg>
-        <pc:spChg chg="mod">
-          <ac:chgData name="Aviv" userId="36823454-c8dd-46c1-88f9-5876435fcb26" providerId="ADAL" clId="{47887CB4-8F60-4F25-83E1-58D15B9C0985}" dt="2020-11-28T20:46:38.739" v="539"/>
-          <ac:spMkLst>
-            <pc:docMk/>
-            <pc:sldMk cId="0" sldId="256"/>
-            <ac:spMk id="74" creationId="{8094AB66-6790-43BD-B82A-5DC5E9E627E0}"/>
-          </ac:spMkLst>
-        </pc:spChg>
-        <pc:spChg chg="mod">
-          <ac:chgData name="Aviv" userId="36823454-c8dd-46c1-88f9-5876435fcb26" providerId="ADAL" clId="{47887CB4-8F60-4F25-83E1-58D15B9C0985}" dt="2020-11-28T20:47:20.879" v="553"/>
-          <ac:spMkLst>
-            <pc:docMk/>
-            <pc:sldMk cId="0" sldId="256"/>
-            <ac:spMk id="75" creationId="{7B69250F-700C-40F1-8BBB-462AD24B145E}"/>
-          </ac:spMkLst>
-        </pc:spChg>
-        <pc:spChg chg="add mod">
-          <ac:chgData name="Aviv" userId="36823454-c8dd-46c1-88f9-5876435fcb26" providerId="ADAL" clId="{47887CB4-8F60-4F25-83E1-58D15B9C0985}" dt="2020-11-28T20:38:30.667" v="427" actId="1076"/>
+          <ac:chgData name="Stav" userId="c8920bed-57b0-4657-bb44-4daf9074dac5" providerId="ADAL" clId="{E7187E3C-27E8-47E9-BD65-6DDC48BBF77D}" dt="2020-12-13T15:01:36.938" v="537" actId="1036"/>
           <ac:spMkLst>
             <pc:docMk/>
             <pc:sldMk cId="0" sldId="256"/>
@@ -411,79 +502,15 @@
           </ac:spMkLst>
         </pc:spChg>
         <pc:spChg chg="mod">
-          <ac:chgData name="Aviv" userId="36823454-c8dd-46c1-88f9-5876435fcb26" providerId="ADAL" clId="{47887CB4-8F60-4F25-83E1-58D15B9C0985}" dt="2020-11-28T20:44:55.281" v="519" actId="1076"/>
-          <ac:spMkLst>
-            <pc:docMk/>
-            <pc:sldMk cId="0" sldId="256"/>
-            <ac:spMk id="77" creationId="{9C9E8B45-8C7A-4975-B74D-406DED227114}"/>
-          </ac:spMkLst>
-        </pc:spChg>
-        <pc:spChg chg="add mod">
-          <ac:chgData name="Aviv" userId="36823454-c8dd-46c1-88f9-5876435fcb26" providerId="ADAL" clId="{47887CB4-8F60-4F25-83E1-58D15B9C0985}" dt="2020-11-28T20:38:46.257" v="432" actId="1076"/>
+          <ac:chgData name="Stav" userId="c8920bed-57b0-4657-bb44-4daf9074dac5" providerId="ADAL" clId="{E7187E3C-27E8-47E9-BD65-6DDC48BBF77D}" dt="2020-12-13T14:56:15.465" v="491" actId="1076"/>
           <ac:spMkLst>
             <pc:docMk/>
             <pc:sldMk cId="0" sldId="256"/>
             <ac:spMk id="78" creationId="{ABD17220-0283-4361-BC95-36BED1C2D299}"/>
           </ac:spMkLst>
         </pc:spChg>
-        <pc:spChg chg="add mod">
-          <ac:chgData name="Aviv" userId="36823454-c8dd-46c1-88f9-5876435fcb26" providerId="ADAL" clId="{47887CB4-8F60-4F25-83E1-58D15B9C0985}" dt="2020-11-28T20:40:42.281" v="441" actId="1076"/>
-          <ac:spMkLst>
-            <pc:docMk/>
-            <pc:sldMk cId="0" sldId="256"/>
-            <ac:spMk id="79" creationId="{B9228451-CABC-4D5A-8316-CB6F9DA84CED}"/>
-          </ac:spMkLst>
-        </pc:spChg>
-        <pc:spChg chg="add del">
-          <ac:chgData name="Aviv" userId="36823454-c8dd-46c1-88f9-5876435fcb26" providerId="ADAL" clId="{47887CB4-8F60-4F25-83E1-58D15B9C0985}" dt="2020-11-28T20:36:59.499" v="381"/>
-          <ac:spMkLst>
-            <pc:docMk/>
-            <pc:sldMk cId="0" sldId="256"/>
-            <ac:spMk id="80" creationId="{3C608B1A-0242-41B8-AF78-F1C542907A39}"/>
-          </ac:spMkLst>
-        </pc:spChg>
-        <pc:spChg chg="add mod">
-          <ac:chgData name="Aviv" userId="36823454-c8dd-46c1-88f9-5876435fcb26" providerId="ADAL" clId="{47887CB4-8F60-4F25-83E1-58D15B9C0985}" dt="2020-11-28T20:45:04.479" v="520" actId="164"/>
-          <ac:spMkLst>
-            <pc:docMk/>
-            <pc:sldMk cId="0" sldId="256"/>
-            <ac:spMk id="98" creationId="{70129C8C-620E-4C74-A9A9-C9C53B65BC8A}"/>
-          </ac:spMkLst>
-        </pc:spChg>
-        <pc:spChg chg="add mod">
-          <ac:chgData name="Aviv" userId="36823454-c8dd-46c1-88f9-5876435fcb26" providerId="ADAL" clId="{47887CB4-8F60-4F25-83E1-58D15B9C0985}" dt="2020-11-28T20:45:04.479" v="520" actId="164"/>
-          <ac:spMkLst>
-            <pc:docMk/>
-            <pc:sldMk cId="0" sldId="256"/>
-            <ac:spMk id="99" creationId="{DD326A54-15CC-4E2E-8F88-CAE48440DA0A}"/>
-          </ac:spMkLst>
-        </pc:spChg>
         <pc:spChg chg="mod">
-          <ac:chgData name="Aviv" userId="36823454-c8dd-46c1-88f9-5876435fcb26" providerId="ADAL" clId="{47887CB4-8F60-4F25-83E1-58D15B9C0985}" dt="2020-11-28T20:24:31.681" v="203" actId="207"/>
-          <ac:spMkLst>
-            <pc:docMk/>
-            <pc:sldMk cId="0" sldId="256"/>
-            <ac:spMk id="104" creationId="{00000000-0000-0000-0000-000000000000}"/>
-          </ac:spMkLst>
-        </pc:spChg>
-        <pc:spChg chg="mod">
-          <ac:chgData name="Aviv" userId="36823454-c8dd-46c1-88f9-5876435fcb26" providerId="ADAL" clId="{47887CB4-8F60-4F25-83E1-58D15B9C0985}" dt="2020-11-28T20:42:34.717" v="459" actId="14100"/>
-          <ac:spMkLst>
-            <pc:docMk/>
-            <pc:sldMk cId="0" sldId="256"/>
-            <ac:spMk id="109" creationId="{B57F2ECC-10A6-409E-8F82-346E12738F78}"/>
-          </ac:spMkLst>
-        </pc:spChg>
-        <pc:spChg chg="mod">
-          <ac:chgData name="Aviv" userId="36823454-c8dd-46c1-88f9-5876435fcb26" providerId="ADAL" clId="{47887CB4-8F60-4F25-83E1-58D15B9C0985}" dt="2020-11-28T20:24:31.681" v="203" actId="207"/>
-          <ac:spMkLst>
-            <pc:docMk/>
-            <pc:sldMk cId="0" sldId="256"/>
-            <ac:spMk id="112" creationId="{00000000-0000-0000-0000-000000000000}"/>
-          </ac:spMkLst>
-        </pc:spChg>
-        <pc:spChg chg="mod">
-          <ac:chgData name="Aviv" userId="36823454-c8dd-46c1-88f9-5876435fcb26" providerId="ADAL" clId="{47887CB4-8F60-4F25-83E1-58D15B9C0985}" dt="2020-11-28T20:26:59.122" v="226" actId="207"/>
+          <ac:chgData name="Stav" userId="c8920bed-57b0-4657-bb44-4daf9074dac5" providerId="ADAL" clId="{E7187E3C-27E8-47E9-BD65-6DDC48BBF77D}" dt="2020-12-13T14:54:32.724" v="479" actId="1036"/>
           <ac:spMkLst>
             <pc:docMk/>
             <pc:sldMk cId="0" sldId="256"/>
@@ -491,7 +518,7 @@
           </ac:spMkLst>
         </pc:spChg>
         <pc:spChg chg="mod">
-          <ac:chgData name="Aviv" userId="36823454-c8dd-46c1-88f9-5876435fcb26" providerId="ADAL" clId="{47887CB4-8F60-4F25-83E1-58D15B9C0985}" dt="2020-11-28T20:24:31.681" v="203" actId="207"/>
+          <ac:chgData name="Stav" userId="c8920bed-57b0-4657-bb44-4daf9074dac5" providerId="ADAL" clId="{E7187E3C-27E8-47E9-BD65-6DDC48BBF77D}" dt="2020-12-13T14:54:26.699" v="477" actId="1036"/>
           <ac:spMkLst>
             <pc:docMk/>
             <pc:sldMk cId="0" sldId="256"/>
@@ -499,7 +526,7 @@
           </ac:spMkLst>
         </pc:spChg>
         <pc:spChg chg="mod">
-          <ac:chgData name="Aviv" userId="36823454-c8dd-46c1-88f9-5876435fcb26" providerId="ADAL" clId="{47887CB4-8F60-4F25-83E1-58D15B9C0985}" dt="2020-11-28T20:27:04.919" v="227" actId="207"/>
+          <ac:chgData name="Stav" userId="c8920bed-57b0-4657-bb44-4daf9074dac5" providerId="ADAL" clId="{E7187E3C-27E8-47E9-BD65-6DDC48BBF77D}" dt="2020-12-13T14:54:15.065" v="470" actId="1076"/>
           <ac:spMkLst>
             <pc:docMk/>
             <pc:sldMk cId="0" sldId="256"/>
@@ -507,7 +534,7 @@
           </ac:spMkLst>
         </pc:spChg>
         <pc:spChg chg="mod">
-          <ac:chgData name="Aviv" userId="36823454-c8dd-46c1-88f9-5876435fcb26" providerId="ADAL" clId="{47887CB4-8F60-4F25-83E1-58D15B9C0985}" dt="2020-11-28T20:25:49.149" v="209" actId="1076"/>
+          <ac:chgData name="Stav" userId="c8920bed-57b0-4657-bb44-4daf9074dac5" providerId="ADAL" clId="{E7187E3C-27E8-47E9-BD65-6DDC48BBF77D}" dt="2020-12-13T14:54:20.911" v="473" actId="1036"/>
           <ac:spMkLst>
             <pc:docMk/>
             <pc:sldMk cId="0" sldId="256"/>
@@ -515,7 +542,23 @@
           </ac:spMkLst>
         </pc:spChg>
         <pc:spChg chg="mod">
-          <ac:chgData name="Aviv" userId="36823454-c8dd-46c1-88f9-5876435fcb26" providerId="ADAL" clId="{47887CB4-8F60-4F25-83E1-58D15B9C0985}" dt="2020-11-28T20:41:57.619" v="457" actId="207"/>
+          <ac:chgData name="Stav" userId="c8920bed-57b0-4657-bb44-4daf9074dac5" providerId="ADAL" clId="{E7187E3C-27E8-47E9-BD65-6DDC48BBF77D}" dt="2020-12-13T14:57:15.532" v="505" actId="14100"/>
+          <ac:spMkLst>
+            <pc:docMk/>
+            <pc:sldMk cId="0" sldId="256"/>
+            <ac:spMk id="125" creationId="{4BF0E986-03BD-458E-A59A-EA8531AEAFC7}"/>
+          </ac:spMkLst>
+        </pc:spChg>
+        <pc:spChg chg="mod">
+          <ac:chgData name="Stav" userId="c8920bed-57b0-4657-bb44-4daf9074dac5" providerId="ADAL" clId="{E7187E3C-27E8-47E9-BD65-6DDC48BBF77D}" dt="2020-12-13T14:41:56.467" v="372" actId="14100"/>
+          <ac:spMkLst>
+            <pc:docMk/>
+            <pc:sldMk cId="0" sldId="256"/>
+            <ac:spMk id="127" creationId="{00000000-0000-0000-0000-000000000000}"/>
+          </ac:spMkLst>
+        </pc:spChg>
+        <pc:spChg chg="mod">
+          <ac:chgData name="Stav" userId="c8920bed-57b0-4657-bb44-4daf9074dac5" providerId="ADAL" clId="{E7187E3C-27E8-47E9-BD65-6DDC48BBF77D}" dt="2020-12-13T14:50:59.327" v="442" actId="1076"/>
           <ac:spMkLst>
             <pc:docMk/>
             <pc:sldMk cId="0" sldId="256"/>
@@ -523,7 +566,7 @@
           </ac:spMkLst>
         </pc:spChg>
         <pc:spChg chg="mod">
-          <ac:chgData name="Aviv" userId="36823454-c8dd-46c1-88f9-5876435fcb26" providerId="ADAL" clId="{47887CB4-8F60-4F25-83E1-58D15B9C0985}" dt="2020-11-28T20:24:31.681" v="203" actId="207"/>
+          <ac:chgData name="Stav" userId="c8920bed-57b0-4657-bb44-4daf9074dac5" providerId="ADAL" clId="{E7187E3C-27E8-47E9-BD65-6DDC48BBF77D}" dt="2020-12-13T14:29:51.268" v="143" actId="14100"/>
           <ac:spMkLst>
             <pc:docMk/>
             <pc:sldMk cId="0" sldId="256"/>
@@ -531,7 +574,7 @@
           </ac:spMkLst>
         </pc:spChg>
         <pc:spChg chg="mod">
-          <ac:chgData name="Aviv" userId="36823454-c8dd-46c1-88f9-5876435fcb26" providerId="ADAL" clId="{47887CB4-8F60-4F25-83E1-58D15B9C0985}" dt="2020-11-28T20:47:59.248" v="562" actId="255"/>
+          <ac:chgData name="Stav" userId="c8920bed-57b0-4657-bb44-4daf9074dac5" providerId="ADAL" clId="{E7187E3C-27E8-47E9-BD65-6DDC48BBF77D}" dt="2020-12-13T14:30:56.143" v="157" actId="1076"/>
           <ac:spMkLst>
             <pc:docMk/>
             <pc:sldMk cId="0" sldId="256"/>
@@ -539,7 +582,7 @@
           </ac:spMkLst>
         </pc:spChg>
         <pc:spChg chg="mod">
-          <ac:chgData name="Aviv" userId="36823454-c8dd-46c1-88f9-5876435fcb26" providerId="ADAL" clId="{47887CB4-8F60-4F25-83E1-58D15B9C0985}" dt="2020-11-28T20:24:31.681" v="203" actId="207"/>
+          <ac:chgData name="Stav" userId="c8920bed-57b0-4657-bb44-4daf9074dac5" providerId="ADAL" clId="{E7187E3C-27E8-47E9-BD65-6DDC48BBF77D}" dt="2020-12-13T15:13:47.505" v="723" actId="14100"/>
           <ac:spMkLst>
             <pc:docMk/>
             <pc:sldMk cId="0" sldId="256"/>
@@ -547,39 +590,7 @@
           </ac:spMkLst>
         </pc:spChg>
         <pc:spChg chg="mod">
-          <ac:chgData name="Aviv" userId="36823454-c8dd-46c1-88f9-5876435fcb26" providerId="ADAL" clId="{47887CB4-8F60-4F25-83E1-58D15B9C0985}" dt="2020-11-28T20:24:31.681" v="203" actId="207"/>
-          <ac:spMkLst>
-            <pc:docMk/>
-            <pc:sldMk cId="0" sldId="256"/>
-            <ac:spMk id="182" creationId="{00000000-0000-0000-0000-000000000000}"/>
-          </ac:spMkLst>
-        </pc:spChg>
-        <pc:spChg chg="mod">
-          <ac:chgData name="Aviv" userId="36823454-c8dd-46c1-88f9-5876435fcb26" providerId="ADAL" clId="{47887CB4-8F60-4F25-83E1-58D15B9C0985}" dt="2020-11-28T20:24:31.681" v="203" actId="207"/>
-          <ac:spMkLst>
-            <pc:docMk/>
-            <pc:sldMk cId="0" sldId="256"/>
-            <ac:spMk id="188" creationId="{37631166-7813-4654-BB56-2819BB271E5D}"/>
-          </ac:spMkLst>
-        </pc:spChg>
-        <pc:spChg chg="mod">
-          <ac:chgData name="Aviv" userId="36823454-c8dd-46c1-88f9-5876435fcb26" providerId="ADAL" clId="{47887CB4-8F60-4F25-83E1-58D15B9C0985}" dt="2020-11-28T20:24:31.681" v="203" actId="207"/>
-          <ac:spMkLst>
-            <pc:docMk/>
-            <pc:sldMk cId="0" sldId="256"/>
-            <ac:spMk id="191" creationId="{00000000-0000-0000-0000-000000000000}"/>
-          </ac:spMkLst>
-        </pc:spChg>
-        <pc:spChg chg="mod">
-          <ac:chgData name="Aviv" userId="36823454-c8dd-46c1-88f9-5876435fcb26" providerId="ADAL" clId="{47887CB4-8F60-4F25-83E1-58D15B9C0985}" dt="2020-11-28T20:27:07.650" v="228" actId="207"/>
-          <ac:spMkLst>
-            <pc:docMk/>
-            <pc:sldMk cId="0" sldId="256"/>
-            <ac:spMk id="196" creationId="{44340B39-62E1-4802-B8B0-7604B93A8CF8}"/>
-          </ac:spMkLst>
-        </pc:spChg>
-        <pc:spChg chg="mod">
-          <ac:chgData name="Aviv" userId="36823454-c8dd-46c1-88f9-5876435fcb26" providerId="ADAL" clId="{47887CB4-8F60-4F25-83E1-58D15B9C0985}" dt="2020-11-28T20:22:57.650" v="161"/>
+          <ac:chgData name="Stav" userId="c8920bed-57b0-4657-bb44-4daf9074dac5" providerId="ADAL" clId="{E7187E3C-27E8-47E9-BD65-6DDC48BBF77D}" dt="2020-12-13T15:12:44.554" v="695" actId="12"/>
           <ac:spMkLst>
             <pc:docMk/>
             <pc:sldMk cId="0" sldId="256"/>
@@ -587,7 +598,7 @@
           </ac:spMkLst>
         </pc:spChg>
         <pc:grpChg chg="mod">
-          <ac:chgData name="Aviv" userId="36823454-c8dd-46c1-88f9-5876435fcb26" providerId="ADAL" clId="{47887CB4-8F60-4F25-83E1-58D15B9C0985}" dt="2020-11-28T20:24:31.681" v="203" actId="207"/>
+          <ac:chgData name="Stav" userId="c8920bed-57b0-4657-bb44-4daf9074dac5" providerId="ADAL" clId="{E7187E3C-27E8-47E9-BD65-6DDC48BBF77D}" dt="2020-12-13T14:50:59.327" v="442" actId="1076"/>
           <ac:grpSpMkLst>
             <pc:docMk/>
             <pc:sldMk cId="0" sldId="256"/>
@@ -595,39 +606,7 @@
           </ac:grpSpMkLst>
         </pc:grpChg>
         <pc:grpChg chg="mod">
-          <ac:chgData name="Aviv" userId="36823454-c8dd-46c1-88f9-5876435fcb26" providerId="ADAL" clId="{47887CB4-8F60-4F25-83E1-58D15B9C0985}" dt="2020-11-28T20:24:31.681" v="203" actId="207"/>
-          <ac:grpSpMkLst>
-            <pc:docMk/>
-            <pc:sldMk cId="0" sldId="256"/>
-            <ac:grpSpMk id="7" creationId="{C5BE13CF-4D2D-4B65-B382-CE8B4D6DBB91}"/>
-          </ac:grpSpMkLst>
-        </pc:grpChg>
-        <pc:grpChg chg="add del mod">
-          <ac:chgData name="Aviv" userId="36823454-c8dd-46c1-88f9-5876435fcb26" providerId="ADAL" clId="{47887CB4-8F60-4F25-83E1-58D15B9C0985}" dt="2020-11-28T20:29:32.840" v="265" actId="478"/>
-          <ac:grpSpMkLst>
-            <pc:docMk/>
-            <pc:sldMk cId="0" sldId="256"/>
-            <ac:grpSpMk id="16" creationId="{595A8258-706D-4CF1-B641-855AD2358D78}"/>
-          </ac:grpSpMkLst>
-        </pc:grpChg>
-        <pc:grpChg chg="mod">
-          <ac:chgData name="Aviv" userId="36823454-c8dd-46c1-88f9-5876435fcb26" providerId="ADAL" clId="{47887CB4-8F60-4F25-83E1-58D15B9C0985}" dt="2020-11-28T20:45:04.479" v="520" actId="164"/>
-          <ac:grpSpMkLst>
-            <pc:docMk/>
-            <pc:sldMk cId="0" sldId="256"/>
-            <ac:grpSpMk id="20" creationId="{1016B223-A168-4221-AE4A-0D029FB1ACCB}"/>
-          </ac:grpSpMkLst>
-        </pc:grpChg>
-        <pc:grpChg chg="mod">
-          <ac:chgData name="Aviv" userId="36823454-c8dd-46c1-88f9-5876435fcb26" providerId="ADAL" clId="{47887CB4-8F60-4F25-83E1-58D15B9C0985}" dt="2020-11-28T20:38:27.562" v="426" actId="1076"/>
-          <ac:grpSpMkLst>
-            <pc:docMk/>
-            <pc:sldMk cId="0" sldId="256"/>
-            <ac:grpSpMk id="21" creationId="{9CCCCC9C-22D1-4852-B2AE-1B05B03D4A0A}"/>
-          </ac:grpSpMkLst>
-        </pc:grpChg>
-        <pc:grpChg chg="add mod">
-          <ac:chgData name="Aviv" userId="36823454-c8dd-46c1-88f9-5876435fcb26" providerId="ADAL" clId="{47887CB4-8F60-4F25-83E1-58D15B9C0985}" dt="2020-11-28T20:45:21.889" v="525" actId="1076"/>
+          <ac:chgData name="Stav" userId="c8920bed-57b0-4657-bb44-4daf9074dac5" providerId="ADAL" clId="{E7187E3C-27E8-47E9-BD65-6DDC48BBF77D}" dt="2020-12-13T14:52:04.585" v="448" actId="1076"/>
           <ac:grpSpMkLst>
             <pc:docMk/>
             <pc:sldMk cId="0" sldId="256"/>
@@ -635,143 +614,7 @@
           </ac:grpSpMkLst>
         </pc:grpChg>
         <pc:grpChg chg="mod">
-          <ac:chgData name="Aviv" userId="36823454-c8dd-46c1-88f9-5876435fcb26" providerId="ADAL" clId="{47887CB4-8F60-4F25-83E1-58D15B9C0985}" dt="2020-11-28T20:24:31.681" v="203" actId="207"/>
-          <ac:grpSpMkLst>
-            <pc:docMk/>
-            <pc:sldMk cId="0" sldId="256"/>
-            <ac:grpSpMk id="62" creationId="{404B3569-B450-4FDC-BC7E-8343C5B6F165}"/>
-          </ac:grpSpMkLst>
-        </pc:grpChg>
-        <pc:grpChg chg="mod">
-          <ac:chgData name="Aviv" userId="36823454-c8dd-46c1-88f9-5876435fcb26" providerId="ADAL" clId="{47887CB4-8F60-4F25-83E1-58D15B9C0985}" dt="2020-11-28T20:46:18.867" v="532" actId="1076"/>
-          <ac:grpSpMkLst>
-            <pc:docMk/>
-            <pc:sldMk cId="0" sldId="256"/>
-            <ac:grpSpMk id="70" creationId="{F9AFE737-0DA1-4FBC-8A3D-86E42ABC934F}"/>
-          </ac:grpSpMkLst>
-        </pc:grpChg>
-        <pc:grpChg chg="mod">
-          <ac:chgData name="Aviv" userId="36823454-c8dd-46c1-88f9-5876435fcb26" providerId="ADAL" clId="{47887CB4-8F60-4F25-83E1-58D15B9C0985}" dt="2020-11-28T20:24:31.681" v="203" actId="207"/>
-          <ac:grpSpMkLst>
-            <pc:docMk/>
-            <pc:sldMk cId="0" sldId="256"/>
-            <ac:grpSpMk id="81" creationId="{3AE53B45-BE1F-4C36-8E5B-D09D979CC724}"/>
-          </ac:grpSpMkLst>
-        </pc:grpChg>
-        <pc:picChg chg="mod">
-          <ac:chgData name="Aviv" userId="36823454-c8dd-46c1-88f9-5876435fcb26" providerId="ADAL" clId="{47887CB4-8F60-4F25-83E1-58D15B9C0985}" dt="2020-11-28T20:38:39.279" v="430" actId="1076"/>
-          <ac:picMkLst>
-            <pc:docMk/>
-            <pc:sldMk cId="0" sldId="256"/>
-            <ac:picMk id="15" creationId="{889BF1DB-9F2D-4883-B1A6-EDD2EB173602}"/>
-          </ac:picMkLst>
-        </pc:picChg>
-        <pc:picChg chg="mod">
-          <ac:chgData name="Aviv" userId="36823454-c8dd-46c1-88f9-5876435fcb26" providerId="ADAL" clId="{47887CB4-8F60-4F25-83E1-58D15B9C0985}" dt="2020-11-28T20:39:07.336" v="438" actId="1076"/>
-          <ac:picMkLst>
-            <pc:docMk/>
-            <pc:sldMk cId="0" sldId="256"/>
-            <ac:picMk id="18" creationId="{6CB629BE-7052-4338-9CC7-5FA11E1D0784}"/>
-          </ac:picMkLst>
-        </pc:picChg>
-        <pc:picChg chg="mod">
-          <ac:chgData name="Aviv" userId="36823454-c8dd-46c1-88f9-5876435fcb26" providerId="ADAL" clId="{47887CB4-8F60-4F25-83E1-58D15B9C0985}" dt="2020-11-28T20:24:31.681" v="203" actId="207"/>
-          <ac:picMkLst>
-            <pc:docMk/>
-            <pc:sldMk cId="0" sldId="256"/>
-            <ac:picMk id="68" creationId="{8AB40A35-45A1-4459-BDC1-53FE83BB4293}"/>
-          </ac:picMkLst>
-        </pc:picChg>
-        <pc:picChg chg="del mod">
-          <ac:chgData name="Aviv" userId="36823454-c8dd-46c1-88f9-5876435fcb26" providerId="ADAL" clId="{47887CB4-8F60-4F25-83E1-58D15B9C0985}" dt="2020-11-28T20:42:06.875" v="458" actId="478"/>
-          <ac:picMkLst>
-            <pc:docMk/>
-            <pc:sldMk cId="0" sldId="256"/>
-            <ac:picMk id="110" creationId="{D68232AD-3FC4-45BD-BB4D-1F6C3D245836}"/>
-          </ac:picMkLst>
-        </pc:picChg>
-        <pc:picChg chg="mod">
-          <ac:chgData name="Aviv" userId="36823454-c8dd-46c1-88f9-5876435fcb26" providerId="ADAL" clId="{47887CB4-8F60-4F25-83E1-58D15B9C0985}" dt="2020-11-28T20:24:31.681" v="203" actId="207"/>
-          <ac:picMkLst>
-            <pc:docMk/>
-            <pc:sldMk cId="0" sldId="256"/>
-            <ac:picMk id="128" creationId="{00000000-0000-0000-0000-000000000000}"/>
-          </ac:picMkLst>
-        </pc:picChg>
-        <pc:cxnChg chg="add mod">
-          <ac:chgData name="Aviv" userId="36823454-c8dd-46c1-88f9-5876435fcb26" providerId="ADAL" clId="{47887CB4-8F60-4F25-83E1-58D15B9C0985}" dt="2020-11-28T20:45:04.479" v="520" actId="164"/>
-          <ac:cxnSpMkLst>
-            <pc:docMk/>
-            <pc:sldMk cId="0" sldId="256"/>
-            <ac:cxnSpMk id="14" creationId="{84E15954-54E4-421B-9996-A435141B662C}"/>
-          </ac:cxnSpMkLst>
-        </pc:cxnChg>
-        <pc:cxnChg chg="add mod">
-          <ac:chgData name="Aviv" userId="36823454-c8dd-46c1-88f9-5876435fcb26" providerId="ADAL" clId="{47887CB4-8F60-4F25-83E1-58D15B9C0985}" dt="2020-11-28T20:45:04.479" v="520" actId="164"/>
-          <ac:cxnSpMkLst>
-            <pc:docMk/>
-            <pc:sldMk cId="0" sldId="256"/>
-            <ac:cxnSpMk id="83" creationId="{195EDA9F-2C36-46E3-A712-14432043DB4C}"/>
-          </ac:cxnSpMkLst>
-        </pc:cxnChg>
-        <pc:cxnChg chg="add mod">
-          <ac:chgData name="Aviv" userId="36823454-c8dd-46c1-88f9-5876435fcb26" providerId="ADAL" clId="{47887CB4-8F60-4F25-83E1-58D15B9C0985}" dt="2020-11-28T20:45:04.479" v="520" actId="164"/>
-          <ac:cxnSpMkLst>
-            <pc:docMk/>
-            <pc:sldMk cId="0" sldId="256"/>
-            <ac:cxnSpMk id="97" creationId="{BDF57BEA-527D-4351-BB79-87C7704A938A}"/>
-          </ac:cxnSpMkLst>
-        </pc:cxnChg>
-      </pc:sldChg>
-    </pc:docChg>
-  </pc:docChgLst>
-  <pc:docChgLst>
-    <pc:chgData name="Yeger, Stav" userId="a211dcc0-0e39-4acb-b6b7-4ff5959c9fb7" providerId="ADAL" clId="{ECF40490-71D3-4708-90A3-F1A72797932F}"/>
-    <pc:docChg chg="modSld">
-      <pc:chgData name="Yeger, Stav" userId="a211dcc0-0e39-4acb-b6b7-4ff5959c9fb7" providerId="ADAL" clId="{ECF40490-71D3-4708-90A3-F1A72797932F}" dt="2020-11-03T07:42:43.601" v="14" actId="20577"/>
-      <pc:docMkLst>
-        <pc:docMk/>
-      </pc:docMkLst>
-      <pc:sldChg chg="modSp">
-        <pc:chgData name="Yeger, Stav" userId="a211dcc0-0e39-4acb-b6b7-4ff5959c9fb7" providerId="ADAL" clId="{ECF40490-71D3-4708-90A3-F1A72797932F}" dt="2020-11-03T07:42:43.601" v="14" actId="20577"/>
-        <pc:sldMkLst>
-          <pc:docMk/>
-          <pc:sldMk cId="0" sldId="256"/>
-        </pc:sldMkLst>
-        <pc:spChg chg="mod">
-          <ac:chgData name="Yeger, Stav" userId="a211dcc0-0e39-4acb-b6b7-4ff5959c9fb7" providerId="ADAL" clId="{ECF40490-71D3-4708-90A3-F1A72797932F}" dt="2020-11-01T09:19:49.816" v="3" actId="1076"/>
-          <ac:spMkLst>
-            <pc:docMk/>
-            <pc:sldMk cId="0" sldId="256"/>
-            <ac:spMk id="61" creationId="{C3B4EC72-8D23-439F-B614-EA72B8CF35B3}"/>
-          </ac:spMkLst>
-        </pc:spChg>
-        <pc:spChg chg="mod">
-          <ac:chgData name="Yeger, Stav" userId="a211dcc0-0e39-4acb-b6b7-4ff5959c9fb7" providerId="ADAL" clId="{ECF40490-71D3-4708-90A3-F1A72797932F}" dt="2020-11-01T09:19:35.985" v="1" actId="20577"/>
-          <ac:spMkLst>
-            <pc:docMk/>
-            <pc:sldMk cId="0" sldId="256"/>
-            <ac:spMk id="64" creationId="{28E18451-3EAC-4990-BB01-86044D6DCE0C}"/>
-          </ac:spMkLst>
-        </pc:spChg>
-        <pc:spChg chg="mod">
-          <ac:chgData name="Yeger, Stav" userId="a211dcc0-0e39-4acb-b6b7-4ff5959c9fb7" providerId="ADAL" clId="{ECF40490-71D3-4708-90A3-F1A72797932F}" dt="2020-11-01T09:20:38.807" v="12" actId="1076"/>
-          <ac:spMkLst>
-            <pc:docMk/>
-            <pc:sldMk cId="0" sldId="256"/>
-            <ac:spMk id="75" creationId="{7B69250F-700C-40F1-8BBB-462AD24B145E}"/>
-          </ac:spMkLst>
-        </pc:spChg>
-        <pc:spChg chg="mod">
-          <ac:chgData name="Yeger, Stav" userId="a211dcc0-0e39-4acb-b6b7-4ff5959c9fb7" providerId="ADAL" clId="{ECF40490-71D3-4708-90A3-F1A72797932F}" dt="2020-11-03T07:42:43.601" v="14" actId="20577"/>
-          <ac:spMkLst>
-            <pc:docMk/>
-            <pc:sldMk cId="0" sldId="256"/>
-            <ac:spMk id="197" creationId="{2EA87C73-BC5A-4D07-A0D9-0F2C60DC04C9}"/>
-          </ac:spMkLst>
-        </pc:spChg>
-        <pc:grpChg chg="mod">
-          <ac:chgData name="Yeger, Stav" userId="a211dcc0-0e39-4acb-b6b7-4ff5959c9fb7" providerId="ADAL" clId="{ECF40490-71D3-4708-90A3-F1A72797932F}" dt="2020-11-01T09:20:38.807" v="12" actId="1076"/>
+          <ac:chgData name="Stav" userId="c8920bed-57b0-4657-bb44-4daf9074dac5" providerId="ADAL" clId="{E7187E3C-27E8-47E9-BD65-6DDC48BBF77D}" dt="2020-12-13T14:42:02.676" v="373" actId="14100"/>
           <ac:grpSpMkLst>
             <pc:docMk/>
             <pc:sldMk cId="0" sldId="256"/>
@@ -779,223 +622,231 @@
           </ac:grpSpMkLst>
         </pc:grpChg>
         <pc:picChg chg="mod">
-          <ac:chgData name="Yeger, Stav" userId="a211dcc0-0e39-4acb-b6b7-4ff5959c9fb7" providerId="ADAL" clId="{ECF40490-71D3-4708-90A3-F1A72797932F}" dt="2020-11-01T09:19:42.878" v="2" actId="1076"/>
+          <ac:chgData name="Stav" userId="c8920bed-57b0-4657-bb44-4daf9074dac5" providerId="ADAL" clId="{E7187E3C-27E8-47E9-BD65-6DDC48BBF77D}" dt="2020-12-13T15:05:50.533" v="565" actId="1076"/>
           <ac:picMkLst>
             <pc:docMk/>
             <pc:sldMk cId="0" sldId="256"/>
-            <ac:picMk id="18" creationId="{6CB629BE-7052-4338-9CC7-5FA11E1D0784}"/>
+            <ac:picMk id="16" creationId="{133D3700-4492-4D85-8F69-041A15907ED0}"/>
+          </ac:picMkLst>
+        </pc:picChg>
+        <pc:picChg chg="mod">
+          <ac:chgData name="Stav" userId="c8920bed-57b0-4657-bb44-4daf9074dac5" providerId="ADAL" clId="{E7187E3C-27E8-47E9-BD65-6DDC48BBF77D}" dt="2020-12-13T14:51:48.338" v="447" actId="1076"/>
+          <ac:picMkLst>
+            <pc:docMk/>
+            <pc:sldMk cId="0" sldId="256"/>
+            <ac:picMk id="103" creationId="{D5B2D28D-53EA-41A5-B770-57FA5194EA58}"/>
+          </ac:picMkLst>
+        </pc:picChg>
+        <pc:picChg chg="mod">
+          <ac:chgData name="Stav" userId="c8920bed-57b0-4657-bb44-4daf9074dac5" providerId="ADAL" clId="{E7187E3C-27E8-47E9-BD65-6DDC48BBF77D}" dt="2020-12-13T14:52:21.071" v="452" actId="1076"/>
+          <ac:picMkLst>
+            <pc:docMk/>
+            <pc:sldMk cId="0" sldId="256"/>
+            <ac:picMk id="124" creationId="{40FEF767-742B-4AAD-BB6A-D2394308309E}"/>
+          </ac:picMkLst>
+        </pc:picChg>
+        <pc:picChg chg="mod">
+          <ac:chgData name="Stav" userId="c8920bed-57b0-4657-bb44-4daf9074dac5" providerId="ADAL" clId="{E7187E3C-27E8-47E9-BD65-6DDC48BBF77D}" dt="2020-12-13T15:01:50.065" v="539" actId="1036"/>
+          <ac:picMkLst>
+            <pc:docMk/>
+            <pc:sldMk cId="0" sldId="256"/>
+            <ac:picMk id="1026" creationId="{58FD6E4A-063C-4578-B6EA-AC9FD4B72C6D}"/>
           </ac:picMkLst>
         </pc:picChg>
       </pc:sldChg>
     </pc:docChg>
   </pc:docChgLst>
   <pc:docChgLst>
-    <pc:chgData name="Stav Yeger" userId="c8920bed-57b0-4657-bb44-4daf9074dac5" providerId="ADAL" clId="{AFE801B3-8EAF-4F95-B5E9-4F35D6149768}"/>
-    <pc:docChg chg="undo redo custSel modSld">
-      <pc:chgData name="Stav Yeger" userId="c8920bed-57b0-4657-bb44-4daf9074dac5" providerId="ADAL" clId="{AFE801B3-8EAF-4F95-B5E9-4F35D6149768}" dt="2020-05-19T21:06:45.539" v="1689" actId="20577"/>
+    <pc:chgData name="Aviv Paskaro" userId="S::avivp@campus.technion.ac.il::d866d186-a8b4-4be6-be96-55c40d47ca2a" providerId="AD" clId="Web-{462940AA-9684-F38B-BE6E-02AAA77007D1}"/>
+    <pc:docChg chg="modSld">
+      <pc:chgData name="Aviv Paskaro" userId="S::avivp@campus.technion.ac.il::d866d186-a8b4-4be6-be96-55c40d47ca2a" providerId="AD" clId="Web-{462940AA-9684-F38B-BE6E-02AAA77007D1}" dt="2020-12-12T20:40:22.843" v="166" actId="20577"/>
       <pc:docMkLst>
         <pc:docMk/>
       </pc:docMkLst>
-      <pc:sldChg chg="addSp delSp modSp">
-        <pc:chgData name="Stav Yeger" userId="c8920bed-57b0-4657-bb44-4daf9074dac5" providerId="ADAL" clId="{AFE801B3-8EAF-4F95-B5E9-4F35D6149768}" dt="2020-05-19T21:06:45.539" v="1689" actId="20577"/>
+      <pc:sldChg chg="modSp">
+        <pc:chgData name="Aviv Paskaro" userId="S::avivp@campus.technion.ac.il::d866d186-a8b4-4be6-be96-55c40d47ca2a" providerId="AD" clId="Web-{462940AA-9684-F38B-BE6E-02AAA77007D1}" dt="2020-12-12T20:40:22.827" v="165" actId="20577"/>
+        <pc:sldMkLst>
+          <pc:docMk/>
+          <pc:sldMk cId="3448835730" sldId="257"/>
+        </pc:sldMkLst>
+        <pc:spChg chg="mod">
+          <ac:chgData name="Aviv Paskaro" userId="S::avivp@campus.technion.ac.il::d866d186-a8b4-4be6-be96-55c40d47ca2a" providerId="AD" clId="Web-{462940AA-9684-F38B-BE6E-02AAA77007D1}" dt="2020-12-12T20:40:22.827" v="165" actId="20577"/>
+          <ac:spMkLst>
+            <pc:docMk/>
+            <pc:sldMk cId="3448835730" sldId="257"/>
+            <ac:spMk id="3" creationId="{375BE593-F361-4EF8-BF2E-63BEE80C5B90}"/>
+          </ac:spMkLst>
+        </pc:spChg>
+      </pc:sldChg>
+    </pc:docChg>
+  </pc:docChgLst>
+  <pc:docChgLst>
+    <pc:chgData name="Aviv Paskaro" userId="S::avivp@campus.technion.ac.il::d866d186-a8b4-4be6-be96-55c40d47ca2a" providerId="AD" clId="Web-{6483F14B-CC59-0BC6-5FFB-CDB84B0DCEAC}"/>
+    <pc:docChg chg="modSld">
+      <pc:chgData name="Aviv Paskaro" userId="S::avivp@campus.technion.ac.il::d866d186-a8b4-4be6-be96-55c40d47ca2a" providerId="AD" clId="Web-{6483F14B-CC59-0BC6-5FFB-CDB84B0DCEAC}" dt="2020-12-11T08:10:15.892" v="10"/>
+      <pc:docMkLst>
+        <pc:docMk/>
+      </pc:docMkLst>
+      <pc:sldChg chg="modSp">
+        <pc:chgData name="Aviv Paskaro" userId="S::avivp@campus.technion.ac.il::d866d186-a8b4-4be6-be96-55c40d47ca2a" providerId="AD" clId="Web-{6483F14B-CC59-0BC6-5FFB-CDB84B0DCEAC}" dt="2020-12-11T08:10:15.892" v="10"/>
         <pc:sldMkLst>
           <pc:docMk/>
           <pc:sldMk cId="0" sldId="256"/>
         </pc:sldMkLst>
         <pc:spChg chg="mod">
-          <ac:chgData name="Stav Yeger" userId="c8920bed-57b0-4657-bb44-4daf9074dac5" providerId="ADAL" clId="{AFE801B3-8EAF-4F95-B5E9-4F35D6149768}" dt="2020-04-24T11:07:15.393" v="1684" actId="20577"/>
+          <ac:chgData name="Aviv Paskaro" userId="S::avivp@campus.technion.ac.il::d866d186-a8b4-4be6-be96-55c40d47ca2a" providerId="AD" clId="Web-{6483F14B-CC59-0BC6-5FFB-CDB84B0DCEAC}" dt="2020-12-11T08:10:15.892" v="10"/>
           <ac:spMkLst>
             <pc:docMk/>
             <pc:sldMk cId="0" sldId="256"/>
-            <ac:spMk id="2" creationId="{00000000-0000-0000-0000-000000000000}"/>
+            <ac:spMk id="4" creationId="{ABA4EA99-7B8C-44D9-837C-1F7BE8A014AE}"/>
+          </ac:spMkLst>
+        </pc:spChg>
+      </pc:sldChg>
+    </pc:docChg>
+  </pc:docChgLst>
+  <pc:docChgLst>
+    <pc:chgData name="Aviv Paskaro" userId="S::avivp@campus.technion.ac.il::d866d186-a8b4-4be6-be96-55c40d47ca2a" providerId="AD" clId="Web-{82023DB7-3E9B-85C6-81E6-779CCF6725B4}"/>
+    <pc:docChg chg="modSld">
+      <pc:chgData name="Aviv Paskaro" userId="S::avivp@campus.technion.ac.il::d866d186-a8b4-4be6-be96-55c40d47ca2a" providerId="AD" clId="Web-{82023DB7-3E9B-85C6-81E6-779CCF6725B4}" dt="2020-12-12T21:32:27.555" v="1" actId="20577"/>
+      <pc:docMkLst>
+        <pc:docMk/>
+      </pc:docMkLst>
+      <pc:sldChg chg="modSp">
+        <pc:chgData name="Aviv Paskaro" userId="S::avivp@campus.technion.ac.il::d866d186-a8b4-4be6-be96-55c40d47ca2a" providerId="AD" clId="Web-{82023DB7-3E9B-85C6-81E6-779CCF6725B4}" dt="2020-12-12T21:32:27.555" v="1" actId="20577"/>
+        <pc:sldMkLst>
+          <pc:docMk/>
+          <pc:sldMk cId="3448835730" sldId="257"/>
+        </pc:sldMkLst>
+        <pc:spChg chg="mod">
+          <ac:chgData name="Aviv Paskaro" userId="S::avivp@campus.technion.ac.il::d866d186-a8b4-4be6-be96-55c40d47ca2a" providerId="AD" clId="Web-{82023DB7-3E9B-85C6-81E6-779CCF6725B4}" dt="2020-12-12T21:32:27.555" v="1" actId="20577"/>
+          <ac:spMkLst>
+            <pc:docMk/>
+            <pc:sldMk cId="3448835730" sldId="257"/>
+            <ac:spMk id="3" creationId="{375BE593-F361-4EF8-BF2E-63BEE80C5B90}"/>
+          </ac:spMkLst>
+        </pc:spChg>
+      </pc:sldChg>
+    </pc:docChg>
+  </pc:docChgLst>
+  <pc:docChgLst>
+    <pc:chgData name="Aviv Paskaro" userId="d866d186-a8b4-4be6-be96-55c40d47ca2a" providerId="ADAL" clId="{0756543B-C882-4209-A490-CDD723B285E4}"/>
+    <pc:docChg chg="undo custSel modSld">
+      <pc:chgData name="Aviv Paskaro" userId="d866d186-a8b4-4be6-be96-55c40d47ca2a" providerId="ADAL" clId="{0756543B-C882-4209-A490-CDD723B285E4}" dt="2020-12-13T17:01:02.424" v="144" actId="20577"/>
+      <pc:docMkLst>
+        <pc:docMk/>
+      </pc:docMkLst>
+      <pc:sldChg chg="addSp delSp modSp mod">
+        <pc:chgData name="Aviv Paskaro" userId="d866d186-a8b4-4be6-be96-55c40d47ca2a" providerId="ADAL" clId="{0756543B-C882-4209-A490-CDD723B285E4}" dt="2020-12-13T17:01:02.424" v="144" actId="20577"/>
+        <pc:sldMkLst>
+          <pc:docMk/>
+          <pc:sldMk cId="0" sldId="256"/>
+        </pc:sldMkLst>
+        <pc:spChg chg="mod">
+          <ac:chgData name="Aviv Paskaro" userId="d866d186-a8b4-4be6-be96-55c40d47ca2a" providerId="ADAL" clId="{0756543B-C882-4209-A490-CDD723B285E4}" dt="2020-12-11T08:11:46.825" v="12" actId="14100"/>
+          <ac:spMkLst>
+            <pc:docMk/>
+            <pc:sldMk cId="0" sldId="256"/>
+            <ac:spMk id="4" creationId="{ABA4EA99-7B8C-44D9-837C-1F7BE8A014AE}"/>
+          </ac:spMkLst>
+        </pc:spChg>
+        <pc:spChg chg="mod">
+          <ac:chgData name="Aviv Paskaro" userId="d866d186-a8b4-4be6-be96-55c40d47ca2a" providerId="ADAL" clId="{0756543B-C882-4209-A490-CDD723B285E4}" dt="2020-12-13T16:25:28.002" v="22" actId="20577"/>
+          <ac:spMkLst>
+            <pc:docMk/>
+            <pc:sldMk cId="0" sldId="256"/>
+            <ac:spMk id="4" creationId="{BFD67592-9C29-47D2-A482-6DBC119924BB}"/>
+          </ac:spMkLst>
+        </pc:spChg>
+        <pc:spChg chg="add del mod">
+          <ac:chgData name="Aviv Paskaro" userId="d866d186-a8b4-4be6-be96-55c40d47ca2a" providerId="ADAL" clId="{0756543B-C882-4209-A490-CDD723B285E4}" dt="2020-12-13T16:28:23.824" v="40" actId="478"/>
+          <ac:spMkLst>
+            <pc:docMk/>
+            <pc:sldMk cId="0" sldId="256"/>
+            <ac:spMk id="13" creationId="{0831C7F3-90C7-408D-B434-2BE43EBB5F9F}"/>
           </ac:spMkLst>
         </pc:spChg>
         <pc:spChg chg="add mod">
-          <ac:chgData name="Stav Yeger" userId="c8920bed-57b0-4657-bb44-4daf9074dac5" providerId="ADAL" clId="{AFE801B3-8EAF-4F95-B5E9-4F35D6149768}" dt="2020-04-24T08:39:16.856" v="1532" actId="164"/>
+          <ac:chgData name="Aviv Paskaro" userId="d866d186-a8b4-4be6-be96-55c40d47ca2a" providerId="ADAL" clId="{0756543B-C882-4209-A490-CDD723B285E4}" dt="2020-12-13T16:35:29.883" v="130" actId="113"/>
           <ac:spMkLst>
             <pc:docMk/>
             <pc:sldMk cId="0" sldId="256"/>
-            <ac:spMk id="4" creationId="{F726B03B-45CD-48F9-B2B0-9DBB0612A3A2}"/>
+            <ac:spMk id="15" creationId="{64B0B6CA-57C4-44CB-8A84-B10E94DA18A5}"/>
           </ac:spMkLst>
         </pc:spChg>
         <pc:spChg chg="mod">
-          <ac:chgData name="Stav Yeger" userId="c8920bed-57b0-4657-bb44-4daf9074dac5" providerId="ADAL" clId="{AFE801B3-8EAF-4F95-B5E9-4F35D6149768}" dt="2020-04-24T08:31:57.944" v="1467" actId="1076"/>
+          <ac:chgData name="Aviv Paskaro" userId="d866d186-a8b4-4be6-be96-55c40d47ca2a" providerId="ADAL" clId="{0756543B-C882-4209-A490-CDD723B285E4}" dt="2020-12-11T08:11:30.953" v="10" actId="1076"/>
           <ac:spMkLst>
             <pc:docMk/>
             <pc:sldMk cId="0" sldId="256"/>
             <ac:spMk id="52" creationId="{CFB0AD51-EEAC-4DD0-BE16-0AD4917BADED}"/>
           </ac:spMkLst>
         </pc:spChg>
-        <pc:spChg chg="add mod">
-          <ac:chgData name="Stav Yeger" userId="c8920bed-57b0-4657-bb44-4daf9074dac5" providerId="ADAL" clId="{AFE801B3-8EAF-4F95-B5E9-4F35D6149768}" dt="2020-04-24T08:43:35.896" v="1556" actId="1076"/>
-          <ac:spMkLst>
-            <pc:docMk/>
-            <pc:sldMk cId="0" sldId="256"/>
-            <ac:spMk id="56" creationId="{D9399599-4FDB-4E42-9B52-DE0F1CEE1EF2}"/>
-          </ac:spMkLst>
-        </pc:spChg>
         <pc:spChg chg="mod">
-          <ac:chgData name="Stav Yeger" userId="c8920bed-57b0-4657-bb44-4daf9074dac5" providerId="ADAL" clId="{AFE801B3-8EAF-4F95-B5E9-4F35D6149768}" dt="2020-04-24T08:43:26.274" v="1555" actId="1076"/>
+          <ac:chgData name="Aviv Paskaro" userId="d866d186-a8b4-4be6-be96-55c40d47ca2a" providerId="ADAL" clId="{0756543B-C882-4209-A490-CDD723B285E4}" dt="2020-12-13T16:25:00.102" v="14" actId="1076"/>
           <ac:spMkLst>
             <pc:docMk/>
             <pc:sldMk cId="0" sldId="256"/>
             <ac:spMk id="59" creationId="{31F8F7D3-6C57-4B43-9542-7581BF142F17}"/>
           </ac:spMkLst>
         </pc:spChg>
-        <pc:spChg chg="mod">
-          <ac:chgData name="Stav Yeger" userId="c8920bed-57b0-4657-bb44-4daf9074dac5" providerId="ADAL" clId="{AFE801B3-8EAF-4F95-B5E9-4F35D6149768}" dt="2020-04-24T09:24:43.826" v="1581" actId="1076"/>
+        <pc:spChg chg="add mod">
+          <ac:chgData name="Aviv Paskaro" userId="d866d186-a8b4-4be6-be96-55c40d47ca2a" providerId="ADAL" clId="{0756543B-C882-4209-A490-CDD723B285E4}" dt="2020-12-13T16:33:15.996" v="100" actId="21"/>
           <ac:spMkLst>
             <pc:docMk/>
             <pc:sldMk cId="0" sldId="256"/>
-            <ac:spMk id="61" creationId="{C3B4EC72-8D23-439F-B614-EA72B8CF35B3}"/>
+            <ac:spMk id="92" creationId="{56FA1E8F-8AFA-46FB-B462-C62FDEB11245}"/>
+          </ac:spMkLst>
+        </pc:spChg>
+        <pc:spChg chg="add del mod">
+          <ac:chgData name="Aviv Paskaro" userId="d866d186-a8b4-4be6-be96-55c40d47ca2a" providerId="ADAL" clId="{0756543B-C882-4209-A490-CDD723B285E4}" dt="2020-12-13T16:30:15.722" v="64" actId="478"/>
+          <ac:spMkLst>
+            <pc:docMk/>
+            <pc:sldMk cId="0" sldId="256"/>
+            <ac:spMk id="93" creationId="{F697C8C3-95D4-47BA-A834-4B2CF0B9E4F2}"/>
+          </ac:spMkLst>
+        </pc:spChg>
+        <pc:spChg chg="add del mod">
+          <ac:chgData name="Aviv Paskaro" userId="d866d186-a8b4-4be6-be96-55c40d47ca2a" providerId="ADAL" clId="{0756543B-C882-4209-A490-CDD723B285E4}" dt="2020-12-13T16:30:17.281" v="65" actId="478"/>
+          <ac:spMkLst>
+            <pc:docMk/>
+            <pc:sldMk cId="0" sldId="256"/>
+            <ac:spMk id="94" creationId="{0C1DE8F4-8FF2-4ED2-B789-A198862B6FC6}"/>
+          </ac:spMkLst>
+        </pc:spChg>
+        <pc:spChg chg="add mod">
+          <ac:chgData name="Aviv Paskaro" userId="d866d186-a8b4-4be6-be96-55c40d47ca2a" providerId="ADAL" clId="{0756543B-C882-4209-A490-CDD723B285E4}" dt="2020-12-13T16:33:21.096" v="103" actId="21"/>
+          <ac:spMkLst>
+            <pc:docMk/>
+            <pc:sldMk cId="0" sldId="256"/>
+            <ac:spMk id="95" creationId="{DCEE0D73-FCD6-4DD3-AD1C-F2DCA73D621C}"/>
+          </ac:spMkLst>
+        </pc:spChg>
+        <pc:spChg chg="add mod">
+          <ac:chgData name="Aviv Paskaro" userId="d866d186-a8b4-4be6-be96-55c40d47ca2a" providerId="ADAL" clId="{0756543B-C882-4209-A490-CDD723B285E4}" dt="2020-12-13T16:33:31.542" v="108" actId="21"/>
+          <ac:spMkLst>
+            <pc:docMk/>
+            <pc:sldMk cId="0" sldId="256"/>
+            <ac:spMk id="96" creationId="{C914035A-9250-4C36-86EA-EEE2FF8D3BED}"/>
           </ac:spMkLst>
         </pc:spChg>
         <pc:spChg chg="mod">
-          <ac:chgData name="Stav Yeger" userId="c8920bed-57b0-4657-bb44-4daf9074dac5" providerId="ADAL" clId="{AFE801B3-8EAF-4F95-B5E9-4F35D6149768}" dt="2020-04-24T08:37:13.110" v="1527" actId="14100"/>
+          <ac:chgData name="Aviv Paskaro" userId="d866d186-a8b4-4be6-be96-55c40d47ca2a" providerId="ADAL" clId="{0756543B-C882-4209-A490-CDD723B285E4}" dt="2020-12-13T17:01:02.424" v="144" actId="20577"/>
           <ac:spMkLst>
             <pc:docMk/>
             <pc:sldMk cId="0" sldId="256"/>
-            <ac:spMk id="63" creationId="{A850E778-2CAD-48AE-A3A6-42BDDEC42FFA}"/>
+            <ac:spMk id="125" creationId="{4BF0E986-03BD-458E-A59A-EA8531AEAFC7}"/>
           </ac:spMkLst>
         </pc:spChg>
         <pc:spChg chg="mod">
-          <ac:chgData name="Stav Yeger" userId="c8920bed-57b0-4657-bb44-4daf9074dac5" providerId="ADAL" clId="{AFE801B3-8EAF-4F95-B5E9-4F35D6149768}" dt="2020-04-24T08:37:01.920" v="1524" actId="20577"/>
+          <ac:chgData name="Aviv Paskaro" userId="d866d186-a8b4-4be6-be96-55c40d47ca2a" providerId="ADAL" clId="{0756543B-C882-4209-A490-CDD723B285E4}" dt="2020-12-13T16:25:00.102" v="14" actId="1076"/>
           <ac:spMkLst>
             <pc:docMk/>
             <pc:sldMk cId="0" sldId="256"/>
-            <ac:spMk id="64" creationId="{28E18451-3EAC-4990-BB01-86044D6DCE0C}"/>
+            <ac:spMk id="127" creationId="{00000000-0000-0000-0000-000000000000}"/>
           </ac:spMkLst>
         </pc:spChg>
         <pc:spChg chg="mod">
-          <ac:chgData name="Stav Yeger" userId="c8920bed-57b0-4657-bb44-4daf9074dac5" providerId="ADAL" clId="{AFE801B3-8EAF-4F95-B5E9-4F35D6149768}" dt="2020-04-16T16:12:44.199" v="703" actId="1076"/>
-          <ac:spMkLst>
-            <pc:docMk/>
-            <pc:sldMk cId="0" sldId="256"/>
-            <ac:spMk id="71" creationId="{A8E5C239-0D09-41CF-A64D-4B1BBC46CFB9}"/>
-          </ac:spMkLst>
-        </pc:spChg>
-        <pc:spChg chg="mod">
-          <ac:chgData name="Stav Yeger" userId="c8920bed-57b0-4657-bb44-4daf9074dac5" providerId="ADAL" clId="{AFE801B3-8EAF-4F95-B5E9-4F35D6149768}" dt="2020-04-16T16:12:40.259" v="702" actId="1076"/>
-          <ac:spMkLst>
-            <pc:docMk/>
-            <pc:sldMk cId="0" sldId="256"/>
-            <ac:spMk id="72" creationId="{273D3EED-3D23-4FCB-A7D2-506A7649D176}"/>
-          </ac:spMkLst>
-        </pc:spChg>
-        <pc:spChg chg="mod">
-          <ac:chgData name="Stav Yeger" userId="c8920bed-57b0-4657-bb44-4daf9074dac5" providerId="ADAL" clId="{AFE801B3-8EAF-4F95-B5E9-4F35D6149768}" dt="2020-04-24T09:26:16.885" v="1584" actId="20577"/>
-          <ac:spMkLst>
-            <pc:docMk/>
-            <pc:sldMk cId="0" sldId="256"/>
-            <ac:spMk id="73" creationId="{29F839A0-6143-46B5-A1C2-21A7C120F766}"/>
-          </ac:spMkLst>
-        </pc:spChg>
-        <pc:spChg chg="mod">
-          <ac:chgData name="Stav Yeger" userId="c8920bed-57b0-4657-bb44-4daf9074dac5" providerId="ADAL" clId="{AFE801B3-8EAF-4F95-B5E9-4F35D6149768}" dt="2020-04-24T09:21:01.689" v="1561" actId="1076"/>
-          <ac:spMkLst>
-            <pc:docMk/>
-            <pc:sldMk cId="0" sldId="256"/>
-            <ac:spMk id="74" creationId="{8094AB66-6790-43BD-B82A-5DC5E9E627E0}"/>
-          </ac:spMkLst>
-        </pc:spChg>
-        <pc:spChg chg="mod">
-          <ac:chgData name="Stav Yeger" userId="c8920bed-57b0-4657-bb44-4daf9074dac5" providerId="ADAL" clId="{AFE801B3-8EAF-4F95-B5E9-4F35D6149768}" dt="2020-04-24T09:20:55.449" v="1560" actId="1076"/>
-          <ac:spMkLst>
-            <pc:docMk/>
-            <pc:sldMk cId="0" sldId="256"/>
-            <ac:spMk id="75" creationId="{7B69250F-700C-40F1-8BBB-462AD24B145E}"/>
-          </ac:spMkLst>
-        </pc:spChg>
-        <pc:spChg chg="add mod">
-          <ac:chgData name="Stav Yeger" userId="c8920bed-57b0-4657-bb44-4daf9074dac5" providerId="ADAL" clId="{AFE801B3-8EAF-4F95-B5E9-4F35D6149768}" dt="2020-04-24T08:39:16.856" v="1532" actId="164"/>
-          <ac:spMkLst>
-            <pc:docMk/>
-            <pc:sldMk cId="0" sldId="256"/>
-            <ac:spMk id="76" creationId="{D2AA7C0B-330F-48A3-AB4B-081C123E6F3C}"/>
-          </ac:spMkLst>
-        </pc:spChg>
-        <pc:spChg chg="del">
-          <ac:chgData name="Stav Yeger" userId="c8920bed-57b0-4657-bb44-4daf9074dac5" providerId="ADAL" clId="{AFE801B3-8EAF-4F95-B5E9-4F35D6149768}" dt="2020-04-12T13:42:39.351" v="51" actId="478"/>
-          <ac:spMkLst>
-            <pc:docMk/>
-            <pc:sldMk cId="0" sldId="256"/>
-            <ac:spMk id="76" creationId="{E6B51472-FA8A-4908-B861-7BCF145B9908}"/>
-          </ac:spMkLst>
-        </pc:spChg>
-        <pc:spChg chg="add mod">
-          <ac:chgData name="Stav Yeger" userId="c8920bed-57b0-4657-bb44-4daf9074dac5" providerId="ADAL" clId="{AFE801B3-8EAF-4F95-B5E9-4F35D6149768}" dt="2020-04-22T18:28:49.511" v="1009" actId="123"/>
-          <ac:spMkLst>
-            <pc:docMk/>
-            <pc:sldMk cId="0" sldId="256"/>
-            <ac:spMk id="77" creationId="{9C9E8B45-8C7A-4975-B74D-406DED227114}"/>
-          </ac:spMkLst>
-        </pc:spChg>
-        <pc:spChg chg="add mod">
-          <ac:chgData name="Stav Yeger" userId="c8920bed-57b0-4657-bb44-4daf9074dac5" providerId="ADAL" clId="{AFE801B3-8EAF-4F95-B5E9-4F35D6149768}" dt="2020-04-24T08:39:16.856" v="1532" actId="164"/>
-          <ac:spMkLst>
-            <pc:docMk/>
-            <pc:sldMk cId="0" sldId="256"/>
-            <ac:spMk id="78" creationId="{CDAC9F78-B309-42B6-9B08-977E3B356285}"/>
-          </ac:spMkLst>
-        </pc:spChg>
-        <pc:spChg chg="add mod">
-          <ac:chgData name="Stav Yeger" userId="c8920bed-57b0-4657-bb44-4daf9074dac5" providerId="ADAL" clId="{AFE801B3-8EAF-4F95-B5E9-4F35D6149768}" dt="2020-04-24T08:39:16.856" v="1532" actId="164"/>
-          <ac:spMkLst>
-            <pc:docMk/>
-            <pc:sldMk cId="0" sldId="256"/>
-            <ac:spMk id="79" creationId="{BC41AE71-9C1F-422C-9003-0F4A49D8D33A}"/>
-          </ac:spMkLst>
-        </pc:spChg>
-        <pc:spChg chg="mod">
-          <ac:chgData name="Stav Yeger" userId="c8920bed-57b0-4657-bb44-4daf9074dac5" providerId="ADAL" clId="{AFE801B3-8EAF-4F95-B5E9-4F35D6149768}" dt="2020-04-22T18:26:51.120" v="1002" actId="1076"/>
-          <ac:spMkLst>
-            <pc:docMk/>
-            <pc:sldMk cId="0" sldId="256"/>
-            <ac:spMk id="104" creationId="{00000000-0000-0000-0000-000000000000}"/>
-          </ac:spMkLst>
-        </pc:spChg>
-        <pc:spChg chg="mod">
-          <ac:chgData name="Stav Yeger" userId="c8920bed-57b0-4657-bb44-4daf9074dac5" providerId="ADAL" clId="{AFE801B3-8EAF-4F95-B5E9-4F35D6149768}" dt="2020-04-24T08:40:39.943" v="1539" actId="1076"/>
-          <ac:spMkLst>
-            <pc:docMk/>
-            <pc:sldMk cId="0" sldId="256"/>
-            <ac:spMk id="112" creationId="{00000000-0000-0000-0000-000000000000}"/>
-          </ac:spMkLst>
-        </pc:spChg>
-        <pc:spChg chg="mod">
-          <ac:chgData name="Stav Yeger" userId="c8920bed-57b0-4657-bb44-4daf9074dac5" providerId="ADAL" clId="{AFE801B3-8EAF-4F95-B5E9-4F35D6149768}" dt="2020-04-24T08:37:45.701" v="1528" actId="1076"/>
-          <ac:spMkLst>
-            <pc:docMk/>
-            <pc:sldMk cId="0" sldId="256"/>
-            <ac:spMk id="114" creationId="{00000000-0000-0000-0000-000000000000}"/>
-          </ac:spMkLst>
-        </pc:spChg>
-        <pc:spChg chg="mod">
-          <ac:chgData name="Stav Yeger" userId="c8920bed-57b0-4657-bb44-4daf9074dac5" providerId="ADAL" clId="{AFE801B3-8EAF-4F95-B5E9-4F35D6149768}" dt="2020-05-19T21:06:45.539" v="1689" actId="20577"/>
-          <ac:spMkLst>
-            <pc:docMk/>
-            <pc:sldMk cId="0" sldId="256"/>
-            <ac:spMk id="115" creationId="{00000000-0000-0000-0000-000000000000}"/>
-          </ac:spMkLst>
-        </pc:spChg>
-        <pc:spChg chg="mod">
-          <ac:chgData name="Stav Yeger" userId="c8920bed-57b0-4657-bb44-4daf9074dac5" providerId="ADAL" clId="{AFE801B3-8EAF-4F95-B5E9-4F35D6149768}" dt="2020-04-24T06:59:05.306" v="1373" actId="1076"/>
-          <ac:spMkLst>
-            <pc:docMk/>
-            <pc:sldMk cId="0" sldId="256"/>
-            <ac:spMk id="116" creationId="{00000000-0000-0000-0000-000000000000}"/>
-          </ac:spMkLst>
-        </pc:spChg>
-        <pc:spChg chg="mod">
-          <ac:chgData name="Stav Yeger" userId="c8920bed-57b0-4657-bb44-4daf9074dac5" providerId="ADAL" clId="{AFE801B3-8EAF-4F95-B5E9-4F35D6149768}" dt="2020-04-24T06:59:00.486" v="1372" actId="1076"/>
-          <ac:spMkLst>
-            <pc:docMk/>
-            <pc:sldMk cId="0" sldId="256"/>
-            <ac:spMk id="117" creationId="{00000000-0000-0000-0000-000000000000}"/>
-          </ac:spMkLst>
-        </pc:spChg>
-        <pc:spChg chg="mod">
-          <ac:chgData name="Stav Yeger" userId="c8920bed-57b0-4657-bb44-4daf9074dac5" providerId="ADAL" clId="{AFE801B3-8EAF-4F95-B5E9-4F35D6149768}" dt="2020-04-24T08:37:55.372" v="1529" actId="1076"/>
+          <ac:chgData name="Aviv Paskaro" userId="d866d186-a8b4-4be6-be96-55c40d47ca2a" providerId="ADAL" clId="{0756543B-C882-4209-A490-CDD723B285E4}" dt="2020-12-13T16:25:00.102" v="14" actId="1076"/>
           <ac:spMkLst>
             <pc:docMk/>
             <pc:sldMk cId="0" sldId="256"/>
@@ -1003,23 +854,7 @@
           </ac:spMkLst>
         </pc:spChg>
         <pc:spChg chg="mod">
-          <ac:chgData name="Stav Yeger" userId="c8920bed-57b0-4657-bb44-4daf9074dac5" providerId="ADAL" clId="{AFE801B3-8EAF-4F95-B5E9-4F35D6149768}" dt="2020-04-17T13:53:34.026" v="956" actId="14100"/>
-          <ac:spMkLst>
-            <pc:docMk/>
-            <pc:sldMk cId="0" sldId="256"/>
-            <ac:spMk id="142" creationId="{00000000-0000-0000-0000-000000000000}"/>
-          </ac:spMkLst>
-        </pc:spChg>
-        <pc:spChg chg="mod">
-          <ac:chgData name="Stav Yeger" userId="c8920bed-57b0-4657-bb44-4daf9074dac5" providerId="ADAL" clId="{AFE801B3-8EAF-4F95-B5E9-4F35D6149768}" dt="2020-04-17T13:53:46.259" v="959" actId="1076"/>
-          <ac:spMkLst>
-            <pc:docMk/>
-            <pc:sldMk cId="0" sldId="256"/>
-            <ac:spMk id="143" creationId="{00000000-0000-0000-0000-000000000000}"/>
-          </ac:spMkLst>
-        </pc:spChg>
-        <pc:spChg chg="mod">
-          <ac:chgData name="Stav Yeger" userId="c8920bed-57b0-4657-bb44-4daf9074dac5" providerId="ADAL" clId="{AFE801B3-8EAF-4F95-B5E9-4F35D6149768}" dt="2020-04-22T18:29:46.299" v="1015" actId="14100"/>
+          <ac:chgData name="Aviv Paskaro" userId="d866d186-a8b4-4be6-be96-55c40d47ca2a" providerId="ADAL" clId="{0756543B-C882-4209-A490-CDD723B285E4}" dt="2020-12-13T16:26:48.220" v="31" actId="14100"/>
           <ac:spMkLst>
             <pc:docMk/>
             <pc:sldMk cId="0" sldId="256"/>
@@ -1027,893 +862,29 @@
           </ac:spMkLst>
         </pc:spChg>
         <pc:spChg chg="mod">
-          <ac:chgData name="Stav Yeger" userId="c8920bed-57b0-4657-bb44-4daf9074dac5" providerId="ADAL" clId="{AFE801B3-8EAF-4F95-B5E9-4F35D6149768}" dt="2020-04-24T11:06:55.818" v="1682" actId="1076"/>
+          <ac:chgData name="Aviv Paskaro" userId="d866d186-a8b4-4be6-be96-55c40d47ca2a" providerId="ADAL" clId="{0756543B-C882-4209-A490-CDD723B285E4}" dt="2020-12-13T16:25:00.102" v="14" actId="1076"/>
           <ac:spMkLst>
             <pc:docMk/>
             <pc:sldMk cId="0" sldId="256"/>
-            <ac:spMk id="191" creationId="{00000000-0000-0000-0000-000000000000}"/>
-          </ac:spMkLst>
-        </pc:spChg>
-        <pc:spChg chg="del mod">
-          <ac:chgData name="Stav Yeger" userId="c8920bed-57b0-4657-bb44-4daf9074dac5" providerId="ADAL" clId="{AFE801B3-8EAF-4F95-B5E9-4F35D6149768}" dt="2020-04-12T13:41:48.237" v="45" actId="478"/>
-          <ac:spMkLst>
-            <pc:docMk/>
-            <pc:sldMk cId="0" sldId="256"/>
-            <ac:spMk id="193" creationId="{CFBEA467-0D50-4AEA-9771-2FB33A7132AA}"/>
-          </ac:spMkLst>
-        </pc:spChg>
-        <pc:spChg chg="del">
-          <ac:chgData name="Stav Yeger" userId="c8920bed-57b0-4657-bb44-4daf9074dac5" providerId="ADAL" clId="{AFE801B3-8EAF-4F95-B5E9-4F35D6149768}" dt="2020-04-12T13:41:41.921" v="43" actId="478"/>
-          <ac:spMkLst>
-            <pc:docMk/>
-            <pc:sldMk cId="0" sldId="256"/>
-            <ac:spMk id="194" creationId="{D1FC29EF-1FCC-4651-B4E8-FEA62FD7E2AC}"/>
-          </ac:spMkLst>
-        </pc:spChg>
-        <pc:spChg chg="mod">
-          <ac:chgData name="Stav Yeger" userId="c8920bed-57b0-4657-bb44-4daf9074dac5" providerId="ADAL" clId="{AFE801B3-8EAF-4F95-B5E9-4F35D6149768}" dt="2020-04-24T06:58:24.326" v="1367" actId="1076"/>
-          <ac:spMkLst>
-            <pc:docMk/>
-            <pc:sldMk cId="0" sldId="256"/>
-            <ac:spMk id="196" creationId="{44340B39-62E1-4802-B8B0-7604B93A8CF8}"/>
-          </ac:spMkLst>
-        </pc:spChg>
-        <pc:spChg chg="mod">
-          <ac:chgData name="Stav Yeger" userId="c8920bed-57b0-4657-bb44-4daf9074dac5" providerId="ADAL" clId="{AFE801B3-8EAF-4F95-B5E9-4F35D6149768}" dt="2020-05-10T06:23:05.867" v="1686" actId="1076"/>
-          <ac:spMkLst>
-            <pc:docMk/>
-            <pc:sldMk cId="0" sldId="256"/>
-            <ac:spMk id="197" creationId="{2EA87C73-BC5A-4D07-A0D9-0F2C60DC04C9}"/>
-          </ac:spMkLst>
-        </pc:spChg>
-        <pc:spChg chg="mod">
-          <ac:chgData name="Stav Yeger" userId="c8920bed-57b0-4657-bb44-4daf9074dac5" providerId="ADAL" clId="{AFE801B3-8EAF-4F95-B5E9-4F35D6149768}" dt="2020-04-24T06:58:18.714" v="1366" actId="1076"/>
-          <ac:spMkLst>
-            <pc:docMk/>
-            <pc:sldMk cId="0" sldId="256"/>
-            <ac:spMk id="199" creationId="{4017EA6F-B06F-4D5A-B10D-E86943165ED5}"/>
+            <ac:spMk id="165" creationId="{00000000-0000-0000-0000-000000000000}"/>
           </ac:spMkLst>
         </pc:spChg>
         <pc:grpChg chg="mod">
-          <ac:chgData name="Stav Yeger" userId="c8920bed-57b0-4657-bb44-4daf9074dac5" providerId="ADAL" clId="{AFE801B3-8EAF-4F95-B5E9-4F35D6149768}" dt="2020-04-24T08:43:26.274" v="1555" actId="1076"/>
+          <ac:chgData name="Aviv Paskaro" userId="d866d186-a8b4-4be6-be96-55c40d47ca2a" providerId="ADAL" clId="{0756543B-C882-4209-A490-CDD723B285E4}" dt="2020-12-13T16:25:00.102" v="14" actId="1076"/>
           <ac:grpSpMkLst>
             <pc:docMk/>
             <pc:sldMk cId="0" sldId="256"/>
             <ac:grpSpMk id="6" creationId="{20182447-4348-47A8-834D-696AA5A1D791}"/>
           </ac:grpSpMkLst>
         </pc:grpChg>
-        <pc:grpChg chg="mod">
-          <ac:chgData name="Stav Yeger" userId="c8920bed-57b0-4657-bb44-4daf9074dac5" providerId="ADAL" clId="{AFE801B3-8EAF-4F95-B5E9-4F35D6149768}" dt="2020-05-10T06:23:05.867" v="1686" actId="1076"/>
-          <ac:grpSpMkLst>
-            <pc:docMk/>
-            <pc:sldMk cId="0" sldId="256"/>
-            <ac:grpSpMk id="7" creationId="{C5BE13CF-4D2D-4B65-B382-CE8B4D6DBB91}"/>
-          </ac:grpSpMkLst>
-        </pc:grpChg>
-        <pc:grpChg chg="mod">
-          <ac:chgData name="Stav Yeger" userId="c8920bed-57b0-4657-bb44-4daf9074dac5" providerId="ADAL" clId="{AFE801B3-8EAF-4F95-B5E9-4F35D6149768}" dt="2020-04-24T08:36:40.344" v="1521" actId="1076"/>
-          <ac:grpSpMkLst>
-            <pc:docMk/>
-            <pc:sldMk cId="0" sldId="256"/>
-            <ac:grpSpMk id="12" creationId="{03EE9371-D4E3-4521-BDCA-55F9B7659036}"/>
-          </ac:grpSpMkLst>
-        </pc:grpChg>
-        <pc:grpChg chg="mod">
-          <ac:chgData name="Stav Yeger" userId="c8920bed-57b0-4657-bb44-4daf9074dac5" providerId="ADAL" clId="{AFE801B3-8EAF-4F95-B5E9-4F35D6149768}" dt="2020-04-12T13:40:05.481" v="20" actId="1076"/>
-          <ac:grpSpMkLst>
-            <pc:docMk/>
-            <pc:sldMk cId="0" sldId="256"/>
-            <ac:grpSpMk id="13" creationId="{93C8486D-53E1-4787-8C37-0354C97AF53A}"/>
-          </ac:grpSpMkLst>
-        </pc:grpChg>
-        <pc:grpChg chg="del mod">
-          <ac:chgData name="Stav Yeger" userId="c8920bed-57b0-4657-bb44-4daf9074dac5" providerId="ADAL" clId="{AFE801B3-8EAF-4F95-B5E9-4F35D6149768}" dt="2020-04-12T13:41:41.921" v="43" actId="478"/>
-          <ac:grpSpMkLst>
-            <pc:docMk/>
-            <pc:sldMk cId="0" sldId="256"/>
-            <ac:grpSpMk id="17" creationId="{516A522B-4F96-4C9C-963E-30CE4C920084}"/>
-          </ac:grpSpMkLst>
-        </pc:grpChg>
-        <pc:grpChg chg="add mod">
-          <ac:chgData name="Stav Yeger" userId="c8920bed-57b0-4657-bb44-4daf9074dac5" providerId="ADAL" clId="{AFE801B3-8EAF-4F95-B5E9-4F35D6149768}" dt="2020-04-24T08:39:31.312" v="1533" actId="1076"/>
-          <ac:grpSpMkLst>
-            <pc:docMk/>
-            <pc:sldMk cId="0" sldId="256"/>
-            <ac:grpSpMk id="17" creationId="{A88700B9-D9BC-4910-A715-6C285DB6CB95}"/>
-          </ac:grpSpMkLst>
-        </pc:grpChg>
-        <pc:grpChg chg="add mod">
-          <ac:chgData name="Stav Yeger" userId="c8920bed-57b0-4657-bb44-4daf9074dac5" providerId="ADAL" clId="{AFE801B3-8EAF-4F95-B5E9-4F35D6149768}" dt="2020-04-24T09:21:01.689" v="1561" actId="1076"/>
-          <ac:grpSpMkLst>
-            <pc:docMk/>
-            <pc:sldMk cId="0" sldId="256"/>
-            <ac:grpSpMk id="70" creationId="{F9AFE737-0DA1-4FBC-8A3D-86E42ABC934F}"/>
-          </ac:grpSpMkLst>
-        </pc:grpChg>
-        <pc:picChg chg="mod">
-          <ac:chgData name="Stav Yeger" userId="c8920bed-57b0-4657-bb44-4daf9074dac5" providerId="ADAL" clId="{AFE801B3-8EAF-4F95-B5E9-4F35D6149768}" dt="2020-04-24T09:24:30.078" v="1580" actId="1076"/>
+        <pc:picChg chg="mod modCrop">
+          <ac:chgData name="Aviv Paskaro" userId="d866d186-a8b4-4be6-be96-55c40d47ca2a" providerId="ADAL" clId="{0756543B-C882-4209-A490-CDD723B285E4}" dt="2020-12-13T16:33:12.752" v="99" actId="1076"/>
           <ac:picMkLst>
             <pc:docMk/>
             <pc:sldMk cId="0" sldId="256"/>
-            <ac:picMk id="5" creationId="{97E7D96F-900A-49D3-8F98-273E5FFAF4FE}"/>
+            <ac:picMk id="124" creationId="{40FEF767-742B-4AAD-BB6A-D2394308309E}"/>
           </ac:picMkLst>
         </pc:picChg>
-        <pc:picChg chg="mod">
-          <ac:chgData name="Stav Yeger" userId="c8920bed-57b0-4657-bb44-4daf9074dac5" providerId="ADAL" clId="{AFE801B3-8EAF-4F95-B5E9-4F35D6149768}" dt="2020-04-24T08:39:16.856" v="1532" actId="164"/>
-          <ac:picMkLst>
-            <pc:docMk/>
-            <pc:sldMk cId="0" sldId="256"/>
-            <ac:picMk id="10" creationId="{21FDF77C-A8EE-4176-9A54-3F14F20F2B41}"/>
-          </ac:picMkLst>
-        </pc:picChg>
-        <pc:picChg chg="mod">
-          <ac:chgData name="Stav Yeger" userId="c8920bed-57b0-4657-bb44-4daf9074dac5" providerId="ADAL" clId="{AFE801B3-8EAF-4F95-B5E9-4F35D6149768}" dt="2020-04-24T08:39:16.856" v="1532" actId="164"/>
-          <ac:picMkLst>
-            <pc:docMk/>
-            <pc:sldMk cId="0" sldId="256"/>
-            <ac:picMk id="11" creationId="{87473526-2B98-493F-B5F9-9C27C423BEDB}"/>
-          </ac:picMkLst>
-        </pc:picChg>
-        <pc:picChg chg="add del mod">
-          <ac:chgData name="Stav Yeger" userId="c8920bed-57b0-4657-bb44-4daf9074dac5" providerId="ADAL" clId="{AFE801B3-8EAF-4F95-B5E9-4F35D6149768}" dt="2020-04-24T08:37:04.835" v="1525" actId="1076"/>
-          <ac:picMkLst>
-            <pc:docMk/>
-            <pc:sldMk cId="0" sldId="256"/>
-            <ac:picMk id="69" creationId="{A3AB5F76-7960-4B52-94CC-6343239A0C76}"/>
-          </ac:picMkLst>
-        </pc:picChg>
-        <pc:picChg chg="mod">
-          <ac:chgData name="Stav Yeger" userId="c8920bed-57b0-4657-bb44-4daf9074dac5" providerId="ADAL" clId="{AFE801B3-8EAF-4F95-B5E9-4F35D6149768}" dt="2020-04-24T08:42:42.324" v="1553" actId="1076"/>
-          <ac:picMkLst>
-            <pc:docMk/>
-            <pc:sldMk cId="0" sldId="256"/>
-            <ac:picMk id="82" creationId="{590A9A46-9908-498B-97D2-A8C5895265A2}"/>
-          </ac:picMkLst>
-        </pc:picChg>
-        <pc:picChg chg="mod">
-          <ac:chgData name="Stav Yeger" userId="c8920bed-57b0-4657-bb44-4daf9074dac5" providerId="ADAL" clId="{AFE801B3-8EAF-4F95-B5E9-4F35D6149768}" dt="2020-04-24T08:42:43.905" v="1554" actId="1076"/>
-          <ac:picMkLst>
-            <pc:docMk/>
-            <pc:sldMk cId="0" sldId="256"/>
-            <ac:picMk id="83" creationId="{E4E39017-9F1B-4CEB-8526-8D45271BC589}"/>
-          </ac:picMkLst>
-        </pc:picChg>
-        <pc:cxnChg chg="add mod">
-          <ac:chgData name="Stav Yeger" userId="c8920bed-57b0-4657-bb44-4daf9074dac5" providerId="ADAL" clId="{AFE801B3-8EAF-4F95-B5E9-4F35D6149768}" dt="2020-04-24T08:39:16.856" v="1532" actId="164"/>
-          <ac:cxnSpMkLst>
-            <pc:docMk/>
-            <pc:sldMk cId="0" sldId="256"/>
-            <ac:cxnSpMk id="9" creationId="{51DEA0FC-FFC7-4BBC-A6BA-4DEB03B830F1}"/>
-          </ac:cxnSpMkLst>
-        </pc:cxnChg>
-        <pc:cxnChg chg="add mod">
-          <ac:chgData name="Stav Yeger" userId="c8920bed-57b0-4657-bb44-4daf9074dac5" providerId="ADAL" clId="{AFE801B3-8EAF-4F95-B5E9-4F35D6149768}" dt="2020-04-24T08:39:16.856" v="1532" actId="164"/>
-          <ac:cxnSpMkLst>
-            <pc:docMk/>
-            <pc:sldMk cId="0" sldId="256"/>
-            <ac:cxnSpMk id="80" creationId="{6076E3EE-66E9-4B90-A783-6C28D0DD7DC2}"/>
-          </ac:cxnSpMkLst>
-        </pc:cxnChg>
-      </pc:sldChg>
-    </pc:docChg>
-  </pc:docChgLst>
-  <pc:docChgLst>
-    <pc:chgData name="Stav Yeger" userId="c8920bed-57b0-4657-bb44-4daf9074dac5" providerId="ADAL" clId="{610BEDA8-8ED0-4F62-B7D1-2CA9110935C6}"/>
-    <pc:docChg chg="undo custSel modSld">
-      <pc:chgData name="Stav Yeger" userId="c8920bed-57b0-4657-bb44-4daf9074dac5" providerId="ADAL" clId="{610BEDA8-8ED0-4F62-B7D1-2CA9110935C6}" dt="2020-10-27T13:03:57.217" v="2433" actId="5793"/>
-      <pc:docMkLst>
-        <pc:docMk/>
-      </pc:docMkLst>
-      <pc:sldChg chg="addSp delSp modSp">
-        <pc:chgData name="Stav Yeger" userId="c8920bed-57b0-4657-bb44-4daf9074dac5" providerId="ADAL" clId="{610BEDA8-8ED0-4F62-B7D1-2CA9110935C6}" dt="2020-10-27T13:03:57.217" v="2433" actId="5793"/>
-        <pc:sldMkLst>
-          <pc:docMk/>
-          <pc:sldMk cId="0" sldId="256"/>
-        </pc:sldMkLst>
-        <pc:spChg chg="add mod">
-          <ac:chgData name="Stav Yeger" userId="c8920bed-57b0-4657-bb44-4daf9074dac5" providerId="ADAL" clId="{610BEDA8-8ED0-4F62-B7D1-2CA9110935C6}" dt="2020-10-27T12:55:43.520" v="2067" actId="13926"/>
-          <ac:spMkLst>
-            <pc:docMk/>
-            <pc:sldMk cId="0" sldId="256"/>
-            <ac:spMk id="22" creationId="{D04210AB-6F20-403A-BB1B-A6651FAE1B4C}"/>
-          </ac:spMkLst>
-        </pc:spChg>
-        <pc:spChg chg="mod">
-          <ac:chgData name="Stav Yeger" userId="c8920bed-57b0-4657-bb44-4daf9074dac5" providerId="ADAL" clId="{610BEDA8-8ED0-4F62-B7D1-2CA9110935C6}" dt="2020-10-25T21:54:33.718" v="1189" actId="1076"/>
-          <ac:spMkLst>
-            <pc:docMk/>
-            <pc:sldMk cId="0" sldId="256"/>
-            <ac:spMk id="52" creationId="{CFB0AD51-EEAC-4DD0-BE16-0AD4917BADED}"/>
-          </ac:spMkLst>
-        </pc:spChg>
-        <pc:spChg chg="mod">
-          <ac:chgData name="Stav Yeger" userId="c8920bed-57b0-4657-bb44-4daf9074dac5" providerId="ADAL" clId="{610BEDA8-8ED0-4F62-B7D1-2CA9110935C6}" dt="2020-10-27T10:13:39.085" v="1251" actId="20577"/>
-          <ac:spMkLst>
-            <pc:docMk/>
-            <pc:sldMk cId="0" sldId="256"/>
-            <ac:spMk id="53" creationId="{BD1118F3-BB7A-41CD-85AB-FE3FE6636E12}"/>
-          </ac:spMkLst>
-        </pc:spChg>
-        <pc:spChg chg="add del mod">
-          <ac:chgData name="Stav Yeger" userId="c8920bed-57b0-4657-bb44-4daf9074dac5" providerId="ADAL" clId="{610BEDA8-8ED0-4F62-B7D1-2CA9110935C6}" dt="2020-10-25T21:55:26.623" v="1201" actId="1076"/>
-          <ac:spMkLst>
-            <pc:docMk/>
-            <pc:sldMk cId="0" sldId="256"/>
-            <ac:spMk id="56" creationId="{D9399599-4FDB-4E42-9B52-DE0F1CEE1EF2}"/>
-          </ac:spMkLst>
-        </pc:spChg>
-        <pc:spChg chg="mod">
-          <ac:chgData name="Stav Yeger" userId="c8920bed-57b0-4657-bb44-4daf9074dac5" providerId="ADAL" clId="{610BEDA8-8ED0-4F62-B7D1-2CA9110935C6}" dt="2020-10-25T21:55:30.998" v="1202" actId="1076"/>
-          <ac:spMkLst>
-            <pc:docMk/>
-            <pc:sldMk cId="0" sldId="256"/>
-            <ac:spMk id="59" creationId="{31F8F7D3-6C57-4B43-9542-7581BF142F17}"/>
-          </ac:spMkLst>
-        </pc:spChg>
-        <pc:spChg chg="mod">
-          <ac:chgData name="Stav Yeger" userId="c8920bed-57b0-4657-bb44-4daf9074dac5" providerId="ADAL" clId="{610BEDA8-8ED0-4F62-B7D1-2CA9110935C6}" dt="2020-10-27T12:54:01.682" v="2036" actId="1076"/>
-          <ac:spMkLst>
-            <pc:docMk/>
-            <pc:sldMk cId="0" sldId="256"/>
-            <ac:spMk id="61" creationId="{C3B4EC72-8D23-439F-B614-EA72B8CF35B3}"/>
-          </ac:spMkLst>
-        </pc:spChg>
-        <pc:spChg chg="del mod">
-          <ac:chgData name="Stav Yeger" userId="c8920bed-57b0-4657-bb44-4daf9074dac5" providerId="ADAL" clId="{610BEDA8-8ED0-4F62-B7D1-2CA9110935C6}" dt="2020-10-27T12:26:18.720" v="1892" actId="478"/>
-          <ac:spMkLst>
-            <pc:docMk/>
-            <pc:sldMk cId="0" sldId="256"/>
-            <ac:spMk id="63" creationId="{A850E778-2CAD-48AE-A3A6-42BDDEC42FFA}"/>
-          </ac:spMkLst>
-        </pc:spChg>
-        <pc:spChg chg="mod">
-          <ac:chgData name="Stav Yeger" userId="c8920bed-57b0-4657-bb44-4daf9074dac5" providerId="ADAL" clId="{610BEDA8-8ED0-4F62-B7D1-2CA9110935C6}" dt="2020-10-27T12:54:02.860" v="2038" actId="1076"/>
-          <ac:spMkLst>
-            <pc:docMk/>
-            <pc:sldMk cId="0" sldId="256"/>
-            <ac:spMk id="64" creationId="{28E18451-3EAC-4990-BB01-86044D6DCE0C}"/>
-          </ac:spMkLst>
-        </pc:spChg>
-        <pc:spChg chg="mod">
-          <ac:chgData name="Stav Yeger" userId="c8920bed-57b0-4657-bb44-4daf9074dac5" providerId="ADAL" clId="{610BEDA8-8ED0-4F62-B7D1-2CA9110935C6}" dt="2020-10-25T17:10:41.346" v="1125" actId="1076"/>
-          <ac:spMkLst>
-            <pc:docMk/>
-            <pc:sldMk cId="0" sldId="256"/>
-            <ac:spMk id="65" creationId="{68617F70-C61D-4380-8819-9F4F4166875E}"/>
-          </ac:spMkLst>
-        </pc:spChg>
-        <pc:spChg chg="mod">
-          <ac:chgData name="Stav Yeger" userId="c8920bed-57b0-4657-bb44-4daf9074dac5" providerId="ADAL" clId="{610BEDA8-8ED0-4F62-B7D1-2CA9110935C6}" dt="2020-10-27T12:29:16.674" v="1924"/>
-          <ac:spMkLst>
-            <pc:docMk/>
-            <pc:sldMk cId="0" sldId="256"/>
-            <ac:spMk id="71" creationId="{A8E5C239-0D09-41CF-A64D-4B1BBC46CFB9}"/>
-          </ac:spMkLst>
-        </pc:spChg>
-        <pc:spChg chg="mod">
-          <ac:chgData name="Stav Yeger" userId="c8920bed-57b0-4657-bb44-4daf9074dac5" providerId="ADAL" clId="{610BEDA8-8ED0-4F62-B7D1-2CA9110935C6}" dt="2020-10-27T12:58:39.320" v="2211" actId="20577"/>
-          <ac:spMkLst>
-            <pc:docMk/>
-            <pc:sldMk cId="0" sldId="256"/>
-            <ac:spMk id="73" creationId="{29F839A0-6143-46B5-A1C2-21A7C120F766}"/>
-          </ac:spMkLst>
-        </pc:spChg>
-        <pc:spChg chg="mod">
-          <ac:chgData name="Stav Yeger" userId="c8920bed-57b0-4657-bb44-4daf9074dac5" providerId="ADAL" clId="{610BEDA8-8ED0-4F62-B7D1-2CA9110935C6}" dt="2020-10-27T13:03:46.813" v="2431" actId="1076"/>
-          <ac:spMkLst>
-            <pc:docMk/>
-            <pc:sldMk cId="0" sldId="256"/>
-            <ac:spMk id="74" creationId="{8094AB66-6790-43BD-B82A-5DC5E9E627E0}"/>
-          </ac:spMkLst>
-        </pc:spChg>
-        <pc:spChg chg="mod">
-          <ac:chgData name="Stav Yeger" userId="c8920bed-57b0-4657-bb44-4daf9074dac5" providerId="ADAL" clId="{610BEDA8-8ED0-4F62-B7D1-2CA9110935C6}" dt="2020-10-27T13:03:57.217" v="2433" actId="5793"/>
-          <ac:spMkLst>
-            <pc:docMk/>
-            <pc:sldMk cId="0" sldId="256"/>
-            <ac:spMk id="75" creationId="{7B69250F-700C-40F1-8BBB-462AD24B145E}"/>
-          </ac:spMkLst>
-        </pc:spChg>
-        <pc:spChg chg="mod">
-          <ac:chgData name="Stav Yeger" userId="c8920bed-57b0-4657-bb44-4daf9074dac5" providerId="ADAL" clId="{610BEDA8-8ED0-4F62-B7D1-2CA9110935C6}" dt="2020-10-27T12:54:26.181" v="2054" actId="13926"/>
-          <ac:spMkLst>
-            <pc:docMk/>
-            <pc:sldMk cId="0" sldId="256"/>
-            <ac:spMk id="77" creationId="{9C9E8B45-8C7A-4975-B74D-406DED227114}"/>
-          </ac:spMkLst>
-        </pc:spChg>
-        <pc:spChg chg="add mod">
-          <ac:chgData name="Stav Yeger" userId="c8920bed-57b0-4657-bb44-4daf9074dac5" providerId="ADAL" clId="{610BEDA8-8ED0-4F62-B7D1-2CA9110935C6}" dt="2020-10-27T10:15:34.398" v="1363" actId="164"/>
-          <ac:spMkLst>
-            <pc:docMk/>
-            <pc:sldMk cId="0" sldId="256"/>
-            <ac:spMk id="94" creationId="{113D3049-13A1-4E52-B866-BCABDFE85C9A}"/>
-          </ac:spMkLst>
-        </pc:spChg>
-        <pc:spChg chg="add mod">
-          <ac:chgData name="Stav Yeger" userId="c8920bed-57b0-4657-bb44-4daf9074dac5" providerId="ADAL" clId="{610BEDA8-8ED0-4F62-B7D1-2CA9110935C6}" dt="2020-10-27T10:15:34.398" v="1363" actId="164"/>
-          <ac:spMkLst>
-            <pc:docMk/>
-            <pc:sldMk cId="0" sldId="256"/>
-            <ac:spMk id="96" creationId="{4EEF60F1-98D4-4BA0-BC31-417F0DA371F8}"/>
-          </ac:spMkLst>
-        </pc:spChg>
-        <pc:spChg chg="add mod">
-          <ac:chgData name="Stav Yeger" userId="c8920bed-57b0-4657-bb44-4daf9074dac5" providerId="ADAL" clId="{610BEDA8-8ED0-4F62-B7D1-2CA9110935C6}" dt="2020-10-25T15:41:29.159" v="941" actId="164"/>
-          <ac:spMkLst>
-            <pc:docMk/>
-            <pc:sldMk cId="0" sldId="256"/>
-            <ac:spMk id="99" creationId="{0B4C5C34-4B0E-43B0-9174-5AB95FB9B1AC}"/>
-          </ac:spMkLst>
-        </pc:spChg>
-        <pc:spChg chg="add mod">
-          <ac:chgData name="Stav Yeger" userId="c8920bed-57b0-4657-bb44-4daf9074dac5" providerId="ADAL" clId="{610BEDA8-8ED0-4F62-B7D1-2CA9110935C6}" dt="2020-10-25T15:41:29.159" v="941" actId="164"/>
-          <ac:spMkLst>
-            <pc:docMk/>
-            <pc:sldMk cId="0" sldId="256"/>
-            <ac:spMk id="100" creationId="{9A192B75-E1F9-48B5-A97A-A424DD1F4E50}"/>
-          </ac:spMkLst>
-        </pc:spChg>
-        <pc:spChg chg="add mod">
-          <ac:chgData name="Stav Yeger" userId="c8920bed-57b0-4657-bb44-4daf9074dac5" providerId="ADAL" clId="{610BEDA8-8ED0-4F62-B7D1-2CA9110935C6}" dt="2020-10-25T15:41:29.159" v="941" actId="164"/>
-          <ac:spMkLst>
-            <pc:docMk/>
-            <pc:sldMk cId="0" sldId="256"/>
-            <ac:spMk id="101" creationId="{72DF06B2-957B-4E5F-8198-A54B156BBFFA}"/>
-          </ac:spMkLst>
-        </pc:spChg>
-        <pc:spChg chg="add mod">
-          <ac:chgData name="Stav Yeger" userId="c8920bed-57b0-4657-bb44-4daf9074dac5" providerId="ADAL" clId="{610BEDA8-8ED0-4F62-B7D1-2CA9110935C6}" dt="2020-10-25T15:41:29.159" v="941" actId="164"/>
-          <ac:spMkLst>
-            <pc:docMk/>
-            <pc:sldMk cId="0" sldId="256"/>
-            <ac:spMk id="102" creationId="{BE1B97C6-62C5-43DE-9661-9897C620947A}"/>
-          </ac:spMkLst>
-        </pc:spChg>
-        <pc:spChg chg="add mod">
-          <ac:chgData name="Stav Yeger" userId="c8920bed-57b0-4657-bb44-4daf9074dac5" providerId="ADAL" clId="{610BEDA8-8ED0-4F62-B7D1-2CA9110935C6}" dt="2020-10-25T15:41:48.431" v="942" actId="164"/>
-          <ac:spMkLst>
-            <pc:docMk/>
-            <pc:sldMk cId="0" sldId="256"/>
-            <ac:spMk id="105" creationId="{0781D382-8107-4C50-9D25-4C45824628A2}"/>
-          </ac:spMkLst>
-        </pc:spChg>
-        <pc:spChg chg="add mod">
-          <ac:chgData name="Stav Yeger" userId="c8920bed-57b0-4657-bb44-4daf9074dac5" providerId="ADAL" clId="{610BEDA8-8ED0-4F62-B7D1-2CA9110935C6}" dt="2020-10-25T15:41:48.431" v="942" actId="164"/>
-          <ac:spMkLst>
-            <pc:docMk/>
-            <pc:sldMk cId="0" sldId="256"/>
-            <ac:spMk id="106" creationId="{68DCDF81-AC7B-4128-B77B-1352006B0421}"/>
-          </ac:spMkLst>
-        </pc:spChg>
-        <pc:spChg chg="add mod">
-          <ac:chgData name="Stav Yeger" userId="c8920bed-57b0-4657-bb44-4daf9074dac5" providerId="ADAL" clId="{610BEDA8-8ED0-4F62-B7D1-2CA9110935C6}" dt="2020-10-25T15:41:48.431" v="942" actId="164"/>
-          <ac:spMkLst>
-            <pc:docMk/>
-            <pc:sldMk cId="0" sldId="256"/>
-            <ac:spMk id="107" creationId="{7EBC14C8-6356-436D-BBB4-B1ED969C18EB}"/>
-          </ac:spMkLst>
-        </pc:spChg>
-        <pc:spChg chg="add mod">
-          <ac:chgData name="Stav Yeger" userId="c8920bed-57b0-4657-bb44-4daf9074dac5" providerId="ADAL" clId="{610BEDA8-8ED0-4F62-B7D1-2CA9110935C6}" dt="2020-10-25T15:41:48.431" v="942" actId="164"/>
-          <ac:spMkLst>
-            <pc:docMk/>
-            <pc:sldMk cId="0" sldId="256"/>
-            <ac:spMk id="108" creationId="{7FDE9D3A-26DE-40C7-8E81-4E07671EE336}"/>
-          </ac:spMkLst>
-        </pc:spChg>
-        <pc:spChg chg="add mod">
-          <ac:chgData name="Stav Yeger" userId="c8920bed-57b0-4657-bb44-4daf9074dac5" providerId="ADAL" clId="{610BEDA8-8ED0-4F62-B7D1-2CA9110935C6}" dt="2020-10-25T15:41:48.431" v="942" actId="164"/>
-          <ac:spMkLst>
-            <pc:docMk/>
-            <pc:sldMk cId="0" sldId="256"/>
-            <ac:spMk id="109" creationId="{B57F2ECC-10A6-409E-8F82-346E12738F78}"/>
-          </ac:spMkLst>
-        </pc:spChg>
-        <pc:spChg chg="mod">
-          <ac:chgData name="Stav Yeger" userId="c8920bed-57b0-4657-bb44-4daf9074dac5" providerId="ADAL" clId="{610BEDA8-8ED0-4F62-B7D1-2CA9110935C6}" dt="2020-10-25T16:53:06.016" v="1106" actId="1076"/>
-          <ac:spMkLst>
-            <pc:docMk/>
-            <pc:sldMk cId="0" sldId="256"/>
-            <ac:spMk id="114" creationId="{00000000-0000-0000-0000-000000000000}"/>
-          </ac:spMkLst>
-        </pc:spChg>
-        <pc:spChg chg="mod">
-          <ac:chgData name="Stav Yeger" userId="c8920bed-57b0-4657-bb44-4daf9074dac5" providerId="ADAL" clId="{610BEDA8-8ED0-4F62-B7D1-2CA9110935C6}" dt="2020-10-25T15:43:08.402" v="946" actId="1076"/>
-          <ac:spMkLst>
-            <pc:docMk/>
-            <pc:sldMk cId="0" sldId="256"/>
-            <ac:spMk id="115" creationId="{00000000-0000-0000-0000-000000000000}"/>
-          </ac:spMkLst>
-        </pc:spChg>
-        <pc:spChg chg="mod">
-          <ac:chgData name="Stav Yeger" userId="c8920bed-57b0-4657-bb44-4daf9074dac5" providerId="ADAL" clId="{610BEDA8-8ED0-4F62-B7D1-2CA9110935C6}" dt="2020-10-25T16:53:09.726" v="1107" actId="1076"/>
-          <ac:spMkLst>
-            <pc:docMk/>
-            <pc:sldMk cId="0" sldId="256"/>
-            <ac:spMk id="116" creationId="{00000000-0000-0000-0000-000000000000}"/>
-          </ac:spMkLst>
-        </pc:spChg>
-        <pc:spChg chg="mod">
-          <ac:chgData name="Stav Yeger" userId="c8920bed-57b0-4657-bb44-4daf9074dac5" providerId="ADAL" clId="{610BEDA8-8ED0-4F62-B7D1-2CA9110935C6}" dt="2020-10-25T15:43:17.154" v="948" actId="1076"/>
-          <ac:spMkLst>
-            <pc:docMk/>
-            <pc:sldMk cId="0" sldId="256"/>
-            <ac:spMk id="117" creationId="{00000000-0000-0000-0000-000000000000}"/>
-          </ac:spMkLst>
-        </pc:spChg>
-        <pc:spChg chg="mod">
-          <ac:chgData name="Stav Yeger" userId="c8920bed-57b0-4657-bb44-4daf9074dac5" providerId="ADAL" clId="{610BEDA8-8ED0-4F62-B7D1-2CA9110935C6}" dt="2020-10-27T12:29:32.505" v="1925" actId="20577"/>
-          <ac:spMkLst>
-            <pc:docMk/>
-            <pc:sldMk cId="0" sldId="256"/>
-            <ac:spMk id="144" creationId="{00000000-0000-0000-0000-000000000000}"/>
-          </ac:spMkLst>
-        </pc:spChg>
-        <pc:spChg chg="mod">
-          <ac:chgData name="Stav Yeger" userId="c8920bed-57b0-4657-bb44-4daf9074dac5" providerId="ADAL" clId="{610BEDA8-8ED0-4F62-B7D1-2CA9110935C6}" dt="2020-10-25T14:44:14.599" v="18" actId="20577"/>
-          <ac:spMkLst>
-            <pc:docMk/>
-            <pc:sldMk cId="0" sldId="256"/>
-            <ac:spMk id="191" creationId="{00000000-0000-0000-0000-000000000000}"/>
-          </ac:spMkLst>
-        </pc:spChg>
-        <pc:spChg chg="mod">
-          <ac:chgData name="Stav Yeger" userId="c8920bed-57b0-4657-bb44-4daf9074dac5" providerId="ADAL" clId="{610BEDA8-8ED0-4F62-B7D1-2CA9110935C6}" dt="2020-10-25T21:54:55.999" v="1192" actId="1076"/>
-          <ac:spMkLst>
-            <pc:docMk/>
-            <pc:sldMk cId="0" sldId="256"/>
-            <ac:spMk id="196" creationId="{44340B39-62E1-4802-B8B0-7604B93A8CF8}"/>
-          </ac:spMkLst>
-        </pc:spChg>
-        <pc:spChg chg="mod">
-          <ac:chgData name="Stav Yeger" userId="c8920bed-57b0-4657-bb44-4daf9074dac5" providerId="ADAL" clId="{610BEDA8-8ED0-4F62-B7D1-2CA9110935C6}" dt="2020-10-25T21:55:06.691" v="1196" actId="1035"/>
-          <ac:spMkLst>
-            <pc:docMk/>
-            <pc:sldMk cId="0" sldId="256"/>
-            <ac:spMk id="197" creationId="{2EA87C73-BC5A-4D07-A0D9-0F2C60DC04C9}"/>
-          </ac:spMkLst>
-        </pc:spChg>
-        <pc:grpChg chg="mod">
-          <ac:chgData name="Stav Yeger" userId="c8920bed-57b0-4657-bb44-4daf9074dac5" providerId="ADAL" clId="{610BEDA8-8ED0-4F62-B7D1-2CA9110935C6}" dt="2020-10-25T21:55:30.998" v="1202" actId="1076"/>
-          <ac:grpSpMkLst>
-            <pc:docMk/>
-            <pc:sldMk cId="0" sldId="256"/>
-            <ac:grpSpMk id="6" creationId="{20182447-4348-47A8-834D-696AA5A1D791}"/>
-          </ac:grpSpMkLst>
-        </pc:grpChg>
-        <pc:grpChg chg="mod">
-          <ac:chgData name="Stav Yeger" userId="c8920bed-57b0-4657-bb44-4daf9074dac5" providerId="ADAL" clId="{610BEDA8-8ED0-4F62-B7D1-2CA9110935C6}" dt="2020-10-25T21:55:06.691" v="1196" actId="1035"/>
-          <ac:grpSpMkLst>
-            <pc:docMk/>
-            <pc:sldMk cId="0" sldId="256"/>
-            <ac:grpSpMk id="7" creationId="{C5BE13CF-4D2D-4B65-B382-CE8B4D6DBB91}"/>
-          </ac:grpSpMkLst>
-        </pc:grpChg>
-        <pc:grpChg chg="del">
-          <ac:chgData name="Stav Yeger" userId="c8920bed-57b0-4657-bb44-4daf9074dac5" providerId="ADAL" clId="{610BEDA8-8ED0-4F62-B7D1-2CA9110935C6}" dt="2020-10-25T15:15:53.562" v="807" actId="478"/>
-          <ac:grpSpMkLst>
-            <pc:docMk/>
-            <pc:sldMk cId="0" sldId="256"/>
-            <ac:grpSpMk id="12" creationId="{03EE9371-D4E3-4521-BDCA-55F9B7659036}"/>
-          </ac:grpSpMkLst>
-        </pc:grpChg>
-        <pc:grpChg chg="del">
-          <ac:chgData name="Stav Yeger" userId="c8920bed-57b0-4657-bb44-4daf9074dac5" providerId="ADAL" clId="{610BEDA8-8ED0-4F62-B7D1-2CA9110935C6}" dt="2020-10-25T15:15:54.620" v="808" actId="478"/>
-          <ac:grpSpMkLst>
-            <pc:docMk/>
-            <pc:sldMk cId="0" sldId="256"/>
-            <ac:grpSpMk id="13" creationId="{93C8486D-53E1-4787-8C37-0354C97AF53A}"/>
-          </ac:grpSpMkLst>
-        </pc:grpChg>
-        <pc:grpChg chg="mod">
-          <ac:chgData name="Stav Yeger" userId="c8920bed-57b0-4657-bb44-4daf9074dac5" providerId="ADAL" clId="{610BEDA8-8ED0-4F62-B7D1-2CA9110935C6}" dt="2020-10-27T12:54:02.860" v="2038" actId="1076"/>
-          <ac:grpSpMkLst>
-            <pc:docMk/>
-            <pc:sldMk cId="0" sldId="256"/>
-            <ac:grpSpMk id="16" creationId="{595A8258-706D-4CF1-B641-855AD2358D78}"/>
-          </ac:grpSpMkLst>
-        </pc:grpChg>
-        <pc:grpChg chg="del">
-          <ac:chgData name="Stav Yeger" userId="c8920bed-57b0-4657-bb44-4daf9074dac5" providerId="ADAL" clId="{610BEDA8-8ED0-4F62-B7D1-2CA9110935C6}" dt="2020-10-25T14:59:24.482" v="541" actId="478"/>
-          <ac:grpSpMkLst>
-            <pc:docMk/>
-            <pc:sldMk cId="0" sldId="256"/>
-            <ac:grpSpMk id="17" creationId="{A88700B9-D9BC-4910-A715-6C285DB6CB95}"/>
-          </ac:grpSpMkLst>
-        </pc:grpChg>
-        <pc:grpChg chg="add del mod">
-          <ac:chgData name="Stav Yeger" userId="c8920bed-57b0-4657-bb44-4daf9074dac5" providerId="ADAL" clId="{610BEDA8-8ED0-4F62-B7D1-2CA9110935C6}" dt="2020-10-27T12:29:54.404" v="1926" actId="478"/>
-          <ac:grpSpMkLst>
-            <pc:docMk/>
-            <pc:sldMk cId="0" sldId="256"/>
-            <ac:grpSpMk id="19" creationId="{1A1623E9-1C8B-4543-8AF8-53AE836B9962}"/>
-          </ac:grpSpMkLst>
-        </pc:grpChg>
-        <pc:grpChg chg="add mod">
-          <ac:chgData name="Stav Yeger" userId="c8920bed-57b0-4657-bb44-4daf9074dac5" providerId="ADAL" clId="{610BEDA8-8ED0-4F62-B7D1-2CA9110935C6}" dt="2020-10-27T12:30:41.709" v="1937" actId="1035"/>
-          <ac:grpSpMkLst>
-            <pc:docMk/>
-            <pc:sldMk cId="0" sldId="256"/>
-            <ac:grpSpMk id="20" creationId="{1016B223-A168-4221-AE4A-0D029FB1ACCB}"/>
-          </ac:grpSpMkLst>
-        </pc:grpChg>
-        <pc:grpChg chg="add mod">
-          <ac:chgData name="Stav Yeger" userId="c8920bed-57b0-4657-bb44-4daf9074dac5" providerId="ADAL" clId="{610BEDA8-8ED0-4F62-B7D1-2CA9110935C6}" dt="2020-10-27T12:54:02.264" v="2037" actId="1076"/>
-          <ac:grpSpMkLst>
-            <pc:docMk/>
-            <pc:sldMk cId="0" sldId="256"/>
-            <ac:grpSpMk id="21" creationId="{9CCCCC9C-22D1-4852-B2AE-1B05B03D4A0A}"/>
-          </ac:grpSpMkLst>
-        </pc:grpChg>
-        <pc:grpChg chg="mod">
-          <ac:chgData name="Stav Yeger" userId="c8920bed-57b0-4657-bb44-4daf9074dac5" providerId="ADAL" clId="{610BEDA8-8ED0-4F62-B7D1-2CA9110935C6}" dt="2020-10-27T13:03:52.046" v="2432" actId="1076"/>
-          <ac:grpSpMkLst>
-            <pc:docMk/>
-            <pc:sldMk cId="0" sldId="256"/>
-            <ac:grpSpMk id="70" creationId="{F9AFE737-0DA1-4FBC-8A3D-86E42ABC934F}"/>
-          </ac:grpSpMkLst>
-        </pc:grpChg>
-        <pc:grpChg chg="add mod">
-          <ac:chgData name="Stav Yeger" userId="c8920bed-57b0-4657-bb44-4daf9074dac5" providerId="ADAL" clId="{610BEDA8-8ED0-4F62-B7D1-2CA9110935C6}" dt="2020-10-25T21:55:11.372" v="1200" actId="1037"/>
-          <ac:grpSpMkLst>
-            <pc:docMk/>
-            <pc:sldMk cId="0" sldId="256"/>
-            <ac:grpSpMk id="81" creationId="{3AE53B45-BE1F-4C36-8E5B-D09D979CC724}"/>
-          </ac:grpSpMkLst>
-        </pc:grpChg>
-        <pc:picChg chg="del">
-          <ac:chgData name="Stav Yeger" userId="c8920bed-57b0-4657-bb44-4daf9074dac5" providerId="ADAL" clId="{610BEDA8-8ED0-4F62-B7D1-2CA9110935C6}" dt="2020-10-25T15:15:56.332" v="809" actId="478"/>
-          <ac:picMkLst>
-            <pc:docMk/>
-            <pc:sldMk cId="0" sldId="256"/>
-            <ac:picMk id="5" creationId="{97E7D96F-900A-49D3-8F98-273E5FFAF4FE}"/>
-          </ac:picMkLst>
-        </pc:picChg>
-        <pc:picChg chg="add mod">
-          <ac:chgData name="Stav Yeger" userId="c8920bed-57b0-4657-bb44-4daf9074dac5" providerId="ADAL" clId="{610BEDA8-8ED0-4F62-B7D1-2CA9110935C6}" dt="2020-10-27T12:16:05.456" v="1821" actId="1076"/>
-          <ac:picMkLst>
-            <pc:docMk/>
-            <pc:sldMk cId="0" sldId="256"/>
-            <ac:picMk id="15" creationId="{889BF1DB-9F2D-4883-B1A6-EDD2EB173602}"/>
-          </ac:picMkLst>
-        </pc:picChg>
-        <pc:picChg chg="add mod">
-          <ac:chgData name="Stav Yeger" userId="c8920bed-57b0-4657-bb44-4daf9074dac5" providerId="ADAL" clId="{610BEDA8-8ED0-4F62-B7D1-2CA9110935C6}" dt="2020-10-27T12:26:55.198" v="1903" actId="1076"/>
-          <ac:picMkLst>
-            <pc:docMk/>
-            <pc:sldMk cId="0" sldId="256"/>
-            <ac:picMk id="18" creationId="{6CB629BE-7052-4338-9CC7-5FA11E1D0784}"/>
-          </ac:picMkLst>
-        </pc:picChg>
-        <pc:picChg chg="del">
-          <ac:chgData name="Stav Yeger" userId="c8920bed-57b0-4657-bb44-4daf9074dac5" providerId="ADAL" clId="{610BEDA8-8ED0-4F62-B7D1-2CA9110935C6}" dt="2020-10-25T15:15:58.331" v="810" actId="478"/>
-          <ac:picMkLst>
-            <pc:docMk/>
-            <pc:sldMk cId="0" sldId="256"/>
-            <ac:picMk id="69" creationId="{A3AB5F76-7960-4B52-94CC-6343239A0C76}"/>
-          </ac:picMkLst>
-        </pc:picChg>
-        <pc:picChg chg="del">
-          <ac:chgData name="Stav Yeger" userId="c8920bed-57b0-4657-bb44-4daf9074dac5" providerId="ADAL" clId="{610BEDA8-8ED0-4F62-B7D1-2CA9110935C6}" dt="2020-10-25T14:58:27.791" v="512" actId="478"/>
-          <ac:picMkLst>
-            <pc:docMk/>
-            <pc:sldMk cId="0" sldId="256"/>
-            <ac:picMk id="82" creationId="{590A9A46-9908-498B-97D2-A8C5895265A2}"/>
-          </ac:picMkLst>
-        </pc:picChg>
-        <pc:picChg chg="del">
-          <ac:chgData name="Stav Yeger" userId="c8920bed-57b0-4657-bb44-4daf9074dac5" providerId="ADAL" clId="{610BEDA8-8ED0-4F62-B7D1-2CA9110935C6}" dt="2020-10-25T14:58:30.547" v="513" actId="478"/>
-          <ac:picMkLst>
-            <pc:docMk/>
-            <pc:sldMk cId="0" sldId="256"/>
-            <ac:picMk id="83" creationId="{E4E39017-9F1B-4CEB-8526-8D45271BC589}"/>
-          </ac:picMkLst>
-        </pc:picChg>
-        <pc:picChg chg="mod">
-          <ac:chgData name="Stav Yeger" userId="c8920bed-57b0-4657-bb44-4daf9074dac5" providerId="ADAL" clId="{610BEDA8-8ED0-4F62-B7D1-2CA9110935C6}" dt="2020-10-25T21:54:13.158" v="1186" actId="1076"/>
-          <ac:picMkLst>
-            <pc:docMk/>
-            <pc:sldMk cId="0" sldId="256"/>
-            <ac:picMk id="85" creationId="{C10EC0E0-7C39-43AE-B72D-36C35A305AD3}"/>
-          </ac:picMkLst>
-        </pc:picChg>
-        <pc:picChg chg="add mod">
-          <ac:chgData name="Stav Yeger" userId="c8920bed-57b0-4657-bb44-4daf9074dac5" providerId="ADAL" clId="{610BEDA8-8ED0-4F62-B7D1-2CA9110935C6}" dt="2020-10-27T10:15:34.398" v="1363" actId="164"/>
-          <ac:picMkLst>
-            <pc:docMk/>
-            <pc:sldMk cId="0" sldId="256"/>
-            <ac:picMk id="92" creationId="{39D47C8D-5BD4-4822-9683-F39E5B4EF72A}"/>
-          </ac:picMkLst>
-        </pc:picChg>
-        <pc:picChg chg="add mod">
-          <ac:chgData name="Stav Yeger" userId="c8920bed-57b0-4657-bb44-4daf9074dac5" providerId="ADAL" clId="{610BEDA8-8ED0-4F62-B7D1-2CA9110935C6}" dt="2020-10-25T15:23:17.623" v="901" actId="1076"/>
-          <ac:picMkLst>
-            <pc:docMk/>
-            <pc:sldMk cId="0" sldId="256"/>
-            <ac:picMk id="97" creationId="{E6108EE2-662D-46D1-99B8-484FA0833012}"/>
-          </ac:picMkLst>
-        </pc:picChg>
-        <pc:picChg chg="add mod">
-          <ac:chgData name="Stav Yeger" userId="c8920bed-57b0-4657-bb44-4daf9074dac5" providerId="ADAL" clId="{610BEDA8-8ED0-4F62-B7D1-2CA9110935C6}" dt="2020-10-25T15:41:29.159" v="941" actId="164"/>
-          <ac:picMkLst>
-            <pc:docMk/>
-            <pc:sldMk cId="0" sldId="256"/>
-            <ac:picMk id="98" creationId="{55C79325-40E3-4015-B1E5-36173B0AA1F0}"/>
-          </ac:picMkLst>
-        </pc:picChg>
-        <pc:picChg chg="add mod">
-          <ac:chgData name="Stav Yeger" userId="c8920bed-57b0-4657-bb44-4daf9074dac5" providerId="ADAL" clId="{610BEDA8-8ED0-4F62-B7D1-2CA9110935C6}" dt="2020-10-25T15:41:48.431" v="942" actId="164"/>
-          <ac:picMkLst>
-            <pc:docMk/>
-            <pc:sldMk cId="0" sldId="256"/>
-            <ac:picMk id="103" creationId="{D5B2D28D-53EA-41A5-B770-57FA5194EA58}"/>
-          </ac:picMkLst>
-        </pc:picChg>
-        <pc:picChg chg="add mod modCrop">
-          <ac:chgData name="Stav Yeger" userId="c8920bed-57b0-4657-bb44-4daf9074dac5" providerId="ADAL" clId="{610BEDA8-8ED0-4F62-B7D1-2CA9110935C6}" dt="2020-10-27T12:31:07.743" v="1940" actId="14100"/>
-          <ac:picMkLst>
-            <pc:docMk/>
-            <pc:sldMk cId="0" sldId="256"/>
-            <ac:picMk id="110" creationId="{D68232AD-3FC4-45BD-BB4D-1F6C3D245836}"/>
-          </ac:picMkLst>
-        </pc:picChg>
-        <pc:picChg chg="add">
-          <ac:chgData name="Stav Yeger" userId="c8920bed-57b0-4657-bb44-4daf9074dac5" providerId="ADAL" clId="{610BEDA8-8ED0-4F62-B7D1-2CA9110935C6}" dt="2020-10-27T12:54:35.777" v="2055"/>
-          <ac:picMkLst>
-            <pc:docMk/>
-            <pc:sldMk cId="0" sldId="256"/>
-            <ac:picMk id="111" creationId="{9F719547-A358-4811-8BB2-0780E93D6CE4}"/>
-          </ac:picMkLst>
-        </pc:picChg>
-        <pc:cxnChg chg="mod">
-          <ac:chgData name="Stav Yeger" userId="c8920bed-57b0-4657-bb44-4daf9074dac5" providerId="ADAL" clId="{610BEDA8-8ED0-4F62-B7D1-2CA9110935C6}" dt="2020-10-25T14:59:24.482" v="541" actId="478"/>
-          <ac:cxnSpMkLst>
-            <pc:docMk/>
-            <pc:sldMk cId="0" sldId="256"/>
-            <ac:cxnSpMk id="9" creationId="{51DEA0FC-FFC7-4BBC-A6BA-4DEB03B830F1}"/>
-          </ac:cxnSpMkLst>
-        </pc:cxnChg>
-        <pc:cxnChg chg="mod">
-          <ac:chgData name="Stav Yeger" userId="c8920bed-57b0-4657-bb44-4daf9074dac5" providerId="ADAL" clId="{610BEDA8-8ED0-4F62-B7D1-2CA9110935C6}" dt="2020-10-25T14:59:24.482" v="541" actId="478"/>
-          <ac:cxnSpMkLst>
-            <pc:docMk/>
-            <pc:sldMk cId="0" sldId="256"/>
-            <ac:cxnSpMk id="80" creationId="{6076E3EE-66E9-4B90-A783-6C28D0DD7DC2}"/>
-          </ac:cxnSpMkLst>
-        </pc:cxnChg>
-        <pc:cxnChg chg="add mod">
-          <ac:chgData name="Stav Yeger" userId="c8920bed-57b0-4657-bb44-4daf9074dac5" providerId="ADAL" clId="{610BEDA8-8ED0-4F62-B7D1-2CA9110935C6}" dt="2020-10-27T10:15:34.398" v="1363" actId="164"/>
-          <ac:cxnSpMkLst>
-            <pc:docMk/>
-            <pc:sldMk cId="0" sldId="256"/>
-            <ac:cxnSpMk id="93" creationId="{6E86E67F-25D9-4518-8AC9-E356CE2B0263}"/>
-          </ac:cxnSpMkLst>
-        </pc:cxnChg>
-        <pc:cxnChg chg="add mod">
-          <ac:chgData name="Stav Yeger" userId="c8920bed-57b0-4657-bb44-4daf9074dac5" providerId="ADAL" clId="{610BEDA8-8ED0-4F62-B7D1-2CA9110935C6}" dt="2020-10-27T10:15:34.398" v="1363" actId="164"/>
-          <ac:cxnSpMkLst>
-            <pc:docMk/>
-            <pc:sldMk cId="0" sldId="256"/>
-            <ac:cxnSpMk id="95" creationId="{6C29527D-010F-4B6A-B705-6F63AF25826C}"/>
-          </ac:cxnSpMkLst>
-        </pc:cxnChg>
-      </pc:sldChg>
-    </pc:docChg>
-  </pc:docChgLst>
-  <pc:docChgLst>
-    <pc:chgData name="Paskaro, Aviv" userId="36823454-c8dd-46c1-88f9-5876435fcb26" providerId="ADAL" clId="{47887CB4-8F60-4F25-83E1-58D15B9C0985}"/>
-    <pc:docChg chg="undo custSel modSld">
-      <pc:chgData name="Paskaro, Aviv" userId="36823454-c8dd-46c1-88f9-5876435fcb26" providerId="ADAL" clId="{47887CB4-8F60-4F25-83E1-58D15B9C0985}" dt="2020-11-29T19:33:45.351" v="162" actId="1076"/>
-      <pc:docMkLst>
-        <pc:docMk/>
-      </pc:docMkLst>
-      <pc:sldChg chg="addSp delSp modSp">
-        <pc:chgData name="Paskaro, Aviv" userId="36823454-c8dd-46c1-88f9-5876435fcb26" providerId="ADAL" clId="{47887CB4-8F60-4F25-83E1-58D15B9C0985}" dt="2020-11-29T19:33:45.351" v="162" actId="1076"/>
-        <pc:sldMkLst>
-          <pc:docMk/>
-          <pc:sldMk cId="0" sldId="256"/>
-        </pc:sldMkLst>
-        <pc:spChg chg="add mod">
-          <ac:chgData name="Paskaro, Aviv" userId="36823454-c8dd-46c1-88f9-5876435fcb26" providerId="ADAL" clId="{47887CB4-8F60-4F25-83E1-58D15B9C0985}" dt="2020-11-29T19:17:02.361" v="33" actId="20577"/>
-          <ac:spMkLst>
-            <pc:docMk/>
-            <pc:sldMk cId="0" sldId="256"/>
-            <ac:spMk id="9" creationId="{64BD14C3-FDAD-4960-BE74-047FC1A71554}"/>
-          </ac:spMkLst>
-        </pc:spChg>
-        <pc:spChg chg="mod">
-          <ac:chgData name="Paskaro, Aviv" userId="36823454-c8dd-46c1-88f9-5876435fcb26" providerId="ADAL" clId="{47887CB4-8F60-4F25-83E1-58D15B9C0985}" dt="2020-11-29T19:13:18.836" v="5" actId="1076"/>
-          <ac:spMkLst>
-            <pc:docMk/>
-            <pc:sldMk cId="0" sldId="256"/>
-            <ac:spMk id="10" creationId="{644047E4-85B6-484D-9879-C28E31129DAD}"/>
-          </ac:spMkLst>
-        </pc:spChg>
-        <pc:spChg chg="mod">
-          <ac:chgData name="Paskaro, Aviv" userId="36823454-c8dd-46c1-88f9-5876435fcb26" providerId="ADAL" clId="{47887CB4-8F60-4F25-83E1-58D15B9C0985}" dt="2020-11-29T19:13:47.450" v="8" actId="1076"/>
-          <ac:spMkLst>
-            <pc:docMk/>
-            <pc:sldMk cId="0" sldId="256"/>
-            <ac:spMk id="12" creationId="{2CC3F0B2-F0D3-4162-8E7B-81ED30F1928E}"/>
-          </ac:spMkLst>
-        </pc:spChg>
-        <pc:spChg chg="mod">
-          <ac:chgData name="Paskaro, Aviv" userId="36823454-c8dd-46c1-88f9-5876435fcb26" providerId="ADAL" clId="{47887CB4-8F60-4F25-83E1-58D15B9C0985}" dt="2020-11-29T19:25:54.028" v="121" actId="1036"/>
-          <ac:spMkLst>
-            <pc:docMk/>
-            <pc:sldMk cId="0" sldId="256"/>
-            <ac:spMk id="27" creationId="{719BE719-63E8-43A7-AD63-36CC2A130C40}"/>
-          </ac:spMkLst>
-        </pc:spChg>
-        <pc:spChg chg="mod">
-          <ac:chgData name="Paskaro, Aviv" userId="36823454-c8dd-46c1-88f9-5876435fcb26" providerId="ADAL" clId="{47887CB4-8F60-4F25-83E1-58D15B9C0985}" dt="2020-11-29T19:26:28.366" v="135" actId="14100"/>
-          <ac:spMkLst>
-            <pc:docMk/>
-            <pc:sldMk cId="0" sldId="256"/>
-            <ac:spMk id="28" creationId="{0433432B-7813-4B46-A9E5-DCA9F115EEFD}"/>
-          </ac:spMkLst>
-        </pc:spChg>
-        <pc:spChg chg="mod">
-          <ac:chgData name="Paskaro, Aviv" userId="36823454-c8dd-46c1-88f9-5876435fcb26" providerId="ADAL" clId="{47887CB4-8F60-4F25-83E1-58D15B9C0985}" dt="2020-11-29T19:29:32.770" v="146" actId="14100"/>
-          <ac:spMkLst>
-            <pc:docMk/>
-            <pc:sldMk cId="0" sldId="256"/>
-            <ac:spMk id="29" creationId="{BA7D21B4-470D-4A3C-ACD9-EE9DD99D08ED}"/>
-          </ac:spMkLst>
-        </pc:spChg>
-        <pc:spChg chg="mod">
-          <ac:chgData name="Paskaro, Aviv" userId="36823454-c8dd-46c1-88f9-5876435fcb26" providerId="ADAL" clId="{47887CB4-8F60-4F25-83E1-58D15B9C0985}" dt="2020-11-29T19:12:58.979" v="2" actId="1076"/>
-          <ac:spMkLst>
-            <pc:docMk/>
-            <pc:sldMk cId="0" sldId="256"/>
-            <ac:spMk id="53" creationId="{BD1118F3-BB7A-41CD-85AB-FE3FE6636E12}"/>
-          </ac:spMkLst>
-        </pc:spChg>
-        <pc:spChg chg="mod">
-          <ac:chgData name="Paskaro, Aviv" userId="36823454-c8dd-46c1-88f9-5876435fcb26" providerId="ADAL" clId="{47887CB4-8F60-4F25-83E1-58D15B9C0985}" dt="2020-11-29T19:13:05.939" v="4" actId="1076"/>
-          <ac:spMkLst>
-            <pc:docMk/>
-            <pc:sldMk cId="0" sldId="256"/>
-            <ac:spMk id="76" creationId="{39BA6BBB-B8EE-409A-82DB-C7077ABDDCDC}"/>
-          </ac:spMkLst>
-        </pc:spChg>
-        <pc:spChg chg="del">
-          <ac:chgData name="Paskaro, Aviv" userId="36823454-c8dd-46c1-88f9-5876435fcb26" providerId="ADAL" clId="{47887CB4-8F60-4F25-83E1-58D15B9C0985}" dt="2020-11-29T19:17:08.257" v="35" actId="478"/>
-          <ac:spMkLst>
-            <pc:docMk/>
-            <pc:sldMk cId="0" sldId="256"/>
-            <ac:spMk id="77" creationId="{9C9E8B45-8C7A-4975-B74D-406DED227114}"/>
-          </ac:spMkLst>
-        </pc:spChg>
-        <pc:spChg chg="add mod">
-          <ac:chgData name="Paskaro, Aviv" userId="36823454-c8dd-46c1-88f9-5876435fcb26" providerId="ADAL" clId="{47887CB4-8F60-4F25-83E1-58D15B9C0985}" dt="2020-11-29T19:17:29.104" v="58" actId="1076"/>
-          <ac:spMkLst>
-            <pc:docMk/>
-            <pc:sldMk cId="0" sldId="256"/>
-            <ac:spMk id="100" creationId="{9BBD8A56-63A8-45BF-A201-0BFF2C824EE1}"/>
-          </ac:spMkLst>
-        </pc:spChg>
-        <pc:spChg chg="add mod">
-          <ac:chgData name="Paskaro, Aviv" userId="36823454-c8dd-46c1-88f9-5876435fcb26" providerId="ADAL" clId="{47887CB4-8F60-4F25-83E1-58D15B9C0985}" dt="2020-11-29T19:20:23.079" v="68" actId="1076"/>
-          <ac:spMkLst>
-            <pc:docMk/>
-            <pc:sldMk cId="0" sldId="256"/>
-            <ac:spMk id="101" creationId="{9A91D331-0382-4237-BBDD-B6FDA47DDB31}"/>
-          </ac:spMkLst>
-        </pc:spChg>
-        <pc:spChg chg="add mod">
-          <ac:chgData name="Paskaro, Aviv" userId="36823454-c8dd-46c1-88f9-5876435fcb26" providerId="ADAL" clId="{47887CB4-8F60-4F25-83E1-58D15B9C0985}" dt="2020-11-29T19:20:49.608" v="77" actId="1076"/>
-          <ac:spMkLst>
-            <pc:docMk/>
-            <pc:sldMk cId="0" sldId="256"/>
-            <ac:spMk id="102" creationId="{AACF9FC9-40D6-4B33-94C6-DC86F32E6764}"/>
-          </ac:spMkLst>
-        </pc:spChg>
-        <pc:spChg chg="add mod">
-          <ac:chgData name="Paskaro, Aviv" userId="36823454-c8dd-46c1-88f9-5876435fcb26" providerId="ADAL" clId="{47887CB4-8F60-4F25-83E1-58D15B9C0985}" dt="2020-11-29T19:20:53.491" v="79" actId="1076"/>
-          <ac:spMkLst>
-            <pc:docMk/>
-            <pc:sldMk cId="0" sldId="256"/>
-            <ac:spMk id="110" creationId="{7F3D58EC-EE6A-4CA8-B7B1-6AC44CC67862}"/>
-          </ac:spMkLst>
-        </pc:spChg>
-        <pc:spChg chg="add mod">
-          <ac:chgData name="Paskaro, Aviv" userId="36823454-c8dd-46c1-88f9-5876435fcb26" providerId="ADAL" clId="{47887CB4-8F60-4F25-83E1-58D15B9C0985}" dt="2020-11-29T19:21:10.410" v="83" actId="14100"/>
-          <ac:spMkLst>
-            <pc:docMk/>
-            <pc:sldMk cId="0" sldId="256"/>
-            <ac:spMk id="111" creationId="{2E6EB5F4-C6C2-49DF-A1D1-27924C203BFF}"/>
-          </ac:spMkLst>
-        </pc:spChg>
-        <pc:spChg chg="add mod">
-          <ac:chgData name="Paskaro, Aviv" userId="36823454-c8dd-46c1-88f9-5876435fcb26" providerId="ADAL" clId="{47887CB4-8F60-4F25-83E1-58D15B9C0985}" dt="2020-11-29T19:21:44.993" v="94" actId="1076"/>
-          <ac:spMkLst>
-            <pc:docMk/>
-            <pc:sldMk cId="0" sldId="256"/>
-            <ac:spMk id="119" creationId="{90076B85-70B0-4CEA-9965-5A18DE186096}"/>
-          </ac:spMkLst>
-        </pc:spChg>
-        <pc:spChg chg="add mod">
-          <ac:chgData name="Paskaro, Aviv" userId="36823454-c8dd-46c1-88f9-5876435fcb26" providerId="ADAL" clId="{47887CB4-8F60-4F25-83E1-58D15B9C0985}" dt="2020-11-29T19:22:11.598" v="104" actId="1076"/>
-          <ac:spMkLst>
-            <pc:docMk/>
-            <pc:sldMk cId="0" sldId="256"/>
-            <ac:spMk id="121" creationId="{99191777-086A-47EB-AD1F-18BA2DADE7A7}"/>
-          </ac:spMkLst>
-        </pc:spChg>
-        <pc:spChg chg="mod">
-          <ac:chgData name="Paskaro, Aviv" userId="36823454-c8dd-46c1-88f9-5876435fcb26" providerId="ADAL" clId="{47887CB4-8F60-4F25-83E1-58D15B9C0985}" dt="2020-11-29T19:33:15.519" v="151" actId="1076"/>
-          <ac:spMkLst>
-            <pc:docMk/>
-            <pc:sldMk cId="0" sldId="256"/>
-            <ac:spMk id="143" creationId="{00000000-0000-0000-0000-000000000000}"/>
-          </ac:spMkLst>
-        </pc:spChg>
-        <pc:spChg chg="mod">
-          <ac:chgData name="Paskaro, Aviv" userId="36823454-c8dd-46c1-88f9-5876435fcb26" providerId="ADAL" clId="{47887CB4-8F60-4F25-83E1-58D15B9C0985}" dt="2020-11-29T19:33:45.351" v="162" actId="1076"/>
-          <ac:spMkLst>
-            <pc:docMk/>
-            <pc:sldMk cId="0" sldId="256"/>
-            <ac:spMk id="144" creationId="{00000000-0000-0000-0000-000000000000}"/>
-          </ac:spMkLst>
-        </pc:spChg>
-        <pc:grpChg chg="mod">
-          <ac:chgData name="Paskaro, Aviv" userId="36823454-c8dd-46c1-88f9-5876435fcb26" providerId="ADAL" clId="{47887CB4-8F60-4F25-83E1-58D15B9C0985}" dt="2020-11-29T19:13:02.125" v="3" actId="1076"/>
-          <ac:grpSpMkLst>
-            <pc:docMk/>
-            <pc:sldMk cId="0" sldId="256"/>
-            <ac:grpSpMk id="21" creationId="{9CCCCC9C-22D1-4852-B2AE-1B05B03D4A0A}"/>
-          </ac:grpSpMkLst>
-        </pc:grpChg>
-        <pc:grpChg chg="mod">
-          <ac:chgData name="Paskaro, Aviv" userId="36823454-c8dd-46c1-88f9-5876435fcb26" providerId="ADAL" clId="{47887CB4-8F60-4F25-83E1-58D15B9C0985}" dt="2020-11-29T19:17:06.060" v="34" actId="1076"/>
-          <ac:grpSpMkLst>
-            <pc:docMk/>
-            <pc:sldMk cId="0" sldId="256"/>
-            <ac:grpSpMk id="25" creationId="{45E164B2-242E-4234-92E3-B2A88A4BDC28}"/>
-          </ac:grpSpMkLst>
-        </pc:grpChg>
-        <pc:picChg chg="add mod">
-          <ac:chgData name="Paskaro, Aviv" userId="36823454-c8dd-46c1-88f9-5876435fcb26" providerId="ADAL" clId="{47887CB4-8F60-4F25-83E1-58D15B9C0985}" dt="2020-11-29T19:20:32.765" v="72" actId="1076"/>
-          <ac:picMkLst>
-            <pc:docMk/>
-            <pc:sldMk cId="0" sldId="256"/>
-            <ac:picMk id="11" creationId="{2C50B05A-9DFA-46B9-B7F4-426B28ECA48A}"/>
-          </ac:picMkLst>
-        </pc:picChg>
-        <pc:picChg chg="mod">
-          <ac:chgData name="Paskaro, Aviv" userId="36823454-c8dd-46c1-88f9-5876435fcb26" providerId="ADAL" clId="{47887CB4-8F60-4F25-83E1-58D15B9C0985}" dt="2020-11-29T19:13:24.266" v="6" actId="1076"/>
-          <ac:picMkLst>
-            <pc:docMk/>
-            <pc:sldMk cId="0" sldId="256"/>
-            <ac:picMk id="18" creationId="{6CB629BE-7052-4338-9CC7-5FA11E1D0784}"/>
-          </ac:picMkLst>
-        </pc:picChg>
-        <pc:cxnChg chg="add mod">
-          <ac:chgData name="Paskaro, Aviv" userId="36823454-c8dd-46c1-88f9-5876435fcb26" providerId="ADAL" clId="{47887CB4-8F60-4F25-83E1-58D15B9C0985}" dt="2020-11-29T19:21:23.514" v="87" actId="14100"/>
-          <ac:cxnSpMkLst>
-            <pc:docMk/>
-            <pc:sldMk cId="0" sldId="256"/>
-            <ac:cxnSpMk id="113" creationId="{69F81DBB-F90E-4A42-BD52-316226AC1861}"/>
-          </ac:cxnSpMkLst>
-        </pc:cxnChg>
-        <pc:cxnChg chg="add mod">
-          <ac:chgData name="Paskaro, Aviv" userId="36823454-c8dd-46c1-88f9-5876435fcb26" providerId="ADAL" clId="{47887CB4-8F60-4F25-83E1-58D15B9C0985}" dt="2020-11-29T19:21:30.611" v="90" actId="14100"/>
-          <ac:cxnSpMkLst>
-            <pc:docMk/>
-            <pc:sldMk cId="0" sldId="256"/>
-            <ac:cxnSpMk id="118" creationId="{5C177FC0-A7C9-442F-AB1D-06EF2DFCCA4A}"/>
-          </ac:cxnSpMkLst>
-        </pc:cxnChg>
-        <pc:cxnChg chg="add mod">
-          <ac:chgData name="Paskaro, Aviv" userId="36823454-c8dd-46c1-88f9-5876435fcb26" providerId="ADAL" clId="{47887CB4-8F60-4F25-83E1-58D15B9C0985}" dt="2020-11-29T19:21:53.351" v="99" actId="1076"/>
-          <ac:cxnSpMkLst>
-            <pc:docMk/>
-            <pc:sldMk cId="0" sldId="256"/>
-            <ac:cxnSpMk id="120" creationId="{82ADAA89-DFD2-49C6-9B6B-67E917DAF6CD}"/>
-          </ac:cxnSpMkLst>
-        </pc:cxnChg>
       </pc:sldChg>
     </pc:docChg>
   </pc:docChgLst>
@@ -6094,7 +5065,7 @@
         </p:nvSpPr>
         <p:spPr bwMode="auto">
           <a:xfrm>
-            <a:off x="959208" y="8236534"/>
+            <a:off x="959208" y="8353233"/>
             <a:ext cx="5567957" cy="1009048"/>
           </a:xfrm>
           <a:prstGeom prst="rect">
@@ -6130,7 +5101,7 @@
           <a:p>
             <a:pPr algn="l" defTabSz="3900819" rtl="0"/>
             <a:r>
-              <a:rPr lang="en-US" sz="5400" dirty="0">
+              <a:rPr lang="en-US" sz="5400">
                 <a:solidFill>
                   <a:srgbClr val="C00000"/>
                 </a:solidFill>
@@ -6152,7 +5123,7 @@
         </p:nvSpPr>
         <p:spPr bwMode="auto">
           <a:xfrm>
-            <a:off x="988133" y="9367138"/>
+            <a:off x="1053624" y="9510521"/>
             <a:ext cx="8586161" cy="5719160"/>
           </a:xfrm>
           <a:prstGeom prst="rect">
@@ -6193,14 +5164,14 @@
               <a:buSzPct val="125000"/>
             </a:pPr>
             <a:r>
-              <a:rPr lang="en-US" sz="3600" b="0" dirty="0">
+              <a:rPr lang="en-US" sz="3400" b="0">
                 <a:solidFill>
                   <a:schemeClr val="tx1"/>
                 </a:solidFill>
                 <a:latin typeface="Arial" panose="020B0604020202020204" pitchFamily="34" charset="0"/>
                 <a:cs typeface="Arial" panose="020B0604020202020204" pitchFamily="34" charset="0"/>
               </a:rPr>
-              <a:t>In recent years, drones have entered the world of civilian and military aviation. The drones are small, agile, cheap and have a low signature, and as a result hostile groups find them widely used. Detecting and tracking drones is a challenging task in an open space and even more so in an urban environment. Those kind of tasks are usually solved by using systems with integrated neural networks.</a:t>
+              <a:t>Drones which are small, agile, cheap and have a low signature, are widely used for civilian and military tasks. Detecting and tracking such drones is challenging in open space and even more in urban environment. In a primarily project we created a data base of drone pictures taken from above. Now we use this data base for developing a system to detect drones, using a neural network. </a:t>
             </a:r>
           </a:p>
           <a:p>
@@ -6210,7 +5181,7 @@
               </a:spcBef>
               <a:buSzPct val="125000"/>
             </a:pPr>
-            <a:endParaRPr lang="en-US" sz="3600" b="0" dirty="0">
+            <a:endParaRPr lang="en-US" sz="3600" b="0">
               <a:solidFill>
                 <a:schemeClr val="tx1"/>
               </a:solidFill>
@@ -6225,7 +5196,7 @@
               </a:spcBef>
               <a:buSzPct val="125000"/>
             </a:pPr>
-            <a:endParaRPr lang="en-US" sz="3600" b="0" dirty="0">
+            <a:endParaRPr lang="en-US" sz="3600" b="0">
               <a:solidFill>
                 <a:schemeClr val="tx1"/>
               </a:solidFill>
@@ -6240,7 +5211,7 @@
               </a:spcBef>
               <a:buSzPct val="125000"/>
             </a:pPr>
-            <a:endParaRPr lang="en-US" sz="3600" b="0" dirty="0">
+            <a:endParaRPr lang="en-US" sz="3600" b="0">
               <a:solidFill>
                 <a:schemeClr val="tx1"/>
               </a:solidFill>
@@ -6255,7 +5226,7 @@
               </a:spcBef>
               <a:buSzPct val="125000"/>
             </a:pPr>
-            <a:endParaRPr lang="en-US" sz="3600" b="0" dirty="0">
+            <a:endParaRPr lang="en-US" sz="3600" b="0">
               <a:solidFill>
                 <a:schemeClr val="tx1"/>
               </a:solidFill>
@@ -6270,7 +5241,7 @@
               </a:spcBef>
               <a:buSzPct val="125000"/>
             </a:pPr>
-            <a:endParaRPr lang="en-US" sz="3600" b="0" dirty="0">
+            <a:endParaRPr lang="en-US" sz="3600" b="0">
               <a:solidFill>
                 <a:schemeClr val="tx1"/>
               </a:solidFill>
@@ -6290,7 +5261,7 @@
         </p:nvSpPr>
         <p:spPr bwMode="auto">
           <a:xfrm>
-            <a:off x="944331" y="15164696"/>
+            <a:off x="975518" y="15010719"/>
             <a:ext cx="5523461" cy="1009048"/>
           </a:xfrm>
           <a:prstGeom prst="rect">
@@ -6326,14 +5297,14 @@
           <a:p>
             <a:pPr algn="l" defTabSz="3900819" rtl="0"/>
             <a:r>
-              <a:rPr lang="en-US" sz="5400" dirty="0">
+              <a:rPr lang="en-US" sz="5400">
                 <a:solidFill>
                   <a:srgbClr val="C00000"/>
                 </a:solidFill>
                 <a:latin typeface="Arial" panose="020B0604020202020204" pitchFamily="34" charset="0"/>
                 <a:cs typeface="Arial" panose="020B0604020202020204" pitchFamily="34" charset="0"/>
               </a:rPr>
-              <a:t>Goal</a:t>
+              <a:t>Goals</a:t>
             </a:r>
           </a:p>
         </p:txBody>
@@ -6348,7 +5319,7 @@
         </p:nvSpPr>
         <p:spPr bwMode="auto">
           <a:xfrm>
-            <a:off x="1066988" y="16213336"/>
+            <a:off x="1129142" y="16137754"/>
             <a:ext cx="8484449" cy="4121127"/>
           </a:xfrm>
           <a:prstGeom prst="rect">
@@ -6391,14 +5362,14 @@
               <a:buChar char="§"/>
             </a:pPr>
             <a:r>
-              <a:rPr lang="en-US" sz="3600" b="0" dirty="0">
+              <a:rPr lang="en-US" sz="3400" b="0">
                 <a:solidFill>
                   <a:schemeClr val="tx1"/>
                 </a:solidFill>
                 <a:latin typeface="Arial" panose="020B0604020202020204" pitchFamily="34" charset="0"/>
                 <a:cs typeface="Arial" panose="020B0604020202020204" pitchFamily="34" charset="0"/>
               </a:rPr>
-              <a:t>Select compatible neural network</a:t>
+              <a:t>Decide on suitable neural network</a:t>
             </a:r>
           </a:p>
           <a:p>
@@ -6411,14 +5382,14 @@
               <a:buChar char="§"/>
             </a:pPr>
             <a:r>
-              <a:rPr lang="en-US" sz="3600" b="0" dirty="0">
+              <a:rPr lang="en-US" sz="3400" b="0">
                 <a:solidFill>
                   <a:schemeClr val="tx1"/>
                 </a:solidFill>
                 <a:latin typeface="Arial" panose="020B0604020202020204" pitchFamily="34" charset="0"/>
                 <a:cs typeface="Arial" panose="020B0604020202020204" pitchFamily="34" charset="0"/>
               </a:rPr>
-              <a:t>Train the network for detecting drones in urban area</a:t>
+              <a:t>Train the network to detect drones in urban area</a:t>
             </a:r>
           </a:p>
           <a:p>
@@ -6431,14 +5402,14 @@
               <a:buChar char="§"/>
             </a:pPr>
             <a:r>
-              <a:rPr lang="en-US" sz="3600" b="0" dirty="0">
+              <a:rPr lang="en-US" sz="3400" b="0">
                 <a:solidFill>
                   <a:schemeClr val="tx1"/>
                 </a:solidFill>
                 <a:latin typeface="Arial" panose="020B0604020202020204" pitchFamily="34" charset="0"/>
                 <a:cs typeface="Arial" panose="020B0604020202020204" pitchFamily="34" charset="0"/>
               </a:rPr>
-              <a:t>Integrate the network with NVIDIA Jetson TX2 card (installed on a patrol drone)</a:t>
+              <a:t>Implement on GPU card to be installed on a patrolling drone (NVIDIA Jetson TX2)</a:t>
             </a:r>
           </a:p>
         </p:txBody>
@@ -6451,8 +5422,8 @@
         </p:nvSpPr>
         <p:spPr>
           <a:xfrm>
-            <a:off x="20195328" y="36432429"/>
-            <a:ext cx="9360000" cy="5086252"/>
+            <a:off x="20195328" y="35615751"/>
+            <a:ext cx="9360000" cy="5902930"/>
           </a:xfrm>
           <a:prstGeom prst="roundRect">
             <a:avLst>
@@ -6481,7 +5452,7 @@
               </a:spcAft>
               <a:defRPr/>
             </a:pPr>
-            <a:endParaRPr lang="he-IL" sz="7661" b="0" kern="0" dirty="0">
+            <a:endParaRPr lang="he-IL" sz="7661" b="0" kern="0">
               <a:solidFill>
                 <a:schemeClr val="tx1"/>
               </a:solidFill>
@@ -6501,7 +5472,7 @@
         </p:nvSpPr>
         <p:spPr bwMode="auto">
           <a:xfrm>
-            <a:off x="20607165" y="36586474"/>
+            <a:off x="20581444" y="35773119"/>
             <a:ext cx="8475042" cy="1009048"/>
           </a:xfrm>
           <a:prstGeom prst="rect">
@@ -6537,7 +5508,7 @@
           <a:p>
             <a:pPr algn="l" defTabSz="3900819" rtl="0"/>
             <a:r>
-              <a:rPr lang="en-US" sz="5400" dirty="0">
+              <a:rPr lang="en-US" sz="5400">
                 <a:solidFill>
                   <a:srgbClr val="C00000"/>
                 </a:solidFill>
@@ -6559,8 +5530,8 @@
         </p:nvSpPr>
         <p:spPr bwMode="auto">
           <a:xfrm>
-            <a:off x="20683364" y="37725532"/>
-            <a:ext cx="8475042" cy="4050614"/>
+            <a:off x="20342548" y="36718081"/>
+            <a:ext cx="8710428" cy="4406334"/>
           </a:xfrm>
           <a:prstGeom prst="rect">
             <a:avLst/>
@@ -6593,21 +5564,43 @@
           <a:bodyPr rIns="0"/>
           <a:lstStyle/>
           <a:p>
-            <a:pPr algn="l" rtl="0">
+            <a:pPr marL="457200" indent="-457200" algn="just" rtl="0">
               <a:spcBef>
                 <a:spcPts val="1682"/>
               </a:spcBef>
               <a:buSzPct val="125000"/>
+              <a:buFont typeface="Wingdings" panose="05000000000000000000" pitchFamily="2" charset="2"/>
+              <a:buChar char="§"/>
             </a:pPr>
             <a:r>
-              <a:rPr lang="en-US" sz="3600" b="0" dirty="0">
+              <a:rPr lang="en-US" sz="3400" b="0">
                 <a:solidFill>
                   <a:schemeClr val="tx1"/>
                 </a:solidFill>
                 <a:latin typeface="Arial" panose="020B0604020202020204" pitchFamily="34" charset="0"/>
                 <a:cs typeface="Arial" panose="020B0604020202020204" pitchFamily="34" charset="0"/>
               </a:rPr>
-              <a:t>Yolo does really good job in detection objects that she trained for. We will recommend to add system that will try to look at the relation between consecutive detections and help predict the object next steps.</a:t>
+              <a:t>The network meets the requirements that has been set for it. And overall, the system is ready to detect drone within urban environments in real-time</a:t>
+            </a:r>
+          </a:p>
+          <a:p>
+            <a:pPr marL="457200" indent="-457200" algn="just" rtl="0">
+              <a:spcBef>
+                <a:spcPts val="1682"/>
+              </a:spcBef>
+              <a:buSzPct val="125000"/>
+              <a:buFont typeface="Wingdings" panose="05000000000000000000" pitchFamily="2" charset="2"/>
+              <a:buChar char="§"/>
+            </a:pPr>
+            <a:r>
+              <a:rPr lang="en-US" sz="3400" b="0">
+                <a:solidFill>
+                  <a:schemeClr val="tx1"/>
+                </a:solidFill>
+                <a:latin typeface="Arial" panose="020B0604020202020204" pitchFamily="34" charset="0"/>
+                <a:cs typeface="Arial" panose="020B0604020202020204" pitchFamily="34" charset="0"/>
+              </a:rPr>
+              <a:t>Post processing can be easily applied on the raw output (of the NN) to increase the detection accuracy (Time interpolation or same techniques)</a:t>
             </a:r>
           </a:p>
         </p:txBody>
@@ -6664,7 +5657,7 @@
               <a:buFont typeface="Arial" pitchFamily="34" charset="0"/>
               <a:buChar char="•"/>
             </a:pPr>
-            <a:endParaRPr lang="en-US" sz="2990" b="0" dirty="0">
+            <a:endParaRPr lang="en-US" sz="2990" b="0">
               <a:solidFill>
                 <a:schemeClr val="tx1"/>
               </a:solidFill>
@@ -6743,7 +5736,7 @@
               <a:defRPr/>
             </a:pPr>
             <a:r>
-              <a:rPr lang="en-US" sz="9600" dirty="0">
+              <a:rPr lang="en-US" sz="9600">
                 <a:solidFill>
                   <a:schemeClr val="tx1"/>
                 </a:solidFill>
@@ -6806,7 +5799,7 @@
               </a:spcBef>
             </a:pPr>
             <a:r>
-              <a:rPr lang="en-US" sz="6000" dirty="0">
+              <a:rPr lang="en-US" sz="6000">
                 <a:solidFill>
                   <a:schemeClr val="tx1"/>
                 </a:solidFill>
@@ -6816,7 +5809,7 @@
               <a:t>Aviv </a:t>
             </a:r>
             <a:r>
-              <a:rPr lang="en-US" sz="6000" dirty="0" err="1">
+              <a:rPr lang="en-US" sz="6000" err="1">
                 <a:solidFill>
                   <a:schemeClr val="tx1"/>
                 </a:solidFill>
@@ -6826,7 +5819,7 @@
               <a:t>Paskaro</a:t>
             </a:r>
             <a:r>
-              <a:rPr lang="en-US" sz="6000" dirty="0">
+              <a:rPr lang="en-US" sz="6000">
                 <a:solidFill>
                   <a:schemeClr val="tx1"/>
                 </a:solidFill>
@@ -6836,7 +5829,7 @@
               <a:t> and Stav Yeger, supervised by Ilya </a:t>
             </a:r>
             <a:r>
-              <a:rPr lang="en-US" sz="6000" dirty="0" err="1">
+              <a:rPr lang="en-US" sz="6000" err="1">
                 <a:solidFill>
                   <a:schemeClr val="tx1"/>
                 </a:solidFill>
@@ -6845,7 +5838,7 @@
               </a:rPr>
               <a:t>Tcenov</a:t>
             </a:r>
-            <a:endParaRPr lang="en-US" sz="6000" dirty="0">
+            <a:endParaRPr lang="en-US" sz="6000">
               <a:solidFill>
                 <a:schemeClr val="tx1"/>
               </a:solidFill>
@@ -6878,12 +5871,12 @@
           <a:lstStyle/>
           <a:p>
             <a:r>
-              <a:rPr lang="en-US" sz="3600" dirty="0">
+              <a:rPr lang="en-US" sz="3600">
                 <a:solidFill>
                   <a:schemeClr val="tx1"/>
                 </a:solidFill>
               </a:rPr>
-              <a:t>April 2020</a:t>
+              <a:t>December 2020</a:t>
             </a:r>
           </a:p>
         </p:txBody>
@@ -6986,8 +5979,8 @@
         </p:nvGrpSpPr>
         <p:grpSpPr>
           <a:xfrm>
-            <a:off x="666705" y="20608329"/>
-            <a:ext cx="9360000" cy="20910352"/>
+            <a:off x="666705" y="20608304"/>
+            <a:ext cx="9360000" cy="20910345"/>
             <a:chOff x="693322" y="25828352"/>
             <a:chExt cx="9360000" cy="7128640"/>
           </a:xfrm>
@@ -7044,7 +6037,7 @@
             <a:p>
               <a:pPr algn="just" defTabSz="3900819" rtl="0"/>
               <a:r>
-                <a:rPr lang="en-US" sz="5400" dirty="0">
+                <a:rPr lang="en-US" sz="5400">
                   <a:solidFill>
                     <a:srgbClr val="C00000"/>
                   </a:solidFill>
@@ -7072,8 +6065,8 @@
           </p:nvSpPr>
           <p:spPr bwMode="auto">
             <a:xfrm>
-              <a:off x="928768" y="26226984"/>
-              <a:ext cx="8483514" cy="786607"/>
+              <a:off x="928767" y="26226984"/>
+              <a:ext cx="8797347" cy="786607"/>
             </a:xfrm>
             <a:prstGeom prst="rect">
               <a:avLst/>
@@ -7113,14 +6106,14 @@
                 <a:buSzPct val="125000"/>
               </a:pPr>
               <a:r>
-                <a:rPr lang="en-US" sz="3600" b="0" dirty="0">
+                <a:rPr lang="en-US" sz="3400" b="0">
                   <a:solidFill>
                     <a:schemeClr val="tx1"/>
                   </a:solidFill>
                   <a:latin typeface="Arial" panose="020B0604020202020204" pitchFamily="34" charset="0"/>
                   <a:cs typeface="Arial" panose="020B0604020202020204" pitchFamily="34" charset="0"/>
                 </a:rPr>
-                <a:t>In the primarily project we’ve created dataset as a base for the training. The dataset is composed from videos the simulate flying drone in urbans scenes. </a:t>
+                <a:t>Our dataset is composed from simulated videos in urbans scenes that we compiled using videos of a DJI Phantom drone that were taken in open space.</a:t>
               </a:r>
             </a:p>
             <a:p>
@@ -7130,7 +6123,7 @@
                 </a:spcBef>
                 <a:buSzPct val="125000"/>
               </a:pPr>
-              <a:endParaRPr lang="en-US" sz="2990" b="0" dirty="0">
+              <a:endParaRPr lang="en-US" sz="3400" b="0">
                 <a:solidFill>
                   <a:schemeClr val="tx1"/>
                 </a:solidFill>
@@ -7146,7 +6139,7 @@
                 <a:buSzPct val="125000"/>
               </a:pPr>
               <a:br>
-                <a:rPr lang="en-US" sz="2990" b="0" dirty="0">
+                <a:rPr lang="en-US" sz="3400" b="0">
                   <a:solidFill>
                     <a:schemeClr val="tx1"/>
                   </a:solidFill>
@@ -7155,7 +6148,7 @@
                 </a:rPr>
               </a:br>
               <a:br>
-                <a:rPr lang="en-US" sz="2990" b="0" dirty="0">
+                <a:rPr lang="en-US" sz="3400" b="0">
                   <a:solidFill>
                     <a:schemeClr val="tx1"/>
                   </a:solidFill>
@@ -7164,7 +6157,7 @@
                 </a:rPr>
               </a:br>
               <a:br>
-                <a:rPr lang="en-US" sz="2990" b="0" dirty="0">
+                <a:rPr lang="en-US" sz="3400" b="0">
                   <a:solidFill>
                     <a:schemeClr val="tx1"/>
                   </a:solidFill>
@@ -7172,7 +6165,7 @@
                   <a:cs typeface="Arial" panose="020B0604020202020204" pitchFamily="34" charset="0"/>
                 </a:rPr>
               </a:br>
-              <a:endParaRPr lang="en-US" sz="2990" b="0" dirty="0">
+              <a:endParaRPr lang="en-US" sz="3400" b="0">
                 <a:solidFill>
                   <a:schemeClr val="tx1"/>
                 </a:solidFill>
@@ -7189,7 +6182,7 @@
                 <a:buFont typeface="Arial" panose="020B0604020202020204" pitchFamily="34" charset="0"/>
                 <a:buChar char="•"/>
               </a:pPr>
-              <a:endParaRPr lang="en-US" sz="2990" b="0" dirty="0">
+              <a:endParaRPr lang="en-US" sz="3400" b="0">
                 <a:solidFill>
                   <a:schemeClr val="tx1"/>
                 </a:solidFill>
@@ -7206,7 +6199,7 @@
                 <a:buFont typeface="Arial" panose="020B0604020202020204" pitchFamily="34" charset="0"/>
                 <a:buChar char="•"/>
               </a:pPr>
-              <a:endParaRPr lang="en-US" sz="2990" b="0" dirty="0">
+              <a:endParaRPr lang="en-US" sz="3400" b="0">
                 <a:solidFill>
                   <a:schemeClr val="tx1"/>
                 </a:solidFill>
@@ -7223,7 +6216,7 @@
                 <a:buFont typeface="Arial" panose="020B0604020202020204" pitchFamily="34" charset="0"/>
                 <a:buChar char="•"/>
               </a:pPr>
-              <a:endParaRPr lang="en-US" sz="2990" b="0" dirty="0">
+              <a:endParaRPr lang="en-US" sz="3400" b="0">
                 <a:solidFill>
                   <a:schemeClr val="tx1"/>
                 </a:solidFill>
@@ -7240,7 +6233,7 @@
                 <a:buFont typeface="Arial" panose="020B0604020202020204" pitchFamily="34" charset="0"/>
                 <a:buChar char="•"/>
               </a:pPr>
-              <a:endParaRPr lang="en-US" sz="2990" b="0" dirty="0">
+              <a:endParaRPr lang="en-US" sz="3400" b="0">
                 <a:solidFill>
                   <a:schemeClr val="tx1"/>
                 </a:solidFill>
@@ -7257,7 +6250,7 @@
                 <a:buFont typeface="Arial" panose="020B0604020202020204" pitchFamily="34" charset="0"/>
                 <a:buChar char="•"/>
               </a:pPr>
-              <a:endParaRPr lang="en-US" sz="2990" b="0" dirty="0">
+              <a:endParaRPr lang="en-US" sz="3400" b="0">
                 <a:solidFill>
                   <a:schemeClr val="tx1"/>
                 </a:solidFill>
@@ -7274,7 +6267,7 @@
                 <a:buFont typeface="Arial" panose="020B0604020202020204" pitchFamily="34" charset="0"/>
                 <a:buChar char="•"/>
               </a:pPr>
-              <a:endParaRPr lang="en-US" sz="2990" b="0" dirty="0">
+              <a:endParaRPr lang="en-US" sz="3400" b="0">
                 <a:solidFill>
                   <a:schemeClr val="tx1"/>
                 </a:solidFill>
@@ -7291,7 +6284,7 @@
                 <a:buFont typeface="Arial" panose="020B0604020202020204" pitchFamily="34" charset="0"/>
                 <a:buChar char="•"/>
               </a:pPr>
-              <a:endParaRPr lang="en-US" sz="2990" b="0" dirty="0">
+              <a:endParaRPr lang="en-US" sz="3400" b="0">
                 <a:solidFill>
                   <a:schemeClr val="tx1"/>
                 </a:solidFill>
@@ -7308,7 +6301,7 @@
                 <a:buFont typeface="Arial" panose="020B0604020202020204" pitchFamily="34" charset="0"/>
                 <a:buChar char="•"/>
               </a:pPr>
-              <a:endParaRPr lang="en-US" sz="2990" b="0" dirty="0">
+              <a:endParaRPr lang="en-US" sz="3400" b="0">
                 <a:solidFill>
                   <a:schemeClr val="tx1"/>
                 </a:solidFill>
@@ -7325,7 +6318,7 @@
                 <a:buFont typeface="Arial" panose="020B0604020202020204" pitchFamily="34" charset="0"/>
                 <a:buChar char="•"/>
               </a:pPr>
-              <a:endParaRPr lang="en-US" sz="2990" b="0" dirty="0">
+              <a:endParaRPr lang="en-US" sz="3400" b="0">
                 <a:solidFill>
                   <a:schemeClr val="tx1"/>
                 </a:solidFill>
@@ -7342,7 +6335,7 @@
                 <a:buFont typeface="Arial" panose="020B0604020202020204" pitchFamily="34" charset="0"/>
                 <a:buChar char="•"/>
               </a:pPr>
-              <a:endParaRPr lang="en-US" sz="2990" b="0" dirty="0">
+              <a:endParaRPr lang="en-US" sz="3400" b="0">
                 <a:solidFill>
                   <a:schemeClr val="tx1"/>
                 </a:solidFill>
@@ -7359,7 +6352,7 @@
                 <a:buFont typeface="Arial" panose="020B0604020202020204" pitchFamily="34" charset="0"/>
                 <a:buChar char="•"/>
               </a:pPr>
-              <a:endParaRPr lang="en-US" sz="2990" b="0" dirty="0">
+              <a:endParaRPr lang="en-US" sz="3400" b="0">
                 <a:solidFill>
                   <a:schemeClr val="tx1"/>
                 </a:solidFill>
@@ -7376,7 +6369,7 @@
                 <a:buFont typeface="Arial" panose="020B0604020202020204" pitchFamily="34" charset="0"/>
                 <a:buChar char="•"/>
               </a:pPr>
-              <a:endParaRPr lang="en-US" sz="2990" b="0" dirty="0">
+              <a:endParaRPr lang="en-US" sz="3400" b="0">
                 <a:solidFill>
                   <a:schemeClr val="tx1"/>
                 </a:solidFill>
@@ -7393,7 +6386,7 @@
                 <a:buFont typeface="Arial" panose="020B0604020202020204" pitchFamily="34" charset="0"/>
                 <a:buChar char="•"/>
               </a:pPr>
-              <a:endParaRPr lang="en-US" sz="2990" b="0" dirty="0">
+              <a:endParaRPr lang="en-US" sz="3400" b="0">
                 <a:solidFill>
                   <a:schemeClr val="tx1"/>
                 </a:solidFill>
@@ -7410,7 +6403,7 @@
                 <a:buFont typeface="Arial" panose="020B0604020202020204" pitchFamily="34" charset="0"/>
                 <a:buChar char="•"/>
               </a:pPr>
-              <a:endParaRPr lang="en-US" sz="2990" b="0" dirty="0">
+              <a:endParaRPr lang="en-US" sz="3400" b="0">
                 <a:solidFill>
                   <a:schemeClr val="tx1"/>
                 </a:solidFill>
@@ -7427,7 +6420,7 @@
                 <a:buFont typeface="Arial" panose="020B0604020202020204" pitchFamily="34" charset="0"/>
                 <a:buChar char="•"/>
               </a:pPr>
-              <a:endParaRPr lang="en-US" sz="2990" b="0" dirty="0">
+              <a:endParaRPr lang="en-US" sz="3400" b="0">
                 <a:solidFill>
                   <a:schemeClr val="tx1"/>
                 </a:solidFill>
@@ -7444,7 +6437,7 @@
                 <a:buFont typeface="Arial" panose="020B0604020202020204" pitchFamily="34" charset="0"/>
                 <a:buChar char="•"/>
               </a:pPr>
-              <a:endParaRPr lang="en-US" sz="2990" b="0" dirty="0">
+              <a:endParaRPr lang="en-US" sz="3400" b="0">
                 <a:solidFill>
                   <a:schemeClr val="tx1"/>
                 </a:solidFill>
@@ -7461,24 +6454,7 @@
                 <a:buFont typeface="Arial" panose="020B0604020202020204" pitchFamily="34" charset="0"/>
                 <a:buChar char="•"/>
               </a:pPr>
-              <a:endParaRPr lang="en-US" sz="2990" b="0" dirty="0">
-                <a:solidFill>
-                  <a:schemeClr val="tx1"/>
-                </a:solidFill>
-                <a:latin typeface="Arial" panose="020B0604020202020204" pitchFamily="34" charset="0"/>
-                <a:cs typeface="Arial" panose="020B0604020202020204" pitchFamily="34" charset="0"/>
-              </a:endParaRPr>
-            </a:p>
-            <a:p>
-              <a:pPr marL="956234" lvl="1" indent="-514350" algn="just" rtl="0">
-                <a:spcBef>
-                  <a:spcPts val="1682"/>
-                </a:spcBef>
-                <a:buSzPct val="125000"/>
-                <a:buFont typeface="Arial" panose="020B0604020202020204" pitchFamily="34" charset="0"/>
-                <a:buChar char="•"/>
-              </a:pPr>
-              <a:endParaRPr lang="en-US" sz="2990" b="0" dirty="0">
+              <a:endParaRPr lang="en-US" sz="2990" b="0">
                 <a:solidFill>
                   <a:schemeClr val="tx1"/>
                 </a:solidFill>
@@ -7494,7 +6470,7 @@
                 <a:buSzPct val="125000"/>
               </a:pPr>
               <a:br>
-                <a:rPr lang="en-US" sz="2990" b="0" dirty="0">
+                <a:rPr lang="en-US" sz="2990" b="0">
                   <a:solidFill>
                     <a:schemeClr val="tx1"/>
                   </a:solidFill>
@@ -7503,7 +6479,7 @@
                 </a:rPr>
               </a:br>
               <a:br>
-                <a:rPr lang="en-US" sz="2990" b="0" dirty="0">
+                <a:rPr lang="en-US" sz="2990" b="0">
                   <a:solidFill>
                     <a:schemeClr val="tx1"/>
                   </a:solidFill>
@@ -7512,7 +6488,7 @@
                 </a:rPr>
               </a:br>
               <a:br>
-                <a:rPr lang="en-US" sz="2990" b="0" dirty="0">
+                <a:rPr lang="en-US" sz="2990" b="0">
                   <a:solidFill>
                     <a:schemeClr val="tx1"/>
                   </a:solidFill>
@@ -7520,7 +6496,7 @@
                   <a:cs typeface="Arial" panose="020B0604020202020204" pitchFamily="34" charset="0"/>
                 </a:rPr>
               </a:br>
-              <a:endParaRPr lang="en-US" sz="2990" b="0" dirty="0">
+              <a:endParaRPr lang="en-US" sz="2990" b="0">
                 <a:solidFill>
                   <a:schemeClr val="tx1"/>
                 </a:solidFill>
@@ -7537,7 +6513,7 @@
                 <a:buFont typeface="+mj-lt"/>
                 <a:buAutoNum type="arabicPeriod"/>
               </a:pPr>
-              <a:endParaRPr lang="en-US" sz="2990" b="0" dirty="0">
+              <a:endParaRPr lang="en-US" sz="2990" b="0">
                 <a:solidFill>
                   <a:schemeClr val="tx1"/>
                 </a:solidFill>
@@ -7554,7 +6530,7 @@
                 <a:buFont typeface="+mj-lt"/>
                 <a:buAutoNum type="arabicPeriod"/>
               </a:pPr>
-              <a:endParaRPr lang="en-US" sz="2990" b="0" dirty="0">
+              <a:endParaRPr lang="en-US" sz="2990" b="0">
                 <a:solidFill>
                   <a:schemeClr val="tx1"/>
                 </a:solidFill>
@@ -7571,7 +6547,7 @@
                 <a:buFont typeface="+mj-lt"/>
                 <a:buAutoNum type="arabicPeriod"/>
               </a:pPr>
-              <a:endParaRPr lang="en-US" sz="2990" b="0" dirty="0">
+              <a:endParaRPr lang="en-US" sz="2990" b="0">
                 <a:solidFill>
                   <a:schemeClr val="tx1"/>
                 </a:solidFill>
@@ -7587,7 +6563,7 @@
                 <a:buSzPct val="125000"/>
               </a:pPr>
               <a:br>
-                <a:rPr lang="en-US" sz="2990" b="0" dirty="0">
+                <a:rPr lang="en-US" sz="2990" b="0">
                   <a:solidFill>
                     <a:schemeClr val="tx1"/>
                   </a:solidFill>
@@ -7595,7 +6571,7 @@
                   <a:cs typeface="Arial" panose="020B0604020202020204" pitchFamily="34" charset="0"/>
                 </a:rPr>
               </a:br>
-              <a:endParaRPr lang="en-US" sz="2990" b="0" dirty="0">
+              <a:endParaRPr lang="en-US" sz="2990" b="0">
                 <a:solidFill>
                   <a:schemeClr val="tx1"/>
                 </a:solidFill>
@@ -7674,10 +6650,10 @@
         </p:nvGrpSpPr>
         <p:grpSpPr>
           <a:xfrm>
-            <a:off x="719885" y="8219281"/>
-            <a:ext cx="28926115" cy="29551884"/>
-            <a:chOff x="719885" y="14754032"/>
-            <a:chExt cx="28926115" cy="31844733"/>
+            <a:off x="735026" y="8219288"/>
+            <a:ext cx="28910974" cy="29442121"/>
+            <a:chOff x="735026" y="14754033"/>
+            <a:chExt cx="28910974" cy="31726441"/>
           </a:xfrm>
         </p:grpSpPr>
         <p:sp>
@@ -7690,7 +6666,7 @@
           </p:nvSpPr>
           <p:spPr bwMode="auto">
             <a:xfrm>
-              <a:off x="20676403" y="15145658"/>
+              <a:off x="20676402" y="14948807"/>
               <a:ext cx="8475042" cy="1009048"/>
             </a:xfrm>
             <a:prstGeom prst="rect">
@@ -7726,7 +6702,7 @@
             <a:p>
               <a:pPr algn="l" defTabSz="3900819" rtl="0"/>
               <a:r>
-                <a:rPr lang="en-US" sz="5400" dirty="0">
+                <a:rPr lang="en-US" sz="5400">
                   <a:solidFill>
                     <a:srgbClr val="C00000"/>
                   </a:solidFill>
@@ -7787,7 +6763,7 @@
                   <a:spcPts val="1682"/>
                 </a:spcBef>
               </a:pPr>
-              <a:endParaRPr lang="en-US" sz="2990" b="0" dirty="0">
+              <a:endParaRPr lang="en-US" sz="2990" b="0">
                 <a:solidFill>
                   <a:schemeClr val="tx1"/>
                 </a:solidFill>
@@ -7801,7 +6777,7 @@
                   <a:spcPts val="1682"/>
                 </a:spcBef>
               </a:pPr>
-              <a:endParaRPr lang="en-US" sz="2990" b="0" dirty="0">
+              <a:endParaRPr lang="en-US" sz="2990" b="0">
                 <a:solidFill>
                   <a:schemeClr val="tx1"/>
                 </a:solidFill>
@@ -7819,8 +6795,8 @@
           </p:nvSpPr>
           <p:spPr>
             <a:xfrm>
-              <a:off x="20286000" y="14754032"/>
-              <a:ext cx="9360000" cy="19525649"/>
+              <a:off x="20286000" y="14754033"/>
+              <a:ext cx="9360000" cy="19092572"/>
             </a:xfrm>
             <a:prstGeom prst="roundRect">
               <a:avLst>
@@ -7875,7 +6851,7 @@
           </p:nvSpPr>
           <p:spPr bwMode="auto">
             <a:xfrm>
-              <a:off x="719885" y="45594287"/>
+              <a:off x="735026" y="45475996"/>
               <a:ext cx="9119291" cy="1004478"/>
             </a:xfrm>
             <a:prstGeom prst="rect">
@@ -7915,14 +6891,14 @@
                 </a:spcBef>
               </a:pPr>
               <a:r>
-                <a:rPr lang="en-US" sz="2800" b="0" dirty="0">
+                <a:rPr lang="en-US" sz="2800" b="0">
                   <a:solidFill>
                     <a:schemeClr val="tx1"/>
                   </a:solidFill>
                   <a:latin typeface="Arial" panose="020B0604020202020204" pitchFamily="34" charset="0"/>
                   <a:cs typeface="Arial" panose="020B0604020202020204" pitchFamily="34" charset="0"/>
                 </a:rPr>
-                <a:t>Drone only binary map</a:t>
+                <a:t>Known drone position ground truth</a:t>
               </a:r>
             </a:p>
           </p:txBody>
@@ -8082,8 +7058,8 @@
         </p:nvSpPr>
         <p:spPr bwMode="auto">
           <a:xfrm>
-            <a:off x="1193006" y="37429606"/>
-            <a:ext cx="8464469" cy="1524889"/>
+            <a:off x="1040500" y="37213681"/>
+            <a:ext cx="8358431" cy="1524889"/>
           </a:xfrm>
           <a:prstGeom prst="rect">
             <a:avLst/>
@@ -8118,14 +7094,14 @@
           <a:p>
             <a:pPr algn="l" defTabSz="3900819" rtl="0"/>
             <a:r>
-              <a:rPr lang="en-US" sz="5400" dirty="0">
+              <a:rPr lang="en-US" sz="5400">
                 <a:solidFill>
                   <a:srgbClr val="C00000"/>
                 </a:solidFill>
                 <a:latin typeface="Arial" panose="020B0604020202020204" pitchFamily="34" charset="0"/>
                 <a:cs typeface="Arial" panose="020B0604020202020204" pitchFamily="34" charset="0"/>
               </a:rPr>
-              <a:t>Network performance requirements</a:t>
+              <a:t>Performance</a:t>
             </a:r>
           </a:p>
         </p:txBody>
@@ -8146,8 +7122,8 @@
         </p:nvSpPr>
         <p:spPr bwMode="auto">
           <a:xfrm>
-            <a:off x="10596051" y="20099972"/>
-            <a:ext cx="8818420" cy="2180745"/>
+            <a:off x="10638665" y="23048373"/>
+            <a:ext cx="8734349" cy="2180745"/>
           </a:xfrm>
           <a:prstGeom prst="rect">
             <a:avLst/>
@@ -8185,24 +7161,14 @@
               <a:buChar char="§"/>
             </a:pPr>
             <a:r>
-              <a:rPr lang="en-US" sz="3600" b="0" dirty="0">
+              <a:rPr lang="en-US" sz="3400" b="0">
                 <a:solidFill>
                   <a:schemeClr val="tx1"/>
                 </a:solidFill>
                 <a:latin typeface="Arial" panose="020B0604020202020204" pitchFamily="34" charset="0"/>
                 <a:cs typeface="Arial" panose="020B0604020202020204" pitchFamily="34" charset="0"/>
               </a:rPr>
-              <a:t>We split the dataset videos into single frames and used the binary map to locate bounding boxes of the objects</a:t>
-            </a:r>
-            <a:r>
-              <a:rPr lang="en-US" sz="4000" b="0" dirty="0">
-                <a:solidFill>
-                  <a:schemeClr val="tx1"/>
-                </a:solidFill>
-                <a:latin typeface="Arial" panose="020B0604020202020204" pitchFamily="34" charset="0"/>
-                <a:cs typeface="Arial" panose="020B0604020202020204" pitchFamily="34" charset="0"/>
-              </a:rPr>
-              <a:t>.</a:t>
+              <a:t>We’ve split the dataset videos into single frames and used the binary map to locate bounding boxes of the objects.</a:t>
             </a:r>
           </a:p>
         </p:txBody>
@@ -8221,8 +7187,8 @@
         </p:nvGrpSpPr>
         <p:grpSpPr>
           <a:xfrm>
-            <a:off x="20237295" y="26643898"/>
-            <a:ext cx="9395854" cy="9413462"/>
+            <a:off x="20237295" y="26094290"/>
+            <a:ext cx="9395854" cy="9043953"/>
             <a:chOff x="629999" y="33254220"/>
             <a:chExt cx="9360000" cy="7828452"/>
           </a:xfrm>
@@ -8278,7 +7244,7 @@
             <a:lstStyle/>
             <a:p>
               <a:pPr algn="l" defTabSz="3900819" rtl="0"/>
-              <a:endParaRPr lang="en-US" sz="5139" dirty="0">
+              <a:endParaRPr lang="en-US" sz="5139">
                 <a:solidFill>
                   <a:schemeClr val="tx1"/>
                 </a:solidFill>
@@ -8400,7 +7366,7 @@
                 <a:buFont typeface="Arial" pitchFamily="34" charset="0"/>
                 <a:buChar char="•"/>
               </a:pPr>
-              <a:endParaRPr lang="en-US" sz="2990" b="0" dirty="0">
+              <a:endParaRPr lang="en-US" sz="2990" b="0">
                 <a:solidFill>
                   <a:schemeClr val="tx1"/>
                 </a:solidFill>
@@ -8416,7 +7382,7 @@
                 <a:buSzPct val="125000"/>
               </a:pPr>
               <a:br>
-                <a:rPr lang="en-US" sz="2990" b="0" dirty="0">
+                <a:rPr lang="en-US" sz="2990" b="0">
                   <a:solidFill>
                     <a:schemeClr val="tx1"/>
                   </a:solidFill>
@@ -8424,7 +7390,7 @@
                   <a:cs typeface="Arial" panose="020B0604020202020204" pitchFamily="34" charset="0"/>
                 </a:rPr>
               </a:br>
-              <a:endParaRPr lang="en-US" sz="2990" b="0" dirty="0">
+              <a:endParaRPr lang="en-US" sz="2990" b="0">
                 <a:solidFill>
                   <a:schemeClr val="tx1"/>
                 </a:solidFill>
@@ -8485,7 +7451,7 @@
             <a:lstStyle/>
             <a:p>
               <a:pPr algn="l" defTabSz="3900819" rtl="0"/>
-              <a:endParaRPr lang="en-US" sz="5139" dirty="0">
+              <a:endParaRPr lang="en-US" sz="5139">
                 <a:solidFill>
                   <a:schemeClr val="tx1"/>
                 </a:solidFill>
@@ -8553,7 +7519,7 @@
                 <a:buFont typeface="Arial" pitchFamily="34" charset="0"/>
                 <a:buChar char="•"/>
               </a:pPr>
-              <a:endParaRPr lang="en-US" sz="2990" b="0" dirty="0">
+              <a:endParaRPr lang="en-US" sz="2990" b="0">
                 <a:solidFill>
                   <a:schemeClr val="tx1"/>
                 </a:solidFill>
@@ -8620,7 +7586,7 @@
               </a:spcBef>
             </a:pPr>
             <a:r>
-              <a:rPr lang="en-US" sz="2800" b="0" dirty="0">
+              <a:rPr lang="en-US" sz="2800" b="0">
                 <a:solidFill>
                   <a:schemeClr val="tx1"/>
                 </a:solidFill>
@@ -9087,436 +8053,6 @@
           </p:spPr>
         </p:cxnSp>
       </p:grpSp>
-      <p:grpSp>
-        <p:nvGrpSpPr>
-          <p:cNvPr id="21" name="Group 20">
-            <a:extLst>
-              <a:ext uri="{FF2B5EF4-FFF2-40B4-BE49-F238E27FC236}">
-                <a16:creationId xmlns:a16="http://schemas.microsoft.com/office/drawing/2014/main" id="{9CCCCC9C-22D1-4852-B2AE-1B05B03D4A0A}"/>
-              </a:ext>
-            </a:extLst>
-          </p:cNvPr>
-          <p:cNvGrpSpPr/>
-          <p:nvPr/>
-        </p:nvGrpSpPr>
-        <p:grpSpPr>
-          <a:xfrm>
-            <a:off x="10481959" y="12831679"/>
-            <a:ext cx="9227646" cy="6060892"/>
-            <a:chOff x="10481960" y="12369190"/>
-            <a:chExt cx="9227646" cy="6060892"/>
-          </a:xfrm>
-        </p:grpSpPr>
-        <p:pic>
-          <p:nvPicPr>
-            <p:cNvPr id="92" name="Picture 91" descr="modern_gpus">
-              <a:extLst>
-                <a:ext uri="{FF2B5EF4-FFF2-40B4-BE49-F238E27FC236}">
-                  <a16:creationId xmlns:a16="http://schemas.microsoft.com/office/drawing/2014/main" id="{39D47C8D-5BD4-4822-9683-F39E5B4EF72A}"/>
-                </a:ext>
-              </a:extLst>
-            </p:cNvPr>
-            <p:cNvPicPr/>
-            <p:nvPr/>
-          </p:nvPicPr>
-          <p:blipFill>
-            <a:blip r:embed="rId10">
-              <a:extLst>
-                <a:ext uri="{28A0092B-C50C-407E-A947-70E740481C1C}">
-                  <a14:useLocalDpi xmlns:a14="http://schemas.microsoft.com/office/drawing/2010/main" val="0"/>
-                </a:ext>
-              </a:extLst>
-            </a:blip>
-            <a:stretch>
-              <a:fillRect/>
-            </a:stretch>
-          </p:blipFill>
-          <p:spPr>
-            <a:xfrm>
-              <a:off x="10481960" y="12369190"/>
-              <a:ext cx="9227646" cy="6060892"/>
-            </a:xfrm>
-            <a:prstGeom prst="rect">
-              <a:avLst/>
-            </a:prstGeom>
-          </p:spPr>
-        </p:pic>
-        <p:cxnSp>
-          <p:nvCxnSpPr>
-            <p:cNvPr id="93" name="Straight Arrow Connector 92">
-              <a:extLst>
-                <a:ext uri="{FF2B5EF4-FFF2-40B4-BE49-F238E27FC236}">
-                  <a16:creationId xmlns:a16="http://schemas.microsoft.com/office/drawing/2014/main" id="{6E86E67F-25D9-4518-8AC9-E356CE2B0263}"/>
-                </a:ext>
-              </a:extLst>
-            </p:cNvPr>
-            <p:cNvCxnSpPr>
-              <a:cxnSpLocks/>
-            </p:cNvCxnSpPr>
-            <p:nvPr/>
-          </p:nvCxnSpPr>
-          <p:spPr>
-            <a:xfrm flipH="1">
-              <a:off x="13385006" y="13470936"/>
-              <a:ext cx="621979" cy="362306"/>
-            </a:xfrm>
-            <a:prstGeom prst="straightConnector1">
-              <a:avLst/>
-            </a:prstGeom>
-            <a:ln>
-              <a:solidFill>
-                <a:srgbClr val="FF0000"/>
-              </a:solidFill>
-              <a:tailEnd type="triangle"/>
-            </a:ln>
-          </p:spPr>
-          <p:style>
-            <a:lnRef idx="1">
-              <a:schemeClr val="accent1"/>
-            </a:lnRef>
-            <a:fillRef idx="0">
-              <a:schemeClr val="accent1"/>
-            </a:fillRef>
-            <a:effectRef idx="0">
-              <a:schemeClr val="accent1"/>
-            </a:effectRef>
-            <a:fontRef idx="minor">
-              <a:schemeClr val="tx1"/>
-            </a:fontRef>
-          </p:style>
-        </p:cxnSp>
-        <p:sp>
-          <p:nvSpPr>
-            <p:cNvPr id="94" name="Rectangle 93">
-              <a:extLst>
-                <a:ext uri="{FF2B5EF4-FFF2-40B4-BE49-F238E27FC236}">
-                  <a16:creationId xmlns:a16="http://schemas.microsoft.com/office/drawing/2014/main" id="{113D3049-13A1-4E52-B866-BCABDFE85C9A}"/>
-                </a:ext>
-              </a:extLst>
-            </p:cNvPr>
-            <p:cNvSpPr/>
-            <p:nvPr/>
-          </p:nvSpPr>
-          <p:spPr>
-            <a:xfrm>
-              <a:off x="13994606" y="13452242"/>
-              <a:ext cx="912178" cy="389573"/>
-            </a:xfrm>
-            <a:prstGeom prst="rect">
-              <a:avLst/>
-            </a:prstGeom>
-          </p:spPr>
-          <p:style>
-            <a:lnRef idx="2">
-              <a:schemeClr val="dk1"/>
-            </a:lnRef>
-            <a:fillRef idx="1">
-              <a:schemeClr val="lt1"/>
-            </a:fillRef>
-            <a:effectRef idx="0">
-              <a:schemeClr val="dk1"/>
-            </a:effectRef>
-            <a:fontRef idx="minor">
-              <a:schemeClr val="dk1"/>
-            </a:fontRef>
-          </p:style>
-          <p:txBody>
-            <a:bodyPr rot="0" spcFirstLastPara="0" vert="horz" wrap="square" lIns="91440" tIns="45720" rIns="91440" bIns="45720" numCol="1" spcCol="0" rtlCol="0" fromWordArt="0" anchor="ctr" anchorCtr="0" forceAA="0" compatLnSpc="1">
-              <a:prstTxWarp prst="textNoShape">
-                <a:avLst/>
-              </a:prstTxWarp>
-              <a:noAutofit/>
-            </a:bodyPr>
-            <a:lstStyle/>
-            <a:p>
-              <a:pPr algn="ctr">
-                <a:lnSpc>
-                  <a:spcPct val="150000"/>
-                </a:lnSpc>
-                <a:spcAft>
-                  <a:spcPts val="0"/>
-                </a:spcAft>
-              </a:pPr>
-              <a:r>
-                <a:rPr lang="en-US" sz="1100" dirty="0">
-                  <a:solidFill>
-                    <a:schemeClr val="tx1"/>
-                  </a:solidFill>
-                  <a:effectLst/>
-                  <a:ea typeface="Calibri" panose="020F0502020204030204" pitchFamily="34" charset="0"/>
-                  <a:cs typeface="Arial" panose="020B0604020202020204" pitchFamily="34" charset="0"/>
-                </a:rPr>
-                <a:t>YOLOV4</a:t>
-              </a:r>
-            </a:p>
-          </p:txBody>
-        </p:sp>
-        <p:cxnSp>
-          <p:nvCxnSpPr>
-            <p:cNvPr id="95" name="Straight Arrow Connector 94">
-              <a:extLst>
-                <a:ext uri="{FF2B5EF4-FFF2-40B4-BE49-F238E27FC236}">
-                  <a16:creationId xmlns:a16="http://schemas.microsoft.com/office/drawing/2014/main" id="{6C29527D-010F-4B6A-B705-6F63AF25826C}"/>
-                </a:ext>
-              </a:extLst>
-            </p:cNvPr>
-            <p:cNvCxnSpPr>
-              <a:cxnSpLocks/>
-            </p:cNvCxnSpPr>
-            <p:nvPr/>
-          </p:nvCxnSpPr>
-          <p:spPr>
-            <a:xfrm flipH="1">
-              <a:off x="18124923" y="13296706"/>
-              <a:ext cx="621979" cy="362306"/>
-            </a:xfrm>
-            <a:prstGeom prst="straightConnector1">
-              <a:avLst/>
-            </a:prstGeom>
-            <a:ln>
-              <a:solidFill>
-                <a:srgbClr val="FF0000"/>
-              </a:solidFill>
-              <a:tailEnd type="triangle"/>
-            </a:ln>
-          </p:spPr>
-          <p:style>
-            <a:lnRef idx="1">
-              <a:schemeClr val="accent1"/>
-            </a:lnRef>
-            <a:fillRef idx="0">
-              <a:schemeClr val="accent1"/>
-            </a:fillRef>
-            <a:effectRef idx="0">
-              <a:schemeClr val="accent1"/>
-            </a:effectRef>
-            <a:fontRef idx="minor">
-              <a:schemeClr val="tx1"/>
-            </a:fontRef>
-          </p:style>
-        </p:cxnSp>
-        <p:sp>
-          <p:nvSpPr>
-            <p:cNvPr id="96" name="Rectangle 95">
-              <a:extLst>
-                <a:ext uri="{FF2B5EF4-FFF2-40B4-BE49-F238E27FC236}">
-                  <a16:creationId xmlns:a16="http://schemas.microsoft.com/office/drawing/2014/main" id="{4EEF60F1-98D4-4BA0-BC31-417F0DA371F8}"/>
-                </a:ext>
-              </a:extLst>
-            </p:cNvPr>
-            <p:cNvSpPr/>
-            <p:nvPr/>
-          </p:nvSpPr>
-          <p:spPr>
-            <a:xfrm>
-              <a:off x="18734523" y="13278012"/>
-              <a:ext cx="912178" cy="389573"/>
-            </a:xfrm>
-            <a:prstGeom prst="rect">
-              <a:avLst/>
-            </a:prstGeom>
-          </p:spPr>
-          <p:style>
-            <a:lnRef idx="2">
-              <a:schemeClr val="dk1"/>
-            </a:lnRef>
-            <a:fillRef idx="1">
-              <a:schemeClr val="lt1"/>
-            </a:fillRef>
-            <a:effectRef idx="0">
-              <a:schemeClr val="dk1"/>
-            </a:effectRef>
-            <a:fontRef idx="minor">
-              <a:schemeClr val="dk1"/>
-            </a:fontRef>
-          </p:style>
-          <p:txBody>
-            <a:bodyPr rot="0" spcFirstLastPara="0" vert="horz" wrap="square" lIns="91440" tIns="45720" rIns="91440" bIns="45720" numCol="1" spcCol="0" rtlCol="0" fromWordArt="0" anchor="ctr" anchorCtr="0" forceAA="0" compatLnSpc="1">
-              <a:prstTxWarp prst="textNoShape">
-                <a:avLst/>
-              </a:prstTxWarp>
-              <a:noAutofit/>
-            </a:bodyPr>
-            <a:lstStyle/>
-            <a:p>
-              <a:pPr algn="ctr">
-                <a:lnSpc>
-                  <a:spcPct val="150000"/>
-                </a:lnSpc>
-                <a:spcAft>
-                  <a:spcPts val="0"/>
-                </a:spcAft>
-              </a:pPr>
-              <a:r>
-                <a:rPr lang="en-US" sz="1100" dirty="0">
-                  <a:solidFill>
-                    <a:schemeClr val="tx1"/>
-                  </a:solidFill>
-                  <a:effectLst/>
-                  <a:ea typeface="Calibri" panose="020F0502020204030204" pitchFamily="34" charset="0"/>
-                  <a:cs typeface="Arial" panose="020B0604020202020204" pitchFamily="34" charset="0"/>
-                </a:rPr>
-                <a:t>YOLOV4</a:t>
-              </a:r>
-            </a:p>
-          </p:txBody>
-        </p:sp>
-      </p:grpSp>
-      <p:pic>
-        <p:nvPicPr>
-          <p:cNvPr id="15" name="Picture 14">
-            <a:extLst>
-              <a:ext uri="{FF2B5EF4-FFF2-40B4-BE49-F238E27FC236}">
-                <a16:creationId xmlns:a16="http://schemas.microsoft.com/office/drawing/2014/main" id="{889BF1DB-9F2D-4883-B1A6-EDD2EB173602}"/>
-              </a:ext>
-            </a:extLst>
-          </p:cNvPr>
-          <p:cNvPicPr>
-            <a:picLocks noChangeAspect="1"/>
-          </p:cNvPicPr>
-          <p:nvPr/>
-        </p:nvPicPr>
-        <p:blipFill>
-          <a:blip r:embed="rId11"/>
-          <a:stretch>
-            <a:fillRect/>
-          </a:stretch>
-        </p:blipFill>
-        <p:spPr>
-          <a:xfrm>
-            <a:off x="10648030" y="22463277"/>
-            <a:ext cx="8979147" cy="4534025"/>
-          </a:xfrm>
-          <a:prstGeom prst="rect">
-            <a:avLst/>
-          </a:prstGeom>
-        </p:spPr>
-      </p:pic>
-      <p:pic>
-        <p:nvPicPr>
-          <p:cNvPr id="18" name="Picture 17">
-            <a:extLst>
-              <a:ext uri="{FF2B5EF4-FFF2-40B4-BE49-F238E27FC236}">
-                <a16:creationId xmlns:a16="http://schemas.microsoft.com/office/drawing/2014/main" id="{6CB629BE-7052-4338-9CC7-5FA11E1D0784}"/>
-              </a:ext>
-            </a:extLst>
-          </p:cNvPr>
-          <p:cNvPicPr>
-            <a:picLocks noChangeAspect="1"/>
-          </p:cNvPicPr>
-          <p:nvPr/>
-        </p:nvPicPr>
-        <p:blipFill>
-          <a:blip r:embed="rId12"/>
-          <a:stretch>
-            <a:fillRect/>
-          </a:stretch>
-        </p:blipFill>
-        <p:spPr>
-          <a:xfrm>
-            <a:off x="10803633" y="30874914"/>
-            <a:ext cx="8548641" cy="8341263"/>
-          </a:xfrm>
-          <a:prstGeom prst="rect">
-            <a:avLst/>
-          </a:prstGeom>
-        </p:spPr>
-      </p:pic>
-      <p:sp>
-        <p:nvSpPr>
-          <p:cNvPr id="4" name="Rectangle 3">
-            <a:extLst>
-              <a:ext uri="{FF2B5EF4-FFF2-40B4-BE49-F238E27FC236}">
-                <a16:creationId xmlns:a16="http://schemas.microsoft.com/office/drawing/2014/main" id="{ABA4EA99-7B8C-44D9-837C-1F7BE8A014AE}"/>
-              </a:ext>
-            </a:extLst>
-          </p:cNvPr>
-          <p:cNvSpPr/>
-          <p:nvPr/>
-        </p:nvSpPr>
-        <p:spPr>
-          <a:xfrm>
-            <a:off x="840180" y="39056272"/>
-            <a:ext cx="8464469" cy="2190343"/>
-          </a:xfrm>
-          <a:prstGeom prst="rect">
-            <a:avLst/>
-          </a:prstGeom>
-        </p:spPr>
-        <p:txBody>
-          <a:bodyPr wrap="square">
-            <a:spAutoFit/>
-          </a:bodyPr>
-          <a:lstStyle/>
-          <a:p>
-            <a:pPr marL="1013384" lvl="1" indent="-571500" algn="just" rtl="0">
-              <a:spcBef>
-                <a:spcPts val="1682"/>
-              </a:spcBef>
-              <a:buSzPct val="125000"/>
-              <a:buFont typeface="Wingdings" panose="05000000000000000000" pitchFamily="2" charset="2"/>
-              <a:buChar char="§"/>
-            </a:pPr>
-            <a:r>
-              <a:rPr lang="en-US" sz="3600" b="0" dirty="0">
-                <a:solidFill>
-                  <a:schemeClr val="tx1"/>
-                </a:solidFill>
-                <a:latin typeface="Arial" panose="020B0604020202020204" pitchFamily="34" charset="0"/>
-                <a:cs typeface="Arial" panose="020B0604020202020204" pitchFamily="34" charset="0"/>
-              </a:rPr>
-              <a:t>FPS &gt;= 2</a:t>
-            </a:r>
-          </a:p>
-          <a:p>
-            <a:pPr marL="1013384" lvl="1" indent="-571500" algn="just" rtl="0">
-              <a:spcBef>
-                <a:spcPts val="1682"/>
-              </a:spcBef>
-              <a:buSzPct val="125000"/>
-              <a:buFont typeface="Wingdings" panose="05000000000000000000" pitchFamily="2" charset="2"/>
-              <a:buChar char="§"/>
-            </a:pPr>
-            <a:r>
-              <a:rPr lang="en-US" sz="3600" b="0" dirty="0">
-                <a:solidFill>
-                  <a:schemeClr val="tx1"/>
-                </a:solidFill>
-                <a:latin typeface="Arial" panose="020B0604020202020204" pitchFamily="34" charset="0"/>
-                <a:cs typeface="Arial" panose="020B0604020202020204" pitchFamily="34" charset="0"/>
-              </a:rPr>
-              <a:t>Low power consumption</a:t>
-            </a:r>
-            <a:endParaRPr lang="he-IL" sz="3600" b="0" dirty="0">
-              <a:solidFill>
-                <a:schemeClr val="tx1"/>
-              </a:solidFill>
-              <a:latin typeface="Arial" panose="020B0604020202020204" pitchFamily="34" charset="0"/>
-              <a:cs typeface="Arial" panose="020B0604020202020204" pitchFamily="34" charset="0"/>
-            </a:endParaRPr>
-          </a:p>
-          <a:p>
-            <a:pPr marL="1013384" lvl="1" indent="-571500" algn="just" rtl="0">
-              <a:spcBef>
-                <a:spcPts val="1682"/>
-              </a:spcBef>
-              <a:buSzPct val="125000"/>
-              <a:buFont typeface="Wingdings" panose="05000000000000000000" pitchFamily="2" charset="2"/>
-              <a:buChar char="§"/>
-            </a:pPr>
-            <a:r>
-              <a:rPr lang="en-US" sz="3600" b="0" dirty="0">
-                <a:solidFill>
-                  <a:schemeClr val="tx1"/>
-                </a:solidFill>
-                <a:latin typeface="Arial" panose="020B0604020202020204" pitchFamily="34" charset="0"/>
-                <a:cs typeface="Arial" panose="020B0604020202020204" pitchFamily="34" charset="0"/>
-              </a:rPr>
-              <a:t>High percentage of detection  </a:t>
-            </a:r>
-          </a:p>
-        </p:txBody>
-      </p:sp>
       <p:sp>
         <p:nvSpPr>
           <p:cNvPr id="5" name="Rectangle 4">
@@ -9546,7 +8082,7 @@
           <a:p>
             <a:pPr algn="l" defTabSz="3900819" rtl="0"/>
             <a:r>
-              <a:rPr lang="en-US" sz="5400" dirty="0">
+              <a:rPr lang="en-US" sz="5400">
                 <a:solidFill>
                   <a:srgbClr val="C00000"/>
                 </a:solidFill>
@@ -9556,7 +8092,7 @@
               <a:t>The selected Network</a:t>
             </a:r>
             <a:r>
-              <a:rPr lang="he-IL" sz="5400" dirty="0">
+              <a:rPr lang="he-IL" sz="5400">
                 <a:solidFill>
                   <a:srgbClr val="C00000"/>
                 </a:solidFill>
@@ -9566,7 +8102,7 @@
               <a:t> </a:t>
             </a:r>
             <a:r>
-              <a:rPr lang="en-US" sz="5400" dirty="0">
+              <a:rPr lang="en-US" sz="5400">
                 <a:solidFill>
                   <a:srgbClr val="C00000"/>
                 </a:solidFill>
@@ -9593,7 +8129,7 @@
         <p:spPr>
           <a:xfrm>
             <a:off x="10735999" y="10666546"/>
-            <a:ext cx="9064857" cy="1972335"/>
+            <a:ext cx="8963163" cy="4190891"/>
           </a:xfrm>
           <a:prstGeom prst="rect">
             <a:avLst/>
@@ -9614,7 +8150,7 @@
               <a:buChar char="§"/>
             </a:pPr>
             <a:r>
-              <a:rPr lang="en-US" sz="3600" b="0" dirty="0">
+              <a:rPr lang="en-US" sz="3400" b="0">
                 <a:solidFill>
                   <a:schemeClr val="tx1"/>
                 </a:solidFill>
@@ -9634,14 +8170,53 @@
               <a:buChar char="§"/>
             </a:pPr>
             <a:r>
-              <a:rPr lang="en-US" sz="3600" b="0" dirty="0">
+              <a:rPr lang="en-US" sz="3400" b="0">
                 <a:solidFill>
                   <a:schemeClr val="tx1"/>
                 </a:solidFill>
                 <a:latin typeface="Arial" panose="020B0604020202020204" pitchFamily="34" charset="0"/>
                 <a:cs typeface="Arial" panose="020B0604020202020204" pitchFamily="34" charset="0"/>
               </a:rPr>
-              <a:t>Best suited to our goals (FPS-Performance-Power)</a:t>
+              <a:t>Best suited to our goals: FPS, Performance and Power </a:t>
+            </a:r>
+          </a:p>
+          <a:p>
+            <a:pPr marL="457200" lvl="1" indent="-457200" algn="l" rtl="0">
+              <a:spcBef>
+                <a:spcPts val="1682"/>
+              </a:spcBef>
+              <a:buSzPct val="125000"/>
+              <a:buFont typeface="Wingdings" panose="05000000000000000000" pitchFamily="2" charset="2"/>
+              <a:buChar char="§"/>
+            </a:pPr>
+            <a:r>
+              <a:rPr lang="en-US" sz="3400" b="0">
+                <a:solidFill>
+                  <a:schemeClr val="tx1"/>
+                </a:solidFill>
+                <a:latin typeface="Arial" panose="020B0604020202020204" pitchFamily="34" charset="0"/>
+                <a:cs typeface="Arial" panose="020B0604020202020204" pitchFamily="34" charset="0"/>
+              </a:rPr>
+              <a:t>Performance-Accuracy tradeoff: </a:t>
+            </a:r>
+            <a:br>
+              <a:rPr lang="en-US" sz="3400" b="0">
+                <a:solidFill>
+                  <a:schemeClr val="tx1"/>
+                </a:solidFill>
+                <a:latin typeface="Arial" panose="020B0604020202020204" pitchFamily="34" charset="0"/>
+                <a:cs typeface="Arial" panose="020B0604020202020204" pitchFamily="34" charset="0"/>
+              </a:rPr>
+            </a:br>
+            <a:r>
+              <a:rPr lang="en-US" sz="3400" b="0">
+                <a:solidFill>
+                  <a:schemeClr val="tx1"/>
+                </a:solidFill>
+                <a:latin typeface="Arial" panose="020B0604020202020204" pitchFamily="34" charset="0"/>
+                <a:cs typeface="Arial" panose="020B0604020202020204" pitchFamily="34" charset="0"/>
+              </a:rPr>
+              <a:t>Partial use of information - detection per frame and not as a full video-set (loss of information but increased FPS)</a:t>
             </a:r>
           </a:p>
         </p:txBody>
@@ -9660,8 +8235,8 @@
         </p:nvSpPr>
         <p:spPr>
           <a:xfrm>
-            <a:off x="10648030" y="28192045"/>
-            <a:ext cx="8735465" cy="3080330"/>
+            <a:off x="10575539" y="30709174"/>
+            <a:ext cx="8938930" cy="2434000"/>
           </a:xfrm>
           <a:prstGeom prst="rect">
             <a:avLst/>
@@ -9682,7 +8257,7 @@
               <a:buChar char="§"/>
             </a:pPr>
             <a:r>
-              <a:rPr lang="en-US" sz="3600" b="0" dirty="0">
+              <a:rPr lang="en-US" sz="3400" b="0">
                 <a:solidFill>
                   <a:schemeClr val="tx1"/>
                 </a:solidFill>
@@ -9701,7 +8276,7 @@
               <a:buFont typeface="Wingdings" panose="05000000000000000000" pitchFamily="2" charset="2"/>
               <a:buChar char="§"/>
             </a:pPr>
-            <a:endParaRPr lang="en-US" sz="3600" b="0" dirty="0">
+            <a:endParaRPr lang="en-US" sz="3600" b="0">
               <a:solidFill>
                 <a:schemeClr val="tx1"/>
               </a:solidFill>
@@ -9727,7 +8302,7 @@
         </p:nvSpPr>
         <p:spPr bwMode="auto">
           <a:xfrm>
-            <a:off x="10375754" y="19167817"/>
+            <a:off x="10453081" y="22115045"/>
             <a:ext cx="9119291" cy="932155"/>
           </a:xfrm>
           <a:prstGeom prst="rect">
@@ -9767,7 +8342,7 @@
               </a:spcBef>
             </a:pPr>
             <a:r>
-              <a:rPr lang="en-US" sz="2800" b="0" dirty="0">
+              <a:rPr lang="en-US" sz="2800" b="0">
                 <a:solidFill>
                   <a:schemeClr val="tx1"/>
                 </a:solidFill>
@@ -9795,7 +8370,7 @@
         </p:nvSpPr>
         <p:spPr bwMode="auto">
           <a:xfrm>
-            <a:off x="10453081" y="27116126"/>
+            <a:off x="10427469" y="29641719"/>
             <a:ext cx="9119291" cy="932155"/>
           </a:xfrm>
           <a:prstGeom prst="rect">
@@ -9835,14 +8410,14 @@
               </a:spcBef>
             </a:pPr>
             <a:r>
-              <a:rPr lang="en-US" sz="2800" b="0" dirty="0">
+              <a:rPr lang="en-US" sz="2800" b="0">
                 <a:solidFill>
                   <a:schemeClr val="tx1"/>
                 </a:solidFill>
                 <a:latin typeface="Arial" panose="020B0604020202020204" pitchFamily="34" charset="0"/>
                 <a:cs typeface="Arial" panose="020B0604020202020204" pitchFamily="34" charset="0"/>
               </a:rPr>
-              <a:t>Yolo input requirement</a:t>
+              <a:t>Yolo input’s requirement</a:t>
             </a:r>
           </a:p>
         </p:txBody>
@@ -9863,7 +8438,7 @@
         </p:nvSpPr>
         <p:spPr bwMode="auto">
           <a:xfrm>
-            <a:off x="10579871" y="39391163"/>
+            <a:off x="10529324" y="38482310"/>
             <a:ext cx="9119291" cy="932155"/>
           </a:xfrm>
           <a:prstGeom prst="rect">
@@ -9912,13 +8487,6 @@
               </a:rPr>
               <a:t>Loss </a:t>
             </a:r>
-            <a:endParaRPr lang="en-US" sz="2800" b="0" dirty="0">
-              <a:solidFill>
-                <a:schemeClr val="tx1"/>
-              </a:solidFill>
-              <a:latin typeface="Arial" panose="020B0604020202020204" pitchFamily="34" charset="0"/>
-              <a:cs typeface="Arial" panose="020B0604020202020204" pitchFamily="34" charset="0"/>
-            </a:endParaRPr>
           </a:p>
         </p:txBody>
       </p:sp>
@@ -9936,8 +8504,8 @@
         </p:nvSpPr>
         <p:spPr>
           <a:xfrm>
-            <a:off x="10731462" y="39906404"/>
-            <a:ext cx="8763583" cy="1200329"/>
+            <a:off x="10703404" y="39525455"/>
+            <a:ext cx="8763583" cy="1138773"/>
           </a:xfrm>
           <a:prstGeom prst="rect">
             <a:avLst/>
@@ -9954,7 +8522,7 @@
               <a:buChar char="§"/>
             </a:pPr>
             <a:r>
-              <a:rPr lang="en-IL" sz="3600" b="0" dirty="0">
+              <a:rPr lang="en-IL" sz="3400" b="0">
                 <a:solidFill>
                   <a:schemeClr val="tx1"/>
                 </a:solidFill>
@@ -9962,7 +8530,7 @@
               <a:t>Result</a:t>
             </a:r>
             <a:r>
-              <a:rPr lang="en-US" sz="3600" b="0" dirty="0">
+              <a:rPr lang="en-US" sz="3400" b="0">
                 <a:solidFill>
                   <a:schemeClr val="tx1"/>
                 </a:solidFill>
@@ -9970,30 +8538,54 @@
               <a:t>s</a:t>
             </a:r>
             <a:r>
-              <a:rPr lang="en-IL" sz="3600" b="0" dirty="0">
+              <a:rPr lang="en-IL" sz="3400" b="0">
                 <a:solidFill>
                   <a:schemeClr val="tx1"/>
                 </a:solidFill>
               </a:rPr>
-              <a:t> for input size of 608X608 is 87% </a:t>
-            </a:r>
-            <a:r>
-              <a:rPr lang="en-IL" sz="3600" b="0" dirty="0" err="1">
+              <a:t> for input size of 608X608 is </a:t>
+            </a:r>
+            <a:r>
+              <a:rPr lang="en-US" sz="3400" b="0">
                 <a:solidFill>
                   <a:schemeClr val="tx1"/>
                 </a:solidFill>
               </a:rPr>
-              <a:t>mAP</a:t>
-            </a:r>
-            <a:r>
-              <a:rPr lang="en-US" sz="3600" b="0" dirty="0">
+              <a:t>96</a:t>
+            </a:r>
+            <a:r>
+              <a:rPr lang="en-IL" sz="3400" b="0">
                 <a:solidFill>
                   <a:schemeClr val="tx1"/>
                 </a:solidFill>
               </a:rPr>
-              <a:t>.</a:t>
-            </a:r>
-            <a:endParaRPr lang="en-IL" sz="3600" b="0" dirty="0">
+              <a:t>% mAP</a:t>
+            </a:r>
+            <a:r>
+              <a:rPr lang="en-US" sz="3400" b="0">
+                <a:solidFill>
+                  <a:schemeClr val="tx1"/>
+                </a:solidFill>
+              </a:rPr>
+              <a:t> on</a:t>
+            </a:r>
+            <a:r>
+              <a:rPr lang="en-US" sz="3400">
+                <a:solidFill>
+                  <a:schemeClr val="tx1"/>
+                </a:solidFill>
+              </a:rPr>
+              <a:t> synthesized </a:t>
+            </a:r>
+            <a:r>
+              <a:rPr lang="en-US" sz="3400" b="0">
+                <a:solidFill>
+                  <a:schemeClr val="tx1"/>
+                </a:solidFill>
+              </a:rPr>
+              <a:t>validation set</a:t>
+            </a:r>
+            <a:endParaRPr lang="en-IL" sz="3400" b="0">
               <a:solidFill>
                 <a:schemeClr val="tx1"/>
               </a:solidFill>
@@ -10015,9 +8607,9 @@
         </p:nvGrpSpPr>
         <p:grpSpPr>
           <a:xfrm>
-            <a:off x="20794579" y="11175797"/>
+            <a:off x="20863353" y="9895196"/>
             <a:ext cx="8318877" cy="6405683"/>
-            <a:chOff x="20789913" y="13781881"/>
+            <a:chOff x="20878506" y="13885092"/>
             <a:chExt cx="8318877" cy="6405683"/>
           </a:xfrm>
         </p:grpSpPr>
@@ -10035,9 +8627,9 @@
           </p:nvGrpSpPr>
           <p:grpSpPr>
             <a:xfrm>
-              <a:off x="20789913" y="13781881"/>
+              <a:off x="20878506" y="13885092"/>
               <a:ext cx="8318877" cy="6405683"/>
-              <a:chOff x="20790312" y="19512727"/>
+              <a:chOff x="20878905" y="19615938"/>
               <a:chExt cx="8318877" cy="6405683"/>
             </a:xfrm>
           </p:grpSpPr>
@@ -10054,7 +8646,7 @@
               <p:nvPr/>
             </p:nvPicPr>
             <p:blipFill>
-              <a:blip r:embed="rId13">
+              <a:blip r:embed="rId10">
                 <a:extLst>
                   <a:ext uri="{28A0092B-C50C-407E-A947-70E740481C1C}">
                     <a14:useLocalDpi xmlns:a14="http://schemas.microsoft.com/office/drawing/2010/main" val="0"/>
@@ -10067,7 +8659,7 @@
             </p:blipFill>
             <p:spPr>
               <a:xfrm>
-                <a:off x="20790312" y="19512727"/>
+                <a:off x="20878905" y="19615938"/>
                 <a:ext cx="8318877" cy="6405683"/>
               </a:xfrm>
               <a:prstGeom prst="rect">
@@ -10367,7 +8959,7 @@
               </a:bodyPr>
               <a:lstStyle/>
               <a:p>
-                <a:endParaRPr lang="en-US" dirty="0">
+                <a:endParaRPr lang="en-US">
                   <a:solidFill>
                     <a:schemeClr val="tx1"/>
                   </a:solidFill>
@@ -10579,7 +9171,7 @@
                 <a:tabLst/>
               </a:pPr>
               <a:r>
-                <a:rPr kumimoji="0" lang="en-US" sz="2000" b="0" i="0" u="none" strike="noStrike" normalizeH="0" baseline="0" dirty="0">
+                <a:rPr kumimoji="0" lang="en-US" sz="2000" b="0" i="0" u="none" strike="noStrike" normalizeH="0" baseline="0">
                   <a:ln w="0"/>
                   <a:solidFill>
                     <a:schemeClr val="tx1"/>
@@ -10596,7 +9188,7 @@
                 </a:rPr>
                 <a:t>Human</a:t>
               </a:r>
-              <a:endParaRPr kumimoji="0" lang="en-IL" sz="4600" b="0" i="0" u="none" strike="noStrike" normalizeH="0" baseline="0" dirty="0">
+              <a:endParaRPr kumimoji="0" lang="en-IL" sz="4600" b="0" i="0" u="none" strike="noStrike" normalizeH="0" baseline="0">
                 <a:ln w="0"/>
                 <a:solidFill>
                   <a:schemeClr val="tx1"/>
@@ -10679,7 +9271,7 @@
                 <a:tabLst/>
               </a:pPr>
               <a:r>
-                <a:rPr kumimoji="0" lang="en-US" sz="2000" b="0" i="0" u="none" strike="noStrike" normalizeH="0" baseline="0" dirty="0">
+                <a:rPr kumimoji="0" lang="en-US" sz="2000" b="0" i="0" u="none" strike="noStrike" normalizeH="0" baseline="0">
                   <a:ln w="0"/>
                   <a:solidFill>
                     <a:schemeClr val="tx1"/>
@@ -10696,7 +9288,7 @@
                 </a:rPr>
                 <a:t>Drone</a:t>
               </a:r>
-              <a:endParaRPr kumimoji="0" lang="en-IL" sz="4600" b="0" i="0" u="none" strike="noStrike" normalizeH="0" baseline="0" dirty="0">
+              <a:endParaRPr kumimoji="0" lang="en-IL" sz="4600" b="0" i="0" u="none" strike="noStrike" normalizeH="0" baseline="0">
                 <a:ln w="0"/>
                 <a:solidFill>
                   <a:schemeClr val="tx1"/>
@@ -10779,7 +9371,7 @@
                 <a:tabLst/>
               </a:pPr>
               <a:r>
-                <a:rPr kumimoji="0" lang="en-US" sz="2000" b="0" i="0" u="none" strike="noStrike" normalizeH="0" baseline="0" dirty="0">
+                <a:rPr kumimoji="0" lang="en-US" sz="2000" b="0" i="0" u="none" strike="noStrike" normalizeH="0" baseline="0">
                   <a:ln w="0"/>
                   <a:solidFill>
                     <a:schemeClr val="tx1"/>
@@ -10796,7 +9388,7 @@
                 </a:rPr>
                 <a:t>Cars</a:t>
               </a:r>
-              <a:endParaRPr kumimoji="0" lang="en-IL" sz="4600" b="0" i="0" u="none" strike="noStrike" normalizeH="0" baseline="0" dirty="0">
+              <a:endParaRPr kumimoji="0" lang="en-IL" sz="4600" b="0" i="0" u="none" strike="noStrike" normalizeH="0" baseline="0">
                 <a:ln w="0"/>
                 <a:solidFill>
                   <a:schemeClr val="tx1"/>
@@ -10829,8 +9421,8 @@
         </p:nvSpPr>
         <p:spPr>
           <a:xfrm>
-            <a:off x="20522552" y="26920420"/>
-            <a:ext cx="5481309" cy="923330"/>
+            <a:off x="20456185" y="26260686"/>
+            <a:ext cx="6801862" cy="923330"/>
           </a:xfrm>
           <a:prstGeom prst="rect">
             <a:avLst/>
@@ -10844,7 +9436,7 @@
           <a:p>
             <a:pPr algn="l" defTabSz="3900819" rtl="0"/>
             <a:r>
-              <a:rPr lang="en-US" sz="5400" dirty="0">
+              <a:rPr lang="en-US" sz="5400">
                 <a:solidFill>
                   <a:srgbClr val="C00000"/>
                 </a:solidFill>
@@ -10854,7 +9446,7 @@
               <a:t>Pros</a:t>
             </a:r>
             <a:r>
-              <a:rPr lang="en-US" sz="5400" dirty="0">
+              <a:rPr lang="en-US" sz="5400">
                 <a:solidFill>
                   <a:srgbClr val="C00000"/>
                 </a:solidFill>
@@ -10862,7 +9454,7 @@
               <a:t> </a:t>
             </a:r>
             <a:r>
-              <a:rPr lang="en-US" sz="5400" dirty="0">
+              <a:rPr lang="en-US" sz="5400">
                 <a:solidFill>
                   <a:srgbClr val="C00000"/>
                 </a:solidFill>
@@ -10872,23 +9464,20 @@
               <a:t>of</a:t>
             </a:r>
             <a:r>
-              <a:rPr lang="en-US" sz="5400" dirty="0">
+              <a:rPr lang="en-US" sz="5400">
                 <a:solidFill>
                   <a:srgbClr val="C00000"/>
                 </a:solidFill>
               </a:rPr>
-              <a:t> </a:t>
-            </a:r>
-            <a:r>
-              <a:rPr lang="en-US" sz="5400" dirty="0">
-                <a:solidFill>
-                  <a:srgbClr val="C00000"/>
-                </a:solidFill>
-                <a:latin typeface="Arial" panose="020B0604020202020204" pitchFamily="34" charset="0"/>
-                <a:cs typeface="Arial" panose="020B0604020202020204" pitchFamily="34" charset="0"/>
-              </a:rPr>
-              <a:t>YOLOv4</a:t>
-            </a:r>
+              <a:t> our Network</a:t>
+            </a:r>
+            <a:endParaRPr lang="en-US" sz="5400">
+              <a:solidFill>
+                <a:srgbClr val="C00000"/>
+              </a:solidFill>
+              <a:latin typeface="Arial" panose="020B0604020202020204" pitchFamily="34" charset="0"/>
+              <a:cs typeface="Arial" panose="020B0604020202020204" pitchFamily="34" charset="0"/>
+            </a:endParaRPr>
           </a:p>
         </p:txBody>
       </p:sp>
@@ -10906,8 +9495,8 @@
         </p:nvSpPr>
         <p:spPr>
           <a:xfrm>
-            <a:off x="20469953" y="31298951"/>
-            <a:ext cx="5673669" cy="923330"/>
+            <a:off x="20395406" y="30384551"/>
+            <a:ext cx="1915909" cy="923330"/>
           </a:xfrm>
           <a:prstGeom prst="rect">
             <a:avLst/>
@@ -10921,32 +9510,14 @@
           <a:p>
             <a:pPr algn="l" defTabSz="3900819" rtl="0"/>
             <a:r>
-              <a:rPr lang="en-US" sz="5400" dirty="0">
+              <a:rPr lang="en-US" sz="5400">
                 <a:solidFill>
                   <a:srgbClr val="C00000"/>
                 </a:solidFill>
                 <a:latin typeface="Arial" panose="020B0604020202020204" pitchFamily="34" charset="0"/>
                 <a:cs typeface="Arial" panose="020B0604020202020204" pitchFamily="34" charset="0"/>
               </a:rPr>
-              <a:t>Cons of</a:t>
-            </a:r>
-            <a:r>
-              <a:rPr lang="en-US" sz="5400" dirty="0">
-                <a:solidFill>
-                  <a:srgbClr val="C00000"/>
-                </a:solidFill>
-              </a:rPr>
-              <a:t> </a:t>
-            </a:r>
-            <a:r>
-              <a:rPr lang="en-US" sz="5400" dirty="0">
-                <a:solidFill>
-                  <a:srgbClr val="C00000"/>
-                </a:solidFill>
-                <a:latin typeface="Arial" panose="020B0604020202020204" pitchFamily="34" charset="0"/>
-                <a:cs typeface="Arial" panose="020B0604020202020204" pitchFamily="34" charset="0"/>
-              </a:rPr>
-              <a:t>YOLOv4</a:t>
+              <a:t>Cons</a:t>
             </a:r>
           </a:p>
         </p:txBody>
@@ -10965,8 +9536,8 @@
         </p:nvSpPr>
         <p:spPr>
           <a:xfrm>
-            <a:off x="20587038" y="27908904"/>
-            <a:ext cx="8679162" cy="3298339"/>
+            <a:off x="20469953" y="27204076"/>
+            <a:ext cx="8922634" cy="3916457"/>
           </a:xfrm>
           <a:prstGeom prst="rect">
             <a:avLst/>
@@ -10987,14 +9558,14 @@
               <a:buChar char="§"/>
             </a:pPr>
             <a:r>
-              <a:rPr lang="en-US" sz="3600" b="0" dirty="0">
+              <a:rPr lang="en-US" sz="3400" b="0">
                 <a:solidFill>
                   <a:schemeClr val="tx1"/>
                 </a:solidFill>
                 <a:latin typeface="Arial" panose="020B0604020202020204" pitchFamily="34" charset="0"/>
                 <a:cs typeface="Arial" panose="020B0604020202020204" pitchFamily="34" charset="0"/>
               </a:rPr>
-              <a:t>Light and simple architecture =&gt; High FPS</a:t>
+              <a:t>Light and simple architecture on Jetson TX2 : Performs ~5FPS</a:t>
             </a:r>
           </a:p>
           <a:p>
@@ -11007,18 +9578,18 @@
               <a:buChar char="§"/>
             </a:pPr>
             <a:r>
-              <a:rPr lang="en-US" sz="3600" b="0" dirty="0">
+              <a:rPr lang="en-US" sz="3400" b="0">
                 <a:solidFill>
                   <a:schemeClr val="tx1"/>
                 </a:solidFill>
                 <a:latin typeface="Arial" panose="020B0604020202020204" pitchFamily="34" charset="0"/>
                 <a:cs typeface="Arial" panose="020B0604020202020204" pitchFamily="34" charset="0"/>
               </a:rPr>
-              <a:t>Flexible for various sizes of drones </a:t>
-            </a:r>
-          </a:p>
-          <a:p>
-            <a:pPr marL="457200" lvl="1" indent="-457200" algn="l" rtl="0">
+              <a:t>Flexible for various drone sizes and colors</a:t>
+            </a:r>
+          </a:p>
+          <a:p>
+            <a:pPr marL="457200" lvl="1" indent="-457200" algn="just" rtl="0">
               <a:spcBef>
                 <a:spcPts val="1682"/>
               </a:spcBef>
@@ -11027,15 +9598,32 @@
               <a:buChar char="§"/>
             </a:pPr>
             <a:r>
-              <a:rPr lang="en-US" sz="3600" b="0" dirty="0">
+              <a:rPr lang="en-US" sz="3400" b="0">
                 <a:solidFill>
                   <a:schemeClr val="tx1"/>
                 </a:solidFill>
                 <a:latin typeface="Arial" panose="020B0604020202020204" pitchFamily="34" charset="0"/>
                 <a:cs typeface="Arial" panose="020B0604020202020204" pitchFamily="34" charset="0"/>
               </a:rPr>
-              <a:t>Easy to retrained for other drones' shapes </a:t>
-            </a:r>
+              <a:t>Detections (output) are compactly gathered and easy to manipulate </a:t>
+            </a:r>
+          </a:p>
+          <a:p>
+            <a:pPr marL="457200" lvl="1" indent="-457200" algn="just" rtl="0">
+              <a:spcBef>
+                <a:spcPts val="1682"/>
+              </a:spcBef>
+              <a:buSzPct val="125000"/>
+              <a:buFont typeface="Wingdings" panose="05000000000000000000" pitchFamily="2" charset="2"/>
+              <a:buChar char="§"/>
+            </a:pPr>
+            <a:endParaRPr lang="en-US" sz="3600" b="0">
+              <a:solidFill>
+                <a:schemeClr val="tx1"/>
+              </a:solidFill>
+              <a:latin typeface="Arial" panose="020B0604020202020204" pitchFamily="34" charset="0"/>
+              <a:cs typeface="Arial" panose="020B0604020202020204" pitchFamily="34" charset="0"/>
+            </a:endParaRPr>
           </a:p>
         </p:txBody>
       </p:sp>
@@ -11053,8 +9641,8 @@
         </p:nvSpPr>
         <p:spPr>
           <a:xfrm>
-            <a:off x="20593476" y="32376669"/>
-            <a:ext cx="8709167" cy="4406334"/>
+            <a:off x="20370448" y="31400072"/>
+            <a:ext cx="9002286" cy="4252446"/>
           </a:xfrm>
           <a:prstGeom prst="rect">
             <a:avLst/>
@@ -11075,14 +9663,14 @@
               <a:buChar char="§"/>
             </a:pPr>
             <a:r>
-              <a:rPr lang="en-US" sz="3600" b="0" dirty="0">
+              <a:rPr lang="en-US" sz="3400" b="0">
                 <a:solidFill>
                   <a:schemeClr val="tx1"/>
                 </a:solidFill>
                 <a:latin typeface="Arial" panose="020B0604020202020204" pitchFamily="34" charset="0"/>
                 <a:cs typeface="Arial" panose="020B0604020202020204" pitchFamily="34" charset="0"/>
               </a:rPr>
-              <a:t>Does not use consider the time relation between frames</a:t>
+              <a:t>The network doesn’t fully utilize the primarily created dataset (data is video sets - time relation between frames) </a:t>
             </a:r>
           </a:p>
           <a:p>
@@ -11095,14 +9683,14 @@
               <a:buChar char="§"/>
             </a:pPr>
             <a:r>
-              <a:rPr lang="en-US" sz="3600" b="0" dirty="0">
+              <a:rPr lang="en-US" sz="3400" b="0">
                 <a:solidFill>
                   <a:schemeClr val="tx1"/>
                 </a:solidFill>
                 <a:latin typeface="Arial" panose="020B0604020202020204" pitchFamily="34" charset="0"/>
                 <a:cs typeface="Arial" panose="020B0604020202020204" pitchFamily="34" charset="0"/>
               </a:rPr>
-              <a:t>The dataset created from a specific drone – current weights will not deal with all kinds of drones</a:t>
+              <a:t>The dataset created with a specific drone –not ideal with other kinds of drones</a:t>
             </a:r>
           </a:p>
           <a:p>
@@ -11113,7 +9701,7 @@
               <a:buSzPct val="125000"/>
             </a:pPr>
             <a:br>
-              <a:rPr lang="en-US" sz="3600" b="0" dirty="0">
+              <a:rPr lang="en-US" sz="3600" b="0">
                 <a:solidFill>
                   <a:schemeClr val="tx1"/>
                 </a:solidFill>
@@ -11121,7 +9709,7 @@
                 <a:cs typeface="Arial" panose="020B0604020202020204" pitchFamily="34" charset="0"/>
               </a:rPr>
             </a:br>
-            <a:endParaRPr lang="en-US" sz="3600" b="0" dirty="0">
+            <a:endParaRPr lang="en-US" sz="3600" b="0">
               <a:solidFill>
                 <a:schemeClr val="tx1"/>
               </a:solidFill>
@@ -11145,8 +9733,8 @@
         </p:nvSpPr>
         <p:spPr>
           <a:xfrm>
-            <a:off x="20705130" y="9711330"/>
-            <a:ext cx="8834276" cy="1200329"/>
+            <a:off x="21009930" y="9292157"/>
+            <a:ext cx="8834276" cy="615553"/>
           </a:xfrm>
           <a:prstGeom prst="rect">
             <a:avLst/>
@@ -11160,38 +9748,38 @@
           <a:p>
             <a:pPr algn="l" rtl="0"/>
             <a:r>
-              <a:rPr lang="en-IL" sz="3600" b="0" dirty="0">
+              <a:rPr lang="en-IL" sz="3400" b="0">
                 <a:solidFill>
                   <a:schemeClr val="tx1"/>
                 </a:solidFill>
               </a:rPr>
-              <a:t>Actual </a:t>
-            </a:r>
-            <a:r>
-              <a:rPr lang="en-US" sz="3600" b="0" dirty="0">
+              <a:t>Actual flying drone</a:t>
+            </a:r>
+            <a:r>
+              <a:rPr lang="en-US" sz="3400" b="0">
                 <a:solidFill>
                   <a:schemeClr val="tx1"/>
                 </a:solidFill>
               </a:rPr>
-              <a:t>scenes</a:t>
-            </a:r>
-            <a:r>
-              <a:rPr lang="en-IL" sz="3600" b="0" dirty="0">
+              <a:t> scenes</a:t>
+            </a:r>
+            <a:r>
+              <a:rPr lang="en-IL" sz="3400" b="0">
                 <a:solidFill>
                   <a:schemeClr val="tx1"/>
                 </a:solidFill>
               </a:rPr>
-              <a:t> of flying drone in urban area</a:t>
-            </a:r>
-            <a:r>
-              <a:rPr lang="en-US" sz="3600" b="0" dirty="0">
+              <a:t> in urban area</a:t>
+            </a:r>
+            <a:r>
+              <a:rPr lang="en-US" sz="3400" b="0">
                 <a:solidFill>
                   <a:schemeClr val="tx1"/>
                 </a:solidFill>
               </a:rPr>
               <a:t>:</a:t>
             </a:r>
-            <a:endParaRPr lang="en-IL" sz="3600" b="0" dirty="0">
+            <a:endParaRPr lang="en-IL" sz="3400" b="0">
               <a:solidFill>
                 <a:schemeClr val="tx1"/>
               </a:solidFill>
@@ -11199,24 +9787,111 @@
           </a:p>
         </p:txBody>
       </p:sp>
-      <p:sp>
-        <p:nvSpPr>
-          <p:cNvPr id="100" name="Rectangle 4">
+      <p:pic>
+        <p:nvPicPr>
+          <p:cNvPr id="1026" name="Picture 2" descr="YOLOv4 — Superior, Faster &amp; More Accurate Object Detection | by Ritesh  Kanjee | Medium">
             <a:extLst>
               <a:ext uri="{FF2B5EF4-FFF2-40B4-BE49-F238E27FC236}">
-                <a16:creationId xmlns:a16="http://schemas.microsoft.com/office/drawing/2014/main" id="{9BBD8A56-63A8-45BF-A201-0BFF2C824EE1}"/>
+                <a16:creationId xmlns:a16="http://schemas.microsoft.com/office/drawing/2014/main" id="{58FD6E4A-063C-4578-B6EA-AC9FD4B72C6D}"/>
               </a:ext>
             </a:extLst>
           </p:cNvPr>
-          <p:cNvSpPr>
-            <a:spLocks noChangeArrowheads="1"/>
-          </p:cNvSpPr>
+          <p:cNvPicPr>
+            <a:picLocks noChangeAspect="1" noChangeArrowheads="1"/>
+          </p:cNvPicPr>
           <p:nvPr/>
-        </p:nvSpPr>
+        </p:nvPicPr>
+        <p:blipFill>
+          <a:blip r:embed="rId11">
+            <a:extLst>
+              <a:ext uri="{28A0092B-C50C-407E-A947-70E740481C1C}">
+                <a14:useLocalDpi xmlns:a14="http://schemas.microsoft.com/office/drawing/2010/main" val="0"/>
+              </a:ext>
+            </a:extLst>
+          </a:blip>
+          <a:srcRect/>
+          <a:stretch>
+            <a:fillRect/>
+          </a:stretch>
+        </p:blipFill>
         <p:spPr bwMode="auto">
           <a:xfrm>
-            <a:off x="20562622" y="17797070"/>
-            <a:ext cx="9119291" cy="932155"/>
+            <a:off x="10703404" y="15031567"/>
+            <a:ext cx="9009742" cy="7177761"/>
+          </a:xfrm>
+          <a:prstGeom prst="rect">
+            <a:avLst/>
+          </a:prstGeom>
+          <a:noFill/>
+          <a:extLst>
+            <a:ext uri="{909E8E84-426E-40DD-AFC4-6F175D3DCCD1}">
+              <a14:hiddenFill xmlns:a14="http://schemas.microsoft.com/office/drawing/2010/main">
+                <a:solidFill>
+                  <a:srgbClr val="FFFFFF"/>
+                </a:solidFill>
+              </a14:hiddenFill>
+            </a:ext>
+          </a:extLst>
+        </p:spPr>
+      </p:pic>
+      <p:pic>
+        <p:nvPicPr>
+          <p:cNvPr id="16" name="Picture 15">
+            <a:extLst>
+              <a:ext uri="{FF2B5EF4-FFF2-40B4-BE49-F238E27FC236}">
+                <a16:creationId xmlns:a16="http://schemas.microsoft.com/office/drawing/2014/main" id="{133D3700-4492-4D85-8F69-041A15907ED0}"/>
+              </a:ext>
+            </a:extLst>
+          </p:cNvPr>
+          <p:cNvPicPr>
+            <a:picLocks noChangeAspect="1"/>
+          </p:cNvPicPr>
+          <p:nvPr/>
+        </p:nvPicPr>
+        <p:blipFill rotWithShape="1">
+          <a:blip r:embed="rId12"/>
+          <a:srcRect l="2070" t="3174" r="4674"/>
+          <a:stretch/>
+        </p:blipFill>
+        <p:spPr>
+          <a:xfrm>
+            <a:off x="10569384" y="25067442"/>
+            <a:ext cx="8863580" cy="4543203"/>
+          </a:xfrm>
+          <a:prstGeom prst="rect">
+            <a:avLst/>
+          </a:prstGeom>
+        </p:spPr>
+      </p:pic>
+      <p:pic>
+        <p:nvPicPr>
+          <p:cNvPr id="123" name="Picture 122">
+            <a:extLst>
+              <a:ext uri="{FF2B5EF4-FFF2-40B4-BE49-F238E27FC236}">
+                <a16:creationId xmlns:a16="http://schemas.microsoft.com/office/drawing/2014/main" id="{7EDCBEA1-A6A9-4B8A-8A33-482939686836}"/>
+              </a:ext>
+            </a:extLst>
+          </p:cNvPr>
+          <p:cNvPicPr/>
+          <p:nvPr/>
+        </p:nvPicPr>
+        <p:blipFill>
+          <a:blip r:embed="rId13">
+            <a:extLst>
+              <a:ext uri="{28A0092B-C50C-407E-A947-70E740481C1C}">
+                <a14:useLocalDpi xmlns:a14="http://schemas.microsoft.com/office/drawing/2010/main" val="0"/>
+              </a:ext>
+            </a:extLst>
+          </a:blip>
+          <a:srcRect/>
+          <a:stretch>
+            <a:fillRect/>
+          </a:stretch>
+        </p:blipFill>
+        <p:spPr bwMode="auto">
+          <a:xfrm>
+            <a:off x="10515875" y="32640058"/>
+            <a:ext cx="8910570" cy="5842252"/>
           </a:xfrm>
           <a:prstGeom prst="rect">
             <a:avLst/>
@@ -11225,184 +9900,118 @@
           <a:ln>
             <a:noFill/>
           </a:ln>
-          <a:extLst>
-            <a:ext uri="{909E8E84-426E-40DD-AFC4-6F175D3DCCD1}">
-              <a14:hiddenFill xmlns:a14="http://schemas.microsoft.com/office/drawing/2010/main">
-                <a:solidFill>
-                  <a:srgbClr val="FFFFFF"/>
-                </a:solidFill>
-              </a14:hiddenFill>
-            </a:ext>
-            <a:ext uri="{91240B29-F687-4F45-9708-019B960494DF}">
-              <a14:hiddenLine xmlns:a14="http://schemas.microsoft.com/office/drawing/2010/main" w="9525">
-                <a:solidFill>
-                  <a:srgbClr val="000000"/>
-                </a:solidFill>
-                <a:miter lim="800000"/>
-                <a:headEnd/>
-                <a:tailEnd/>
-              </a14:hiddenLine>
-            </a:ext>
-          </a:extLst>
         </p:spPr>
-        <p:txBody>
-          <a:bodyPr/>
-          <a:lstStyle/>
-          <a:p>
-            <a:pPr algn="ctr" rtl="0">
-              <a:spcBef>
-                <a:spcPts val="1682"/>
-              </a:spcBef>
-            </a:pPr>
-            <a:r>
-              <a:rPr lang="en-US" sz="2800" b="0" dirty="0">
-                <a:solidFill>
-                  <a:schemeClr val="tx1"/>
-                </a:solidFill>
-                <a:latin typeface="Arial" panose="020B0604020202020204" pitchFamily="34" charset="0"/>
-                <a:cs typeface="Arial" panose="020B0604020202020204" pitchFamily="34" charset="0"/>
-              </a:rPr>
-              <a:t>Example 1</a:t>
-            </a:r>
-          </a:p>
-        </p:txBody>
-      </p:sp>
+      </p:pic>
       <p:pic>
         <p:nvPicPr>
-          <p:cNvPr id="11" name="Picture 10">
+          <p:cNvPr id="124" name="Picture 123">
             <a:extLst>
               <a:ext uri="{FF2B5EF4-FFF2-40B4-BE49-F238E27FC236}">
-                <a16:creationId xmlns:a16="http://schemas.microsoft.com/office/drawing/2014/main" id="{2C50B05A-9DFA-46B9-B7F4-426B28ECA48A}"/>
+                <a16:creationId xmlns:a16="http://schemas.microsoft.com/office/drawing/2014/main" id="{40FEF767-742B-4AAD-BB6A-D2394308309E}"/>
               </a:ext>
             </a:extLst>
           </p:cNvPr>
-          <p:cNvPicPr>
-            <a:picLocks noChangeAspect="1"/>
-          </p:cNvPicPr>
+          <p:cNvPicPr/>
           <p:nvPr/>
         </p:nvPicPr>
         <p:blipFill>
-          <a:blip r:embed="rId14"/>
+          <a:blip r:embed="rId14">
+            <a:extLst>
+              <a:ext uri="{28A0092B-C50C-407E-A947-70E740481C1C}">
+                <a14:useLocalDpi xmlns:a14="http://schemas.microsoft.com/office/drawing/2010/main" val="0"/>
+              </a:ext>
+            </a:extLst>
+          </a:blip>
+          <a:srcRect/>
           <a:stretch>
             <a:fillRect/>
           </a:stretch>
         </p:blipFill>
-        <p:spPr>
+        <p:spPr bwMode="auto">
           <a:xfrm>
-            <a:off x="20794579" y="18495165"/>
-            <a:ext cx="8278216" cy="6781287"/>
+            <a:off x="20531720" y="18785954"/>
+            <a:ext cx="8933724" cy="6906492"/>
           </a:xfrm>
           <a:prstGeom prst="rect">
             <a:avLst/>
           </a:prstGeom>
+          <a:noFill/>
+          <a:ln>
+            <a:noFill/>
+          </a:ln>
         </p:spPr>
       </p:pic>
       <p:sp>
         <p:nvSpPr>
-          <p:cNvPr id="101" name="Rectangle 100">
+          <p:cNvPr id="125" name="TextBox 124">
             <a:extLst>
               <a:ext uri="{FF2B5EF4-FFF2-40B4-BE49-F238E27FC236}">
-                <a16:creationId xmlns:a16="http://schemas.microsoft.com/office/drawing/2014/main" id="{9A91D331-0382-4237-BBDD-B6FDA47DDB31}"/>
+                <a16:creationId xmlns:a16="http://schemas.microsoft.com/office/drawing/2014/main" id="{4BF0E986-03BD-458E-A59A-EA8531AEAFC7}"/>
               </a:ext>
             </a:extLst>
           </p:cNvPr>
-          <p:cNvSpPr/>
+          <p:cNvSpPr txBox="1"/>
           <p:nvPr/>
         </p:nvSpPr>
-        <p:spPr bwMode="auto">
+        <p:spPr>
           <a:xfrm>
-            <a:off x="24709823" y="20055805"/>
-            <a:ext cx="1271961" cy="299128"/>
+            <a:off x="20406192" y="16844288"/>
+            <a:ext cx="8986396" cy="1661993"/>
           </a:xfrm>
           <a:prstGeom prst="rect">
             <a:avLst/>
           </a:prstGeom>
-          <a:ln>
-            <a:headEnd type="none" w="med" len="med"/>
-            <a:tailEnd type="none" w="med" len="med"/>
-          </a:ln>
+          <a:noFill/>
         </p:spPr>
-        <p:style>
-          <a:lnRef idx="2">
-            <a:schemeClr val="dk1"/>
-          </a:lnRef>
-          <a:fillRef idx="1">
-            <a:schemeClr val="lt1"/>
-          </a:fillRef>
-          <a:effectRef idx="0">
-            <a:schemeClr val="dk1"/>
-          </a:effectRef>
-          <a:fontRef idx="minor">
-            <a:schemeClr val="dk1"/>
-          </a:fontRef>
-        </p:style>
         <p:txBody>
-          <a:bodyPr rot="0" spcFirstLastPara="0" vertOverflow="overflow" horzOverflow="overflow" vert="horz" wrap="none" lIns="91440" tIns="45720" rIns="91440" bIns="45720" numCol="1" spcCol="0" rtlCol="0" fromWordArt="0" anchor="ctr" anchorCtr="0" forceAA="0" compatLnSpc="1">
-            <a:prstTxWarp prst="textNoShape">
-              <a:avLst/>
-            </a:prstTxWarp>
-            <a:noAutofit/>
+          <a:bodyPr wrap="square">
+            <a:spAutoFit/>
           </a:bodyPr>
           <a:lstStyle/>
           <a:p>
-            <a:pPr marL="0" marR="0" indent="0" algn="ctr" defTabSz="1042988" rtl="0" eaLnBrk="0" fontAlgn="base" latinLnBrk="0" hangingPunct="0">
-              <a:lnSpc>
-                <a:spcPct val="100000"/>
-              </a:lnSpc>
-              <a:spcBef>
-                <a:spcPct val="0"/>
-              </a:spcBef>
-              <a:spcAft>
-                <a:spcPct val="0"/>
-              </a:spcAft>
-              <a:buClrTx/>
-              <a:buSzTx/>
-              <a:buFontTx/>
-              <a:buNone/>
-              <a:tabLst/>
+            <a:pPr marL="571500" indent="-571500" algn="just" rtl="0">
+              <a:buFont typeface="Wingdings" panose="05000000000000000000" pitchFamily="2" charset="2"/>
+              <a:buChar char="§"/>
             </a:pPr>
             <a:r>
-              <a:rPr kumimoji="0" lang="en-US" sz="2000" b="0" i="0" u="none" strike="noStrike" normalizeH="0" baseline="0" dirty="0">
-                <a:ln w="0"/>
+              <a:rPr lang="en-US" sz="3400" b="0">
                 <a:solidFill>
                   <a:schemeClr val="tx1"/>
                 </a:solidFill>
-                <a:effectLst>
-                  <a:outerShdw blurRad="38100" dist="19050" dir="2700000" algn="tl" rotWithShape="0">
-                    <a:schemeClr val="dk1">
-                      <a:alpha val="40000"/>
-                    </a:schemeClr>
-                  </a:outerShdw>
-                </a:effectLst>
                 <a:latin typeface="Arial" panose="020B0604020202020204" pitchFamily="34" charset="0"/>
                 <a:cs typeface="Arial" panose="020B0604020202020204" pitchFamily="34" charset="0"/>
               </a:rPr>
-              <a:t>Cars</a:t>
-            </a:r>
-            <a:endParaRPr kumimoji="0" lang="en-IL" sz="4600" b="0" i="0" u="none" strike="noStrike" normalizeH="0" baseline="0" dirty="0">
-              <a:ln w="0"/>
-              <a:solidFill>
-                <a:schemeClr val="tx1"/>
-              </a:solidFill>
-              <a:effectLst>
-                <a:outerShdw blurRad="38100" dist="19050" dir="2700000" algn="tl" rotWithShape="0">
-                  <a:schemeClr val="dk1">
-                    <a:alpha val="40000"/>
-                  </a:schemeClr>
-                </a:outerShdw>
-              </a:effectLst>
-              <a:latin typeface="Arial" panose="020B0604020202020204" pitchFamily="34" charset="0"/>
-              <a:cs typeface="Arial" panose="020B0604020202020204" pitchFamily="34" charset="0"/>
-            </a:endParaRPr>
+              <a:t>We chose the state (weights) of the model at iteration 15000, since it achieved the highest score (on </a:t>
+            </a:r>
+            <a:r>
+              <a:rPr lang="en-US" sz="3400">
+                <a:solidFill>
+                  <a:schemeClr val="tx1"/>
+                </a:solidFill>
+                <a:latin typeface="Arial" panose="020B0604020202020204" pitchFamily="34" charset="0"/>
+                <a:cs typeface="Arial" panose="020B0604020202020204" pitchFamily="34" charset="0"/>
+              </a:rPr>
+              <a:t>genuine</a:t>
+            </a:r>
+            <a:r>
+              <a:rPr lang="en-US" sz="3400" b="0">
+                <a:solidFill>
+                  <a:schemeClr val="tx1"/>
+                </a:solidFill>
+                <a:latin typeface="Arial" panose="020B0604020202020204" pitchFamily="34" charset="0"/>
+                <a:cs typeface="Arial" panose="020B0604020202020204" pitchFamily="34" charset="0"/>
+              </a:rPr>
+              <a:t> scenes).</a:t>
+            </a:r>
           </a:p>
         </p:txBody>
       </p:sp>
       <p:sp>
         <p:nvSpPr>
-          <p:cNvPr id="102" name="Oval 101">
+          <p:cNvPr id="4" name="Rectangle 3">
             <a:extLst>
               <a:ext uri="{FF2B5EF4-FFF2-40B4-BE49-F238E27FC236}">
-                <a16:creationId xmlns:a16="http://schemas.microsoft.com/office/drawing/2014/main" id="{AACF9FC9-40D6-4B33-94C6-DC86F32E6764}"/>
+                <a16:creationId xmlns:a16="http://schemas.microsoft.com/office/drawing/2014/main" id="{BFD67592-9C29-47D2-A482-6DBC119924BB}"/>
               </a:ext>
             </a:extLst>
           </p:cNvPr>
@@ -11411,475 +10020,289 @@
         </p:nvSpPr>
         <p:spPr>
           <a:xfrm>
-            <a:off x="27711025" y="24329683"/>
-            <a:ext cx="990599" cy="1013528"/>
+            <a:off x="707880" y="38671818"/>
+            <a:ext cx="8976210" cy="2403222"/>
           </a:xfrm>
-          <a:prstGeom prst="ellipse">
+          <a:prstGeom prst="rect">
             <a:avLst/>
           </a:prstGeom>
-          <a:noFill/>
-          <a:ln>
-            <a:solidFill>
-              <a:srgbClr val="FF0000"/>
-            </a:solidFill>
-          </a:ln>
         </p:spPr>
-        <p:style>
-          <a:lnRef idx="2">
-            <a:schemeClr val="accent1">
-              <a:shade val="50000"/>
-            </a:schemeClr>
-          </a:lnRef>
-          <a:fillRef idx="1">
-            <a:schemeClr val="accent1"/>
-          </a:fillRef>
-          <a:effectRef idx="0">
-            <a:schemeClr val="accent1"/>
-          </a:effectRef>
-          <a:fontRef idx="minor">
-            <a:schemeClr val="lt1"/>
-          </a:fontRef>
-        </p:style>
         <p:txBody>
-          <a:bodyPr rot="0" spcFirstLastPara="0" vert="horz" wrap="square" lIns="91440" tIns="45720" rIns="91440" bIns="45720" numCol="1" spcCol="0" rtlCol="0" fromWordArt="0" anchor="ctr" anchorCtr="0" forceAA="0" compatLnSpc="1">
-            <a:prstTxWarp prst="textNoShape">
-              <a:avLst/>
-            </a:prstTxWarp>
-            <a:noAutofit/>
+          <a:bodyPr wrap="square">
+            <a:spAutoFit/>
           </a:bodyPr>
           <a:lstStyle/>
           <a:p>
-            <a:endParaRPr lang="en-US">
+            <a:pPr lvl="1" algn="just" rtl="0">
+              <a:spcBef>
+                <a:spcPts val="1682"/>
+              </a:spcBef>
+              <a:buSzPct val="125000"/>
+            </a:pPr>
+            <a:r>
+              <a:rPr lang="en-US" sz="3400" b="0">
+                <a:solidFill>
+                  <a:srgbClr val="000000"/>
+                </a:solidFill>
+                <a:latin typeface="Arial"/>
+                <a:cs typeface="Arial"/>
+              </a:rPr>
+              <a:t>Light algorithm that can be implemented on a low power system - Jetson TX2, while maintaining reasonable performance: </a:t>
+            </a:r>
+          </a:p>
+          <a:p>
+            <a:pPr lvl="1" algn="just" rtl="0">
+              <a:spcBef>
+                <a:spcPts val="1682"/>
+              </a:spcBef>
+              <a:buSzPct val="125000"/>
+            </a:pPr>
+            <a:r>
+              <a:rPr lang="en-US" sz="3400" b="0">
+                <a:solidFill>
+                  <a:srgbClr val="000000"/>
+                </a:solidFill>
+                <a:latin typeface="Arial"/>
+                <a:cs typeface="Arial"/>
+              </a:rPr>
+              <a:t>FPS &gt;= 2, </a:t>
+            </a:r>
+            <a:r>
+              <a:rPr lang="en-US" sz="3400" b="0" err="1">
+                <a:solidFill>
+                  <a:srgbClr val="000000"/>
+                </a:solidFill>
+                <a:latin typeface="Arial"/>
+                <a:cs typeface="Arial"/>
+              </a:rPr>
+              <a:t>mAP</a:t>
+            </a:r>
+            <a:r>
+              <a:rPr lang="en-US" sz="3400" b="0">
+                <a:solidFill>
+                  <a:srgbClr val="000000"/>
+                </a:solidFill>
+                <a:latin typeface="Arial"/>
+                <a:cs typeface="Arial"/>
+              </a:rPr>
+              <a:t> &gt;= 0.7.</a:t>
+            </a:r>
+            <a:endParaRPr lang="en-US" sz="3400">
               <a:solidFill>
-                <a:schemeClr val="tx1"/>
+                <a:srgbClr val="000000"/>
               </a:solidFill>
+              <a:latin typeface="Arial"/>
+              <a:cs typeface="Arial"/>
             </a:endParaRPr>
           </a:p>
         </p:txBody>
       </p:sp>
       <p:sp>
         <p:nvSpPr>
-          <p:cNvPr id="110" name="Oval 109">
+          <p:cNvPr id="15" name="TextBox 14">
             <a:extLst>
               <a:ext uri="{FF2B5EF4-FFF2-40B4-BE49-F238E27FC236}">
-                <a16:creationId xmlns:a16="http://schemas.microsoft.com/office/drawing/2014/main" id="{7F3D58EC-EE6A-4CA8-B7B1-6AC44CC67862}"/>
+                <a16:creationId xmlns:a16="http://schemas.microsoft.com/office/drawing/2014/main" id="{64B0B6CA-57C4-44CB-8A84-B10E94DA18A5}"/>
               </a:ext>
             </a:extLst>
           </p:cNvPr>
-          <p:cNvSpPr/>
+          <p:cNvSpPr txBox="1"/>
           <p:nvPr/>
         </p:nvSpPr>
         <p:spPr>
           <a:xfrm>
-            <a:off x="22272607" y="20372872"/>
-            <a:ext cx="990599" cy="1013528"/>
-          </a:xfrm>
-          <a:prstGeom prst="ellipse">
-            <a:avLst/>
-          </a:prstGeom>
-          <a:noFill/>
-          <a:ln>
-            <a:solidFill>
-              <a:srgbClr val="FF0000"/>
-            </a:solidFill>
-          </a:ln>
-        </p:spPr>
-        <p:style>
-          <a:lnRef idx="2">
-            <a:schemeClr val="accent1">
-              <a:shade val="50000"/>
-            </a:schemeClr>
-          </a:lnRef>
-          <a:fillRef idx="1">
-            <a:schemeClr val="accent1"/>
-          </a:fillRef>
-          <a:effectRef idx="0">
-            <a:schemeClr val="accent1"/>
-          </a:effectRef>
-          <a:fontRef idx="minor">
-            <a:schemeClr val="lt1"/>
-          </a:fontRef>
-        </p:style>
-        <p:txBody>
-          <a:bodyPr rot="0" spcFirstLastPara="0" vert="horz" wrap="square" lIns="91440" tIns="45720" rIns="91440" bIns="45720" numCol="1" spcCol="0" rtlCol="0" fromWordArt="0" anchor="ctr" anchorCtr="0" forceAA="0" compatLnSpc="1">
-            <a:prstTxWarp prst="textNoShape">
-              <a:avLst/>
-            </a:prstTxWarp>
-            <a:noAutofit/>
-          </a:bodyPr>
-          <a:lstStyle/>
-          <a:p>
-            <a:endParaRPr lang="en-US">
-              <a:solidFill>
-                <a:schemeClr val="tx1"/>
-              </a:solidFill>
-            </a:endParaRPr>
-          </a:p>
-        </p:txBody>
-      </p:sp>
-      <p:sp>
-        <p:nvSpPr>
-          <p:cNvPr id="111" name="Rectangle 110">
-            <a:extLst>
-              <a:ext uri="{FF2B5EF4-FFF2-40B4-BE49-F238E27FC236}">
-                <a16:creationId xmlns:a16="http://schemas.microsoft.com/office/drawing/2014/main" id="{2E6EB5F4-C6C2-49DF-A1D1-27924C203BFF}"/>
-              </a:ext>
-            </a:extLst>
-          </p:cNvPr>
-          <p:cNvSpPr/>
-          <p:nvPr/>
-        </p:nvSpPr>
-        <p:spPr>
-          <a:xfrm>
-            <a:off x="23635893" y="24151967"/>
-            <a:ext cx="2087237" cy="549764"/>
+            <a:off x="26734430" y="23733548"/>
+            <a:ext cx="3010673" cy="1815882"/>
           </a:xfrm>
           <a:prstGeom prst="rect">
             <a:avLst/>
           </a:prstGeom>
           <a:noFill/>
-          <a:ln w="19050">
-            <a:solidFill>
-              <a:srgbClr val="FF0000"/>
-            </a:solidFill>
-          </a:ln>
         </p:spPr>
-        <p:style>
-          <a:lnRef idx="2">
-            <a:schemeClr val="accent1">
-              <a:shade val="50000"/>
-            </a:schemeClr>
-          </a:lnRef>
-          <a:fillRef idx="1">
-            <a:schemeClr val="accent1"/>
-          </a:fillRef>
-          <a:effectRef idx="0">
-            <a:schemeClr val="accent1"/>
-          </a:effectRef>
-          <a:fontRef idx="minor">
-            <a:schemeClr val="lt1"/>
-          </a:fontRef>
-        </p:style>
         <p:txBody>
-          <a:bodyPr rot="0" spcFirstLastPara="0" vert="horz" wrap="square" lIns="91440" tIns="45720" rIns="91440" bIns="45720" numCol="1" spcCol="0" rtlCol="0" fromWordArt="0" anchor="ctr" anchorCtr="0" forceAA="0" compatLnSpc="1">
-            <a:prstTxWarp prst="textNoShape">
-              <a:avLst/>
-            </a:prstTxWarp>
-            <a:noAutofit/>
+          <a:bodyPr wrap="square" rtlCol="0">
+            <a:spAutoFit/>
           </a:bodyPr>
           <a:lstStyle/>
           <a:p>
-            <a:endParaRPr lang="en-US" dirty="0">
+            <a:pPr algn="l" rtl="0"/>
+            <a:r>
+              <a:rPr lang="en-US" sz="2000">
+                <a:solidFill>
+                  <a:schemeClr val="accent2">
+                    <a:lumMod val="50000"/>
+                  </a:schemeClr>
+                </a:solidFill>
+                <a:latin typeface="Arial" panose="020B0604020202020204" pitchFamily="34" charset="0"/>
+                <a:cs typeface="Arial" panose="020B0604020202020204" pitchFamily="34" charset="0"/>
+              </a:rPr>
+              <a:t>Synthesized@IoU0.5</a:t>
+            </a:r>
+          </a:p>
+          <a:p>
+            <a:pPr algn="l" rtl="0"/>
+            <a:r>
+              <a:rPr lang="en-US" sz="2000">
+                <a:solidFill>
+                  <a:srgbClr val="0070C0"/>
+                </a:solidFill>
+                <a:latin typeface="Arial" panose="020B0604020202020204" pitchFamily="34" charset="0"/>
+                <a:cs typeface="Arial" panose="020B0604020202020204" pitchFamily="34" charset="0"/>
+              </a:rPr>
+              <a:t>Genuine@IoU0.2</a:t>
+            </a:r>
+          </a:p>
+          <a:p>
+            <a:pPr algn="l" rtl="0"/>
+            <a:r>
+              <a:rPr lang="en-US" sz="2000">
+                <a:solidFill>
+                  <a:srgbClr val="FFC000"/>
+                </a:solidFill>
+                <a:latin typeface="Arial" panose="020B0604020202020204" pitchFamily="34" charset="0"/>
+                <a:cs typeface="Arial" panose="020B0604020202020204" pitchFamily="34" charset="0"/>
+              </a:rPr>
+              <a:t>Genuine@IoU0.3</a:t>
+            </a:r>
+          </a:p>
+          <a:p>
+            <a:pPr algn="l" rtl="0"/>
+            <a:r>
+              <a:rPr lang="en-US" sz="2000">
+                <a:solidFill>
+                  <a:schemeClr val="bg2">
+                    <a:lumMod val="75000"/>
+                  </a:schemeClr>
+                </a:solidFill>
+                <a:latin typeface="Arial" panose="020B0604020202020204" pitchFamily="34" charset="0"/>
+                <a:cs typeface="Arial" panose="020B0604020202020204" pitchFamily="34" charset="0"/>
+              </a:rPr>
+              <a:t>Genuine@IoU0.4</a:t>
+            </a:r>
+          </a:p>
+          <a:p>
+            <a:pPr algn="l" rtl="0"/>
+            <a:endParaRPr lang="en-US" sz="1600" b="0">
               <a:solidFill>
                 <a:schemeClr val="tx1"/>
               </a:solidFill>
             </a:endParaRPr>
           </a:p>
+          <a:p>
+            <a:pPr algn="l" rtl="0"/>
+            <a:endParaRPr lang="en-US" sz="1600" b="0">
+              <a:solidFill>
+                <a:schemeClr val="tx1"/>
+              </a:solidFill>
+            </a:endParaRPr>
+          </a:p>
         </p:txBody>
       </p:sp>
-      <p:cxnSp>
-        <p:nvCxnSpPr>
-          <p:cNvPr id="113" name="Straight Arrow Connector 112">
+      <p:sp>
+        <p:nvSpPr>
+          <p:cNvPr id="92" name="TextBox 91">
             <a:extLst>
               <a:ext uri="{FF2B5EF4-FFF2-40B4-BE49-F238E27FC236}">
-                <a16:creationId xmlns:a16="http://schemas.microsoft.com/office/drawing/2014/main" id="{69F81DBB-F90E-4A42-BD52-316226AC1861}"/>
+                <a16:creationId xmlns:a16="http://schemas.microsoft.com/office/drawing/2014/main" id="{56FA1E8F-8AFA-46FB-B462-C62FDEB11245}"/>
               </a:ext>
             </a:extLst>
           </p:cNvPr>
-          <p:cNvCxnSpPr/>
-          <p:nvPr/>
-        </p:nvCxnSpPr>
-        <p:spPr bwMode="auto">
-          <a:xfrm>
-            <a:off x="25981784" y="20457715"/>
-            <a:ext cx="1881222" cy="3790468"/>
-          </a:xfrm>
-          <a:prstGeom prst="straightConnector1">
-            <a:avLst/>
-          </a:prstGeom>
-          <a:solidFill>
-            <a:srgbClr val="000066"/>
-          </a:solidFill>
-          <a:ln w="9525" cap="flat" cmpd="sng" algn="ctr">
-            <a:solidFill>
-              <a:srgbClr val="FF0000"/>
-            </a:solidFill>
-            <a:prstDash val="solid"/>
-            <a:round/>
-            <a:headEnd type="none" w="med" len="med"/>
-            <a:tailEnd type="triangle"/>
-          </a:ln>
-          <a:effectLst/>
-          <a:extLst>
-            <a:ext uri="{AF507438-7753-43E0-B8FC-AC1667EBCBE1}">
-              <a14:hiddenEffects xmlns:a14="http://schemas.microsoft.com/office/drawing/2010/main">
-                <a:effectLst>
-                  <a:outerShdw dist="35921" dir="2700000" algn="ctr" rotWithShape="0">
-                    <a:schemeClr val="bg2"/>
-                  </a:outerShdw>
-                </a:effectLst>
-              </a14:hiddenEffects>
-            </a:ext>
-          </a:extLst>
-        </p:spPr>
-      </p:cxnSp>
-      <p:cxnSp>
-        <p:nvCxnSpPr>
-          <p:cNvPr id="118" name="Straight Arrow Connector 117">
-            <a:extLst>
-              <a:ext uri="{FF2B5EF4-FFF2-40B4-BE49-F238E27FC236}">
-                <a16:creationId xmlns:a16="http://schemas.microsoft.com/office/drawing/2014/main" id="{5C177FC0-A7C9-442F-AB1D-06EF2DFCCA4A}"/>
-              </a:ext>
-            </a:extLst>
-          </p:cNvPr>
-          <p:cNvCxnSpPr/>
-          <p:nvPr/>
-        </p:nvCxnSpPr>
-        <p:spPr bwMode="auto">
-          <a:xfrm flipH="1">
-            <a:off x="23263206" y="20354933"/>
-            <a:ext cx="1338470" cy="463613"/>
-          </a:xfrm>
-          <a:prstGeom prst="straightConnector1">
-            <a:avLst/>
-          </a:prstGeom>
-          <a:solidFill>
-            <a:srgbClr val="000066"/>
-          </a:solidFill>
-          <a:ln w="9525" cap="flat" cmpd="sng" algn="ctr">
-            <a:solidFill>
-              <a:srgbClr val="FF0000"/>
-            </a:solidFill>
-            <a:prstDash val="solid"/>
-            <a:round/>
-            <a:headEnd type="none" w="med" len="med"/>
-            <a:tailEnd type="triangle"/>
-          </a:ln>
-          <a:effectLst/>
-          <a:extLst>
-            <a:ext uri="{AF507438-7753-43E0-B8FC-AC1667EBCBE1}">
-              <a14:hiddenEffects xmlns:a14="http://schemas.microsoft.com/office/drawing/2010/main">
-                <a:effectLst>
-                  <a:outerShdw dist="35921" dir="2700000" algn="ctr" rotWithShape="0">
-                    <a:schemeClr val="bg2"/>
-                  </a:outerShdw>
-                </a:effectLst>
-              </a14:hiddenEffects>
-            </a:ext>
-          </a:extLst>
-        </p:spPr>
-      </p:cxnSp>
-      <p:sp>
-        <p:nvSpPr>
-          <p:cNvPr id="119" name="Rectangle 118">
-            <a:extLst>
-              <a:ext uri="{FF2B5EF4-FFF2-40B4-BE49-F238E27FC236}">
-                <a16:creationId xmlns:a16="http://schemas.microsoft.com/office/drawing/2014/main" id="{90076B85-70B0-4CEA-9965-5A18DE186096}"/>
-              </a:ext>
-            </a:extLst>
-          </p:cNvPr>
-          <p:cNvSpPr/>
+          <p:cNvSpPr txBox="1"/>
           <p:nvPr/>
         </p:nvSpPr>
-        <p:spPr bwMode="auto">
+        <p:spPr>
           <a:xfrm>
-            <a:off x="22405126" y="23528760"/>
-            <a:ext cx="1271961" cy="299128"/>
-          </a:xfrm>
-          <a:prstGeom prst="rect">
-            <a:avLst/>
-          </a:prstGeom>
-          <a:ln>
-            <a:headEnd type="none" w="med" len="med"/>
-            <a:tailEnd type="none" w="med" len="med"/>
-          </a:ln>
-        </p:spPr>
-        <p:style>
-          <a:lnRef idx="2">
-            <a:schemeClr val="dk1"/>
-          </a:lnRef>
-          <a:fillRef idx="1">
-            <a:schemeClr val="lt1"/>
-          </a:fillRef>
-          <a:effectRef idx="0">
-            <a:schemeClr val="dk1"/>
-          </a:effectRef>
-          <a:fontRef idx="minor">
-            <a:schemeClr val="dk1"/>
-          </a:fontRef>
-        </p:style>
-        <p:txBody>
-          <a:bodyPr rot="0" spcFirstLastPara="0" vertOverflow="overflow" horzOverflow="overflow" vert="horz" wrap="none" lIns="91440" tIns="45720" rIns="91440" bIns="45720" numCol="1" spcCol="0" rtlCol="0" fromWordArt="0" anchor="ctr" anchorCtr="0" forceAA="0" compatLnSpc="1">
-            <a:prstTxWarp prst="textNoShape">
-              <a:avLst/>
-            </a:prstTxWarp>
-            <a:noAutofit/>
-          </a:bodyPr>
-          <a:lstStyle/>
-          <a:p>
-            <a:pPr marL="0" marR="0" indent="0" algn="ctr" defTabSz="1042988" rtl="0" eaLnBrk="0" fontAlgn="base" latinLnBrk="0" hangingPunct="0">
-              <a:lnSpc>
-                <a:spcPct val="100000"/>
-              </a:lnSpc>
-              <a:spcBef>
-                <a:spcPct val="0"/>
-              </a:spcBef>
-              <a:spcAft>
-                <a:spcPct val="0"/>
-              </a:spcAft>
-              <a:buClrTx/>
-              <a:buSzTx/>
-              <a:buFontTx/>
-              <a:buNone/>
-              <a:tabLst/>
-            </a:pPr>
-            <a:r>
-              <a:rPr kumimoji="0" lang="en-US" sz="2000" b="0" i="0" u="none" strike="noStrike" normalizeH="0" baseline="0" dirty="0">
-                <a:ln w="0"/>
-                <a:solidFill>
-                  <a:schemeClr val="tx1"/>
-                </a:solidFill>
-                <a:effectLst>
-                  <a:outerShdw blurRad="38100" dist="19050" dir="2700000" algn="tl" rotWithShape="0">
-                    <a:schemeClr val="dk1">
-                      <a:alpha val="40000"/>
-                    </a:schemeClr>
-                  </a:outerShdw>
-                </a:effectLst>
-                <a:latin typeface="Arial" panose="020B0604020202020204" pitchFamily="34" charset="0"/>
-                <a:cs typeface="Arial" panose="020B0604020202020204" pitchFamily="34" charset="0"/>
-              </a:rPr>
-              <a:t>Drone</a:t>
-            </a:r>
-            <a:endParaRPr kumimoji="0" lang="en-IL" sz="4600" b="0" i="0" u="none" strike="noStrike" normalizeH="0" baseline="0" dirty="0">
-              <a:ln w="0"/>
-              <a:solidFill>
-                <a:schemeClr val="tx1"/>
-              </a:solidFill>
-              <a:effectLst>
-                <a:outerShdw blurRad="38100" dist="19050" dir="2700000" algn="tl" rotWithShape="0">
-                  <a:schemeClr val="dk1">
-                    <a:alpha val="40000"/>
-                  </a:schemeClr>
-                </a:outerShdw>
-              </a:effectLst>
-              <a:latin typeface="Arial" panose="020B0604020202020204" pitchFamily="34" charset="0"/>
-              <a:cs typeface="Arial" panose="020B0604020202020204" pitchFamily="34" charset="0"/>
-            </a:endParaRPr>
-          </a:p>
-        </p:txBody>
-      </p:sp>
-      <p:cxnSp>
-        <p:nvCxnSpPr>
-          <p:cNvPr id="120" name="Straight Arrow Connector 119">
-            <a:extLst>
-              <a:ext uri="{FF2B5EF4-FFF2-40B4-BE49-F238E27FC236}">
-                <a16:creationId xmlns:a16="http://schemas.microsoft.com/office/drawing/2014/main" id="{82ADAA89-DFD2-49C6-9B6B-67E917DAF6CD}"/>
-              </a:ext>
-            </a:extLst>
-          </p:cNvPr>
-          <p:cNvCxnSpPr/>
-          <p:nvPr/>
-        </p:nvCxnSpPr>
-        <p:spPr bwMode="auto">
-          <a:xfrm>
-            <a:off x="23263206" y="23875855"/>
-            <a:ext cx="277352" cy="591512"/>
-          </a:xfrm>
-          <a:prstGeom prst="straightConnector1">
-            <a:avLst/>
-          </a:prstGeom>
-          <a:solidFill>
-            <a:srgbClr val="000066"/>
-          </a:solidFill>
-          <a:ln w="9525" cap="flat" cmpd="sng" algn="ctr">
-            <a:solidFill>
-              <a:srgbClr val="FF0000"/>
-            </a:solidFill>
-            <a:prstDash val="solid"/>
-            <a:round/>
-            <a:headEnd type="none" w="med" len="med"/>
-            <a:tailEnd type="triangle"/>
-          </a:ln>
-          <a:effectLst/>
-          <a:extLst>
-            <a:ext uri="{AF507438-7753-43E0-B8FC-AC1667EBCBE1}">
-              <a14:hiddenEffects xmlns:a14="http://schemas.microsoft.com/office/drawing/2010/main">
-                <a:effectLst>
-                  <a:outerShdw dist="35921" dir="2700000" algn="ctr" rotWithShape="0">
-                    <a:schemeClr val="bg2"/>
-                  </a:outerShdw>
-                </a:effectLst>
-              </a14:hiddenEffects>
-            </a:ext>
-          </a:extLst>
-        </p:spPr>
-      </p:cxnSp>
-      <p:sp>
-        <p:nvSpPr>
-          <p:cNvPr id="121" name="Rectangle 4">
-            <a:extLst>
-              <a:ext uri="{FF2B5EF4-FFF2-40B4-BE49-F238E27FC236}">
-                <a16:creationId xmlns:a16="http://schemas.microsoft.com/office/drawing/2014/main" id="{99191777-086A-47EB-AD1F-18BA2DADE7A7}"/>
-              </a:ext>
-            </a:extLst>
-          </p:cNvPr>
-          <p:cNvSpPr>
-            <a:spLocks noChangeArrowheads="1"/>
-          </p:cNvSpPr>
-          <p:nvPr/>
-        </p:nvSpPr>
-        <p:spPr bwMode="auto">
-          <a:xfrm>
-            <a:off x="20786157" y="25476450"/>
-            <a:ext cx="9119291" cy="932155"/>
+            <a:off x="28686183" y="19920327"/>
+            <a:ext cx="184731" cy="338554"/>
           </a:xfrm>
           <a:prstGeom prst="rect">
             <a:avLst/>
           </a:prstGeom>
           <a:noFill/>
-          <a:ln>
-            <a:noFill/>
-          </a:ln>
-          <a:extLst>
-            <a:ext uri="{909E8E84-426E-40DD-AFC4-6F175D3DCCD1}">
-              <a14:hiddenFill xmlns:a14="http://schemas.microsoft.com/office/drawing/2010/main">
-                <a:solidFill>
-                  <a:srgbClr val="FFFFFF"/>
-                </a:solidFill>
-              </a14:hiddenFill>
-            </a:ext>
-            <a:ext uri="{91240B29-F687-4F45-9708-019B960494DF}">
-              <a14:hiddenLine xmlns:a14="http://schemas.microsoft.com/office/drawing/2010/main" w="9525">
-                <a:solidFill>
-                  <a:srgbClr val="000000"/>
-                </a:solidFill>
-                <a:miter lim="800000"/>
-                <a:headEnd/>
-                <a:tailEnd/>
-              </a14:hiddenLine>
-            </a:ext>
-          </a:extLst>
         </p:spPr>
         <p:txBody>
-          <a:bodyPr/>
+          <a:bodyPr wrap="none" rtlCol="0">
+            <a:spAutoFit/>
+          </a:bodyPr>
           <a:lstStyle/>
           <a:p>
-            <a:pPr algn="ctr" rtl="0">
-              <a:spcBef>
-                <a:spcPts val="1682"/>
-              </a:spcBef>
-            </a:pPr>
-            <a:r>
-              <a:rPr lang="en-US" sz="2800" b="0" dirty="0">
-                <a:solidFill>
-                  <a:schemeClr val="tx1"/>
-                </a:solidFill>
-                <a:latin typeface="Arial" panose="020B0604020202020204" pitchFamily="34" charset="0"/>
-                <a:cs typeface="Arial" panose="020B0604020202020204" pitchFamily="34" charset="0"/>
-              </a:rPr>
-              <a:t>Example 2</a:t>
-            </a:r>
+            <a:endParaRPr lang="en-US" sz="1600" b="0">
+              <a:solidFill>
+                <a:schemeClr val="tx1"/>
+              </a:solidFill>
+            </a:endParaRPr>
+          </a:p>
+        </p:txBody>
+      </p:sp>
+      <p:sp>
+        <p:nvSpPr>
+          <p:cNvPr id="95" name="TextBox 94">
+            <a:extLst>
+              <a:ext uri="{FF2B5EF4-FFF2-40B4-BE49-F238E27FC236}">
+                <a16:creationId xmlns:a16="http://schemas.microsoft.com/office/drawing/2014/main" id="{DCEE0D73-FCD6-4DD3-AD1C-F2DCA73D621C}"/>
+              </a:ext>
+            </a:extLst>
+          </p:cNvPr>
+          <p:cNvSpPr txBox="1"/>
+          <p:nvPr/>
+        </p:nvSpPr>
+        <p:spPr>
+          <a:xfrm>
+            <a:off x="28687525" y="20622385"/>
+            <a:ext cx="184731" cy="338554"/>
+          </a:xfrm>
+          <a:prstGeom prst="rect">
+            <a:avLst/>
+          </a:prstGeom>
+          <a:noFill/>
+        </p:spPr>
+        <p:txBody>
+          <a:bodyPr wrap="none" rtlCol="0">
+            <a:spAutoFit/>
+          </a:bodyPr>
+          <a:lstStyle/>
+          <a:p>
+            <a:endParaRPr lang="en-US" sz="1600" b="0">
+              <a:solidFill>
+                <a:schemeClr val="tx1"/>
+              </a:solidFill>
+            </a:endParaRPr>
+          </a:p>
+        </p:txBody>
+      </p:sp>
+      <p:sp>
+        <p:nvSpPr>
+          <p:cNvPr id="96" name="TextBox 95">
+            <a:extLst>
+              <a:ext uri="{FF2B5EF4-FFF2-40B4-BE49-F238E27FC236}">
+                <a16:creationId xmlns:a16="http://schemas.microsoft.com/office/drawing/2014/main" id="{C914035A-9250-4C36-86EA-EEE2FF8D3BED}"/>
+              </a:ext>
+            </a:extLst>
+          </p:cNvPr>
+          <p:cNvSpPr txBox="1"/>
+          <p:nvPr/>
+        </p:nvSpPr>
+        <p:spPr>
+          <a:xfrm>
+            <a:off x="28686183" y="22430593"/>
+            <a:ext cx="184731" cy="338554"/>
+          </a:xfrm>
+          <a:prstGeom prst="rect">
+            <a:avLst/>
+          </a:prstGeom>
+          <a:noFill/>
+        </p:spPr>
+        <p:txBody>
+          <a:bodyPr wrap="none" rtlCol="0">
+            <a:spAutoFit/>
+          </a:bodyPr>
+          <a:lstStyle/>
+          <a:p>
+            <a:endParaRPr lang="en-US" sz="1600" b="0">
+              <a:solidFill>
+                <a:schemeClr val="tx1"/>
+              </a:solidFill>
+            </a:endParaRPr>
           </a:p>
         </p:txBody>
       </p:sp>
